--- a/XGBoost.pptx
+++ b/XGBoost.pptx
@@ -1,39 +1,134 @@
 
 <file path=ppt/presentation.xml><?xml version="1.0" encoding="utf-8"?>
-<p:presentation xmlns:a="http://schemas.openxmlformats.org/drawingml/2006/main" xmlns:p="http://schemas.openxmlformats.org/presentationml/2006/main" xmlns:r="http://schemas.openxmlformats.org/officeDocument/2006/relationships" xmlns:p14="http://schemas.microsoft.com/office/powerpoint/2010/main" xmlns:p15="http://schemas.microsoft.com/office/powerpoint/2012/main" xmlns:mc="http://schemas.openxmlformats.org/markup-compatibility/2006">
+<p:presentation xmlns:a="http://schemas.openxmlformats.org/drawingml/2006/main" xmlns:r="http://schemas.openxmlformats.org/officeDocument/2006/relationships" xmlns:p="http://schemas.openxmlformats.org/presentationml/2006/main">
   <p:sldMasterIdLst>
-    <p:sldMasterId id="2147483648" r:id="rId2"/>
-    <p:sldMasterId id="2147483661" r:id="rId3"/>
-    <p:sldMasterId id="2147483674" r:id="rId4"/>
+    <p:sldMasterId id="2147483648" r:id="rId1"/>
+    <p:sldMasterId id="2147483661" r:id="rId2"/>
+    <p:sldMasterId id="2147483674" r:id="rId3"/>
   </p:sldMasterIdLst>
   <p:sldIdLst>
-    <p:sldId id="256" r:id="rId5"/>
-    <p:sldId id="257" r:id="rId6"/>
-    <p:sldId id="258" r:id="rId7"/>
-    <p:sldId id="259" r:id="rId8"/>
-    <p:sldId id="260" r:id="rId9"/>
-    <p:sldId id="261" r:id="rId10"/>
-    <p:sldId id="262" r:id="rId11"/>
-    <p:sldId id="263" r:id="rId12"/>
-    <p:sldId id="264" r:id="rId13"/>
-    <p:sldId id="265" r:id="rId14"/>
-    <p:sldId id="266" r:id="rId15"/>
-    <p:sldId id="267" r:id="rId16"/>
-    <p:sldId id="268" r:id="rId17"/>
-    <p:sldId id="269" r:id="rId18"/>
-    <p:sldId id="270" r:id="rId19"/>
-    <p:sldId id="271" r:id="rId20"/>
-    <p:sldId id="272" r:id="rId21"/>
-    <p:sldId id="273" r:id="rId22"/>
-    <p:sldId id="274" r:id="rId23"/>
+    <p:sldId id="256" r:id="rId4"/>
+    <p:sldId id="257" r:id="rId5"/>
+    <p:sldId id="258" r:id="rId6"/>
+    <p:sldId id="259" r:id="rId7"/>
+    <p:sldId id="260" r:id="rId8"/>
+    <p:sldId id="261" r:id="rId9"/>
+    <p:sldId id="262" r:id="rId10"/>
+    <p:sldId id="263" r:id="rId11"/>
+    <p:sldId id="264" r:id="rId12"/>
+    <p:sldId id="265" r:id="rId13"/>
+    <p:sldId id="266" r:id="rId14"/>
+    <p:sldId id="267" r:id="rId15"/>
+    <p:sldId id="268" r:id="rId16"/>
+    <p:sldId id="269" r:id="rId17"/>
+    <p:sldId id="270" r:id="rId18"/>
+    <p:sldId id="271" r:id="rId19"/>
+    <p:sldId id="272" r:id="rId20"/>
+    <p:sldId id="273" r:id="rId21"/>
+    <p:sldId id="274" r:id="rId22"/>
   </p:sldIdLst>
-  <p:sldSz cx="9144000" cy="5143500"/>
+  <p:sldSz cx="9144000" cy="5143500" type="screen16x9"/>
   <p:notesSz cx="6858000" cy="9144000"/>
+  <p:defaultTextStyle>
+    <a:defPPr>
+      <a:defRPr lang="en-US"/>
+    </a:defPPr>
+    <a:lvl1pPr marL="0" algn="l" defTabSz="457200" rtl="0" eaLnBrk="1" latinLnBrk="0" hangingPunct="1">
+      <a:defRPr sz="1800" kern="1200">
+        <a:solidFill>
+          <a:schemeClr val="tx1"/>
+        </a:solidFill>
+        <a:latin typeface="+mn-lt"/>
+        <a:ea typeface="+mn-ea"/>
+        <a:cs typeface="+mn-cs"/>
+      </a:defRPr>
+    </a:lvl1pPr>
+    <a:lvl2pPr marL="457200" algn="l" defTabSz="457200" rtl="0" eaLnBrk="1" latinLnBrk="0" hangingPunct="1">
+      <a:defRPr sz="1800" kern="1200">
+        <a:solidFill>
+          <a:schemeClr val="tx1"/>
+        </a:solidFill>
+        <a:latin typeface="+mn-lt"/>
+        <a:ea typeface="+mn-ea"/>
+        <a:cs typeface="+mn-cs"/>
+      </a:defRPr>
+    </a:lvl2pPr>
+    <a:lvl3pPr marL="914400" algn="l" defTabSz="457200" rtl="0" eaLnBrk="1" latinLnBrk="0" hangingPunct="1">
+      <a:defRPr sz="1800" kern="1200">
+        <a:solidFill>
+          <a:schemeClr val="tx1"/>
+        </a:solidFill>
+        <a:latin typeface="+mn-lt"/>
+        <a:ea typeface="+mn-ea"/>
+        <a:cs typeface="+mn-cs"/>
+      </a:defRPr>
+    </a:lvl3pPr>
+    <a:lvl4pPr marL="1371600" algn="l" defTabSz="457200" rtl="0" eaLnBrk="1" latinLnBrk="0" hangingPunct="1">
+      <a:defRPr sz="1800" kern="1200">
+        <a:solidFill>
+          <a:schemeClr val="tx1"/>
+        </a:solidFill>
+        <a:latin typeface="+mn-lt"/>
+        <a:ea typeface="+mn-ea"/>
+        <a:cs typeface="+mn-cs"/>
+      </a:defRPr>
+    </a:lvl4pPr>
+    <a:lvl5pPr marL="1828800" algn="l" defTabSz="457200" rtl="0" eaLnBrk="1" latinLnBrk="0" hangingPunct="1">
+      <a:defRPr sz="1800" kern="1200">
+        <a:solidFill>
+          <a:schemeClr val="tx1"/>
+        </a:solidFill>
+        <a:latin typeface="+mn-lt"/>
+        <a:ea typeface="+mn-ea"/>
+        <a:cs typeface="+mn-cs"/>
+      </a:defRPr>
+    </a:lvl5pPr>
+    <a:lvl6pPr marL="2286000" algn="l" defTabSz="457200" rtl="0" eaLnBrk="1" latinLnBrk="0" hangingPunct="1">
+      <a:defRPr sz="1800" kern="1200">
+        <a:solidFill>
+          <a:schemeClr val="tx1"/>
+        </a:solidFill>
+        <a:latin typeface="+mn-lt"/>
+        <a:ea typeface="+mn-ea"/>
+        <a:cs typeface="+mn-cs"/>
+      </a:defRPr>
+    </a:lvl6pPr>
+    <a:lvl7pPr marL="2743200" algn="l" defTabSz="457200" rtl="0" eaLnBrk="1" latinLnBrk="0" hangingPunct="1">
+      <a:defRPr sz="1800" kern="1200">
+        <a:solidFill>
+          <a:schemeClr val="tx1"/>
+        </a:solidFill>
+        <a:latin typeface="+mn-lt"/>
+        <a:ea typeface="+mn-ea"/>
+        <a:cs typeface="+mn-cs"/>
+      </a:defRPr>
+    </a:lvl7pPr>
+    <a:lvl8pPr marL="3200400" algn="l" defTabSz="457200" rtl="0" eaLnBrk="1" latinLnBrk="0" hangingPunct="1">
+      <a:defRPr sz="1800" kern="1200">
+        <a:solidFill>
+          <a:schemeClr val="tx1"/>
+        </a:solidFill>
+        <a:latin typeface="+mn-lt"/>
+        <a:ea typeface="+mn-ea"/>
+        <a:cs typeface="+mn-cs"/>
+      </a:defRPr>
+    </a:lvl8pPr>
+    <a:lvl9pPr marL="3657600" algn="l" defTabSz="457200" rtl="0" eaLnBrk="1" latinLnBrk="0" hangingPunct="1">
+      <a:defRPr sz="1800" kern="1200">
+        <a:solidFill>
+          <a:schemeClr val="tx1"/>
+        </a:solidFill>
+        <a:latin typeface="+mn-lt"/>
+        <a:ea typeface="+mn-ea"/>
+        <a:cs typeface="+mn-cs"/>
+      </a:defRPr>
+    </a:lvl9pPr>
+  </p:defaultTextStyle>
 </p:presentation>
 </file>
 
 <file path=ppt/slideLayouts/slideLayout1.xml><?xml version="1.0" encoding="utf-8"?>
-<p:sldLayout xmlns:a="http://schemas.openxmlformats.org/drawingml/2006/main" xmlns:p="http://schemas.openxmlformats.org/presentationml/2006/main" xmlns:r="http://schemas.openxmlformats.org/officeDocument/2006/relationships" xmlns:p14="http://schemas.microsoft.com/office/powerpoint/2010/main" xmlns:p15="http://schemas.microsoft.com/office/powerpoint/2012/main" xmlns:mc="http://schemas.openxmlformats.org/markup-compatibility/2006" type="blank" preserve="1">
+<p:sldLayout xmlns:a="http://schemas.openxmlformats.org/drawingml/2006/main" xmlns:r="http://schemas.openxmlformats.org/officeDocument/2006/relationships" xmlns:p="http://schemas.openxmlformats.org/presentationml/2006/main" type="blank" preserve="1">
   <p:cSld name="Blank Slide">
     <p:spTree>
       <p:nvGrpSpPr>
@@ -51,11 +146,14 @@
       </p:grpSpPr>
     </p:spTree>
   </p:cSld>
+  <p:clrMapOvr>
+    <a:masterClrMapping/>
+  </p:clrMapOvr>
 </p:sldLayout>
 </file>
 
 <file path=ppt/slideLayouts/slideLayout10.xml><?xml version="1.0" encoding="utf-8"?>
-<p:sldLayout xmlns:a="http://schemas.openxmlformats.org/drawingml/2006/main" xmlns:p="http://schemas.openxmlformats.org/presentationml/2006/main" xmlns:r="http://schemas.openxmlformats.org/officeDocument/2006/relationships" xmlns:p14="http://schemas.microsoft.com/office/powerpoint/2010/main" xmlns:p15="http://schemas.microsoft.com/office/powerpoint/2012/main" xmlns:mc="http://schemas.openxmlformats.org/markup-compatibility/2006" type="objOverTx" preserve="1">
+<p:sldLayout xmlns:a="http://schemas.openxmlformats.org/drawingml/2006/main" xmlns:r="http://schemas.openxmlformats.org/officeDocument/2006/relationships" xmlns:p="http://schemas.openxmlformats.org/presentationml/2006/main" type="objOverTx" preserve="1">
   <p:cSld name="Title, Content over Content">
     <p:spTree>
       <p:nvGrpSpPr>
@@ -91,9 +189,10 @@
           </a:prstGeom>
         </p:spPr>
         <p:txBody>
-          <a:bodyPr lIns="0" rIns="0" tIns="0" bIns="0" anchor="ctr"/>
-          <a:p>
-            <a:endParaRPr b="0" lang="en-US" sz="1400" spc="-1" strike="noStrike">
+          <a:bodyPr lIns="0" tIns="0" rIns="0" bIns="0" anchor="ctr"/>
+          <a:lstStyle/>
+          <a:p>
+            <a:endParaRPr lang="en-US" sz="1400" b="0" strike="noStrike" spc="-1">
               <a:solidFill>
                 <a:srgbClr val="000000"/>
               </a:solidFill>
@@ -122,11 +221,12 @@
           </a:prstGeom>
         </p:spPr>
         <p:txBody>
-          <a:bodyPr lIns="0" rIns="0" tIns="0" bIns="0">
+          <a:bodyPr lIns="0" tIns="0" rIns="0" bIns="0">
             <a:normAutofit/>
           </a:bodyPr>
-          <a:p>
-            <a:endParaRPr b="0" lang="en-US" sz="1400" spc="-1" strike="noStrike">
+          <a:lstStyle/>
+          <a:p>
+            <a:endParaRPr lang="en-US" sz="1400" b="0" strike="noStrike" spc="-1">
               <a:solidFill>
                 <a:srgbClr val="000000"/>
               </a:solidFill>
@@ -155,11 +255,12 @@
           </a:prstGeom>
         </p:spPr>
         <p:txBody>
-          <a:bodyPr lIns="0" rIns="0" tIns="0" bIns="0">
+          <a:bodyPr lIns="0" tIns="0" rIns="0" bIns="0">
             <a:normAutofit/>
           </a:bodyPr>
-          <a:p>
-            <a:endParaRPr b="0" lang="en-US" sz="1400" spc="-1" strike="noStrike">
+          <a:lstStyle/>
+          <a:p>
+            <a:endParaRPr lang="en-US" sz="1400" b="0" strike="noStrike" spc="-1">
               <a:solidFill>
                 <a:srgbClr val="000000"/>
               </a:solidFill>
@@ -170,11 +271,14 @@
       </p:sp>
     </p:spTree>
   </p:cSld>
+  <p:clrMapOvr>
+    <a:masterClrMapping/>
+  </p:clrMapOvr>
 </p:sldLayout>
 </file>
 
 <file path=ppt/slideLayouts/slideLayout11.xml><?xml version="1.0" encoding="utf-8"?>
-<p:sldLayout xmlns:a="http://schemas.openxmlformats.org/drawingml/2006/main" xmlns:p="http://schemas.openxmlformats.org/presentationml/2006/main" xmlns:r="http://schemas.openxmlformats.org/officeDocument/2006/relationships" xmlns:p14="http://schemas.microsoft.com/office/powerpoint/2010/main" xmlns:p15="http://schemas.microsoft.com/office/powerpoint/2012/main" xmlns:mc="http://schemas.openxmlformats.org/markup-compatibility/2006" type="fourObj" preserve="1">
+<p:sldLayout xmlns:a="http://schemas.openxmlformats.org/drawingml/2006/main" xmlns:r="http://schemas.openxmlformats.org/officeDocument/2006/relationships" xmlns:p="http://schemas.openxmlformats.org/presentationml/2006/main" type="fourObj" preserve="1">
   <p:cSld name="Title, 4 Content">
     <p:spTree>
       <p:nvGrpSpPr>
@@ -210,9 +314,10 @@
           </a:prstGeom>
         </p:spPr>
         <p:txBody>
-          <a:bodyPr lIns="0" rIns="0" tIns="0" bIns="0" anchor="ctr"/>
-          <a:p>
-            <a:endParaRPr b="0" lang="en-US" sz="1400" spc="-1" strike="noStrike">
+          <a:bodyPr lIns="0" tIns="0" rIns="0" bIns="0" anchor="ctr"/>
+          <a:lstStyle/>
+          <a:p>
+            <a:endParaRPr lang="en-US" sz="1400" b="0" strike="noStrike" spc="-1">
               <a:solidFill>
                 <a:srgbClr val="000000"/>
               </a:solidFill>
@@ -241,11 +346,12 @@
           </a:prstGeom>
         </p:spPr>
         <p:txBody>
-          <a:bodyPr lIns="0" rIns="0" tIns="0" bIns="0">
+          <a:bodyPr lIns="0" tIns="0" rIns="0" bIns="0">
             <a:normAutofit/>
           </a:bodyPr>
-          <a:p>
-            <a:endParaRPr b="0" lang="en-US" sz="1400" spc="-1" strike="noStrike">
+          <a:lstStyle/>
+          <a:p>
+            <a:endParaRPr lang="en-US" sz="1400" b="0" strike="noStrike" spc="-1">
               <a:solidFill>
                 <a:srgbClr val="000000"/>
               </a:solidFill>
@@ -274,11 +380,12 @@
           </a:prstGeom>
         </p:spPr>
         <p:txBody>
-          <a:bodyPr lIns="0" rIns="0" tIns="0" bIns="0">
+          <a:bodyPr lIns="0" tIns="0" rIns="0" bIns="0">
             <a:normAutofit/>
           </a:bodyPr>
-          <a:p>
-            <a:endParaRPr b="0" lang="en-US" sz="1400" spc="-1" strike="noStrike">
+          <a:lstStyle/>
+          <a:p>
+            <a:endParaRPr lang="en-US" sz="1400" b="0" strike="noStrike" spc="-1">
               <a:solidFill>
                 <a:srgbClr val="000000"/>
               </a:solidFill>
@@ -307,11 +414,12 @@
           </a:prstGeom>
         </p:spPr>
         <p:txBody>
-          <a:bodyPr lIns="0" rIns="0" tIns="0" bIns="0">
+          <a:bodyPr lIns="0" tIns="0" rIns="0" bIns="0">
             <a:normAutofit/>
           </a:bodyPr>
-          <a:p>
-            <a:endParaRPr b="0" lang="en-US" sz="1400" spc="-1" strike="noStrike">
+          <a:lstStyle/>
+          <a:p>
+            <a:endParaRPr lang="en-US" sz="1400" b="0" strike="noStrike" spc="-1">
               <a:solidFill>
                 <a:srgbClr val="000000"/>
               </a:solidFill>
@@ -340,11 +448,12 @@
           </a:prstGeom>
         </p:spPr>
         <p:txBody>
-          <a:bodyPr lIns="0" rIns="0" tIns="0" bIns="0">
+          <a:bodyPr lIns="0" tIns="0" rIns="0" bIns="0">
             <a:normAutofit/>
           </a:bodyPr>
-          <a:p>
-            <a:endParaRPr b="0" lang="en-US" sz="1400" spc="-1" strike="noStrike">
+          <a:lstStyle/>
+          <a:p>
+            <a:endParaRPr lang="en-US" sz="1400" b="0" strike="noStrike" spc="-1">
               <a:solidFill>
                 <a:srgbClr val="000000"/>
               </a:solidFill>
@@ -355,11 +464,14 @@
       </p:sp>
     </p:spTree>
   </p:cSld>
+  <p:clrMapOvr>
+    <a:masterClrMapping/>
+  </p:clrMapOvr>
 </p:sldLayout>
 </file>
 
 <file path=ppt/slideLayouts/slideLayout12.xml><?xml version="1.0" encoding="utf-8"?>
-<p:sldLayout xmlns:a="http://schemas.openxmlformats.org/drawingml/2006/main" xmlns:p="http://schemas.openxmlformats.org/presentationml/2006/main" xmlns:r="http://schemas.openxmlformats.org/officeDocument/2006/relationships" xmlns:p14="http://schemas.microsoft.com/office/powerpoint/2010/main" xmlns:p15="http://schemas.microsoft.com/office/powerpoint/2012/main" xmlns:mc="http://schemas.openxmlformats.org/markup-compatibility/2006" type="blank" preserve="1">
+<p:sldLayout xmlns:a="http://schemas.openxmlformats.org/drawingml/2006/main" xmlns:r="http://schemas.openxmlformats.org/officeDocument/2006/relationships" xmlns:p="http://schemas.openxmlformats.org/presentationml/2006/main" type="blank" preserve="1">
   <p:cSld name="Title, 6 Content">
     <p:spTree>
       <p:nvGrpSpPr>
@@ -395,9 +507,10 @@
           </a:prstGeom>
         </p:spPr>
         <p:txBody>
-          <a:bodyPr lIns="0" rIns="0" tIns="0" bIns="0" anchor="ctr"/>
-          <a:p>
-            <a:endParaRPr b="0" lang="en-US" sz="1400" spc="-1" strike="noStrike">
+          <a:bodyPr lIns="0" tIns="0" rIns="0" bIns="0" anchor="ctr"/>
+          <a:lstStyle/>
+          <a:p>
+            <a:endParaRPr lang="en-US" sz="1400" b="0" strike="noStrike" spc="-1">
               <a:solidFill>
                 <a:srgbClr val="000000"/>
               </a:solidFill>
@@ -426,11 +539,12 @@
           </a:prstGeom>
         </p:spPr>
         <p:txBody>
-          <a:bodyPr lIns="0" rIns="0" tIns="0" bIns="0">
+          <a:bodyPr lIns="0" tIns="0" rIns="0" bIns="0">
             <a:normAutofit/>
           </a:bodyPr>
-          <a:p>
-            <a:endParaRPr b="0" lang="en-US" sz="1400" spc="-1" strike="noStrike">
+          <a:lstStyle/>
+          <a:p>
+            <a:endParaRPr lang="en-US" sz="1400" b="0" strike="noStrike" spc="-1">
               <a:solidFill>
                 <a:srgbClr val="000000"/>
               </a:solidFill>
@@ -459,11 +573,12 @@
           </a:prstGeom>
         </p:spPr>
         <p:txBody>
-          <a:bodyPr lIns="0" rIns="0" tIns="0" bIns="0">
+          <a:bodyPr lIns="0" tIns="0" rIns="0" bIns="0">
             <a:normAutofit/>
           </a:bodyPr>
-          <a:p>
-            <a:endParaRPr b="0" lang="en-US" sz="1400" spc="-1" strike="noStrike">
+          <a:lstStyle/>
+          <a:p>
+            <a:endParaRPr lang="en-US" sz="1400" b="0" strike="noStrike" spc="-1">
               <a:solidFill>
                 <a:srgbClr val="000000"/>
               </a:solidFill>
@@ -492,11 +607,12 @@
           </a:prstGeom>
         </p:spPr>
         <p:txBody>
-          <a:bodyPr lIns="0" rIns="0" tIns="0" bIns="0">
+          <a:bodyPr lIns="0" tIns="0" rIns="0" bIns="0">
             <a:normAutofit/>
           </a:bodyPr>
-          <a:p>
-            <a:endParaRPr b="0" lang="en-US" sz="1400" spc="-1" strike="noStrike">
+          <a:lstStyle/>
+          <a:p>
+            <a:endParaRPr lang="en-US" sz="1400" b="0" strike="noStrike" spc="-1">
               <a:solidFill>
                 <a:srgbClr val="000000"/>
               </a:solidFill>
@@ -525,11 +641,12 @@
           </a:prstGeom>
         </p:spPr>
         <p:txBody>
-          <a:bodyPr lIns="0" rIns="0" tIns="0" bIns="0">
+          <a:bodyPr lIns="0" tIns="0" rIns="0" bIns="0">
             <a:normAutofit/>
           </a:bodyPr>
-          <a:p>
-            <a:endParaRPr b="0" lang="en-US" sz="1400" spc="-1" strike="noStrike">
+          <a:lstStyle/>
+          <a:p>
+            <a:endParaRPr lang="en-US" sz="1400" b="0" strike="noStrike" spc="-1">
               <a:solidFill>
                 <a:srgbClr val="000000"/>
               </a:solidFill>
@@ -558,11 +675,12 @@
           </a:prstGeom>
         </p:spPr>
         <p:txBody>
-          <a:bodyPr lIns="0" rIns="0" tIns="0" bIns="0">
+          <a:bodyPr lIns="0" tIns="0" rIns="0" bIns="0">
             <a:normAutofit/>
           </a:bodyPr>
-          <a:p>
-            <a:endParaRPr b="0" lang="en-US" sz="1400" spc="-1" strike="noStrike">
+          <a:lstStyle/>
+          <a:p>
+            <a:endParaRPr lang="en-US" sz="1400" b="0" strike="noStrike" spc="-1">
               <a:solidFill>
                 <a:srgbClr val="000000"/>
               </a:solidFill>
@@ -591,11 +709,12 @@
           </a:prstGeom>
         </p:spPr>
         <p:txBody>
-          <a:bodyPr lIns="0" rIns="0" tIns="0" bIns="0">
+          <a:bodyPr lIns="0" tIns="0" rIns="0" bIns="0">
             <a:normAutofit/>
           </a:bodyPr>
-          <a:p>
-            <a:endParaRPr b="0" lang="en-US" sz="1400" spc="-1" strike="noStrike">
+          <a:lstStyle/>
+          <a:p>
+            <a:endParaRPr lang="en-US" sz="1400" b="0" strike="noStrike" spc="-1">
               <a:solidFill>
                 <a:srgbClr val="000000"/>
               </a:solidFill>
@@ -606,11 +725,14 @@
       </p:sp>
     </p:spTree>
   </p:cSld>
+  <p:clrMapOvr>
+    <a:masterClrMapping/>
+  </p:clrMapOvr>
 </p:sldLayout>
 </file>
 
 <file path=ppt/slideLayouts/slideLayout13.xml><?xml version="1.0" encoding="utf-8"?>
-<p:sldLayout xmlns:a="http://schemas.openxmlformats.org/drawingml/2006/main" xmlns:p="http://schemas.openxmlformats.org/presentationml/2006/main" xmlns:r="http://schemas.openxmlformats.org/officeDocument/2006/relationships" xmlns:p14="http://schemas.microsoft.com/office/powerpoint/2010/main" xmlns:p15="http://schemas.microsoft.com/office/powerpoint/2012/main" xmlns:mc="http://schemas.openxmlformats.org/markup-compatibility/2006" type="blank" preserve="1">
+<p:sldLayout xmlns:a="http://schemas.openxmlformats.org/drawingml/2006/main" xmlns:r="http://schemas.openxmlformats.org/officeDocument/2006/relationships" xmlns:p="http://schemas.openxmlformats.org/presentationml/2006/main" type="blank" preserve="1">
   <p:cSld name="Blank Slide">
     <p:spTree>
       <p:nvGrpSpPr>
@@ -628,11 +750,14 @@
       </p:grpSpPr>
     </p:spTree>
   </p:cSld>
+  <p:clrMapOvr>
+    <a:masterClrMapping/>
+  </p:clrMapOvr>
 </p:sldLayout>
 </file>
 
 <file path=ppt/slideLayouts/slideLayout14.xml><?xml version="1.0" encoding="utf-8"?>
-<p:sldLayout xmlns:a="http://schemas.openxmlformats.org/drawingml/2006/main" xmlns:p="http://schemas.openxmlformats.org/presentationml/2006/main" xmlns:r="http://schemas.openxmlformats.org/officeDocument/2006/relationships" xmlns:p14="http://schemas.microsoft.com/office/powerpoint/2010/main" xmlns:p15="http://schemas.microsoft.com/office/powerpoint/2012/main" xmlns:mc="http://schemas.openxmlformats.org/markup-compatibility/2006" type="tx" preserve="1">
+<p:sldLayout xmlns:a="http://schemas.openxmlformats.org/drawingml/2006/main" xmlns:r="http://schemas.openxmlformats.org/officeDocument/2006/relationships" xmlns:p="http://schemas.openxmlformats.org/presentationml/2006/main" type="tx" preserve="1">
   <p:cSld name="Title Slide">
     <p:spTree>
       <p:nvGrpSpPr>
@@ -668,9 +793,10 @@
           </a:prstGeom>
         </p:spPr>
         <p:txBody>
-          <a:bodyPr lIns="0" rIns="0" tIns="0" bIns="0" anchor="ctr"/>
-          <a:p>
-            <a:endParaRPr b="0" lang="en-US" sz="1400" spc="-1" strike="noStrike">
+          <a:bodyPr lIns="0" tIns="0" rIns="0" bIns="0" anchor="ctr"/>
+          <a:lstStyle/>
+          <a:p>
+            <a:endParaRPr lang="en-US" sz="1400" b="0" strike="noStrike" spc="-1">
               <a:solidFill>
                 <a:srgbClr val="000000"/>
               </a:solidFill>
@@ -699,10 +825,11 @@
           </a:prstGeom>
         </p:spPr>
         <p:txBody>
-          <a:bodyPr lIns="0" rIns="0" tIns="0" bIns="0" anchor="ctr"/>
+          <a:bodyPr lIns="0" tIns="0" rIns="0" bIns="0" anchor="ctr"/>
+          <a:lstStyle/>
           <a:p>
             <a:pPr algn="ctr"/>
-            <a:endParaRPr b="0" lang="en-US" sz="3200" spc="-1" strike="noStrike">
+            <a:endParaRPr lang="en-US" sz="3200" b="0" strike="noStrike" spc="-1">
               <a:latin typeface="Arial"/>
             </a:endParaRPr>
           </a:p>
@@ -710,11 +837,14 @@
       </p:sp>
     </p:spTree>
   </p:cSld>
+  <p:clrMapOvr>
+    <a:masterClrMapping/>
+  </p:clrMapOvr>
 </p:sldLayout>
 </file>
 
 <file path=ppt/slideLayouts/slideLayout15.xml><?xml version="1.0" encoding="utf-8"?>
-<p:sldLayout xmlns:a="http://schemas.openxmlformats.org/drawingml/2006/main" xmlns:p="http://schemas.openxmlformats.org/presentationml/2006/main" xmlns:r="http://schemas.openxmlformats.org/officeDocument/2006/relationships" xmlns:p14="http://schemas.microsoft.com/office/powerpoint/2010/main" xmlns:p15="http://schemas.microsoft.com/office/powerpoint/2012/main" xmlns:mc="http://schemas.openxmlformats.org/markup-compatibility/2006" type="obj" preserve="1">
+<p:sldLayout xmlns:a="http://schemas.openxmlformats.org/drawingml/2006/main" xmlns:r="http://schemas.openxmlformats.org/officeDocument/2006/relationships" xmlns:p="http://schemas.openxmlformats.org/presentationml/2006/main" type="obj" preserve="1">
   <p:cSld name="Title, Content">
     <p:spTree>
       <p:nvGrpSpPr>
@@ -750,9 +880,10 @@
           </a:prstGeom>
         </p:spPr>
         <p:txBody>
-          <a:bodyPr lIns="0" rIns="0" tIns="0" bIns="0" anchor="ctr"/>
-          <a:p>
-            <a:endParaRPr b="0" lang="en-US" sz="1400" spc="-1" strike="noStrike">
+          <a:bodyPr lIns="0" tIns="0" rIns="0" bIns="0" anchor="ctr"/>
+          <a:lstStyle/>
+          <a:p>
+            <a:endParaRPr lang="en-US" sz="1400" b="0" strike="noStrike" spc="-1">
               <a:solidFill>
                 <a:srgbClr val="000000"/>
               </a:solidFill>
@@ -781,11 +912,12 @@
           </a:prstGeom>
         </p:spPr>
         <p:txBody>
-          <a:bodyPr lIns="0" rIns="0" tIns="0" bIns="0">
+          <a:bodyPr lIns="0" tIns="0" rIns="0" bIns="0">
             <a:normAutofit/>
           </a:bodyPr>
-          <a:p>
-            <a:endParaRPr b="0" lang="en-US" sz="1400" spc="-1" strike="noStrike">
+          <a:lstStyle/>
+          <a:p>
+            <a:endParaRPr lang="en-US" sz="1400" b="0" strike="noStrike" spc="-1">
               <a:solidFill>
                 <a:srgbClr val="000000"/>
               </a:solidFill>
@@ -796,11 +928,14 @@
       </p:sp>
     </p:spTree>
   </p:cSld>
+  <p:clrMapOvr>
+    <a:masterClrMapping/>
+  </p:clrMapOvr>
 </p:sldLayout>
 </file>
 
 <file path=ppt/slideLayouts/slideLayout16.xml><?xml version="1.0" encoding="utf-8"?>
-<p:sldLayout xmlns:a="http://schemas.openxmlformats.org/drawingml/2006/main" xmlns:p="http://schemas.openxmlformats.org/presentationml/2006/main" xmlns:r="http://schemas.openxmlformats.org/officeDocument/2006/relationships" xmlns:p14="http://schemas.microsoft.com/office/powerpoint/2010/main" xmlns:p15="http://schemas.microsoft.com/office/powerpoint/2012/main" xmlns:mc="http://schemas.openxmlformats.org/markup-compatibility/2006" type="twoObj" preserve="1">
+<p:sldLayout xmlns:a="http://schemas.openxmlformats.org/drawingml/2006/main" xmlns:r="http://schemas.openxmlformats.org/officeDocument/2006/relationships" xmlns:p="http://schemas.openxmlformats.org/presentationml/2006/main" type="twoObj" preserve="1">
   <p:cSld name="Title, 2 Content">
     <p:spTree>
       <p:nvGrpSpPr>
@@ -836,9 +971,10 @@
           </a:prstGeom>
         </p:spPr>
         <p:txBody>
-          <a:bodyPr lIns="0" rIns="0" tIns="0" bIns="0" anchor="ctr"/>
-          <a:p>
-            <a:endParaRPr b="0" lang="en-US" sz="1400" spc="-1" strike="noStrike">
+          <a:bodyPr lIns="0" tIns="0" rIns="0" bIns="0" anchor="ctr"/>
+          <a:lstStyle/>
+          <a:p>
+            <a:endParaRPr lang="en-US" sz="1400" b="0" strike="noStrike" spc="-1">
               <a:solidFill>
                 <a:srgbClr val="000000"/>
               </a:solidFill>
@@ -867,11 +1003,12 @@
           </a:prstGeom>
         </p:spPr>
         <p:txBody>
-          <a:bodyPr lIns="0" rIns="0" tIns="0" bIns="0">
+          <a:bodyPr lIns="0" tIns="0" rIns="0" bIns="0">
             <a:normAutofit/>
           </a:bodyPr>
-          <a:p>
-            <a:endParaRPr b="0" lang="en-US" sz="1400" spc="-1" strike="noStrike">
+          <a:lstStyle/>
+          <a:p>
+            <a:endParaRPr lang="en-US" sz="1400" b="0" strike="noStrike" spc="-1">
               <a:solidFill>
                 <a:srgbClr val="000000"/>
               </a:solidFill>
@@ -900,11 +1037,12 @@
           </a:prstGeom>
         </p:spPr>
         <p:txBody>
-          <a:bodyPr lIns="0" rIns="0" tIns="0" bIns="0">
+          <a:bodyPr lIns="0" tIns="0" rIns="0" bIns="0">
             <a:normAutofit/>
           </a:bodyPr>
-          <a:p>
-            <a:endParaRPr b="0" lang="en-US" sz="1400" spc="-1" strike="noStrike">
+          <a:lstStyle/>
+          <a:p>
+            <a:endParaRPr lang="en-US" sz="1400" b="0" strike="noStrike" spc="-1">
               <a:solidFill>
                 <a:srgbClr val="000000"/>
               </a:solidFill>
@@ -915,11 +1053,14 @@
       </p:sp>
     </p:spTree>
   </p:cSld>
+  <p:clrMapOvr>
+    <a:masterClrMapping/>
+  </p:clrMapOvr>
 </p:sldLayout>
 </file>
 
 <file path=ppt/slideLayouts/slideLayout17.xml><?xml version="1.0" encoding="utf-8"?>
-<p:sldLayout xmlns:a="http://schemas.openxmlformats.org/drawingml/2006/main" xmlns:p="http://schemas.openxmlformats.org/presentationml/2006/main" xmlns:r="http://schemas.openxmlformats.org/officeDocument/2006/relationships" xmlns:p14="http://schemas.microsoft.com/office/powerpoint/2010/main" xmlns:p15="http://schemas.microsoft.com/office/powerpoint/2012/main" xmlns:mc="http://schemas.openxmlformats.org/markup-compatibility/2006" type="titleOnly" preserve="1">
+<p:sldLayout xmlns:a="http://schemas.openxmlformats.org/drawingml/2006/main" xmlns:r="http://schemas.openxmlformats.org/officeDocument/2006/relationships" xmlns:p="http://schemas.openxmlformats.org/presentationml/2006/main" type="titleOnly" preserve="1">
   <p:cSld name="Title Only">
     <p:spTree>
       <p:nvGrpSpPr>
@@ -955,9 +1096,10 @@
           </a:prstGeom>
         </p:spPr>
         <p:txBody>
-          <a:bodyPr lIns="0" rIns="0" tIns="0" bIns="0" anchor="ctr"/>
-          <a:p>
-            <a:endParaRPr b="0" lang="en-US" sz="1400" spc="-1" strike="noStrike">
+          <a:bodyPr lIns="0" tIns="0" rIns="0" bIns="0" anchor="ctr"/>
+          <a:lstStyle/>
+          <a:p>
+            <a:endParaRPr lang="en-US" sz="1400" b="0" strike="noStrike" spc="-1">
               <a:solidFill>
                 <a:srgbClr val="000000"/>
               </a:solidFill>
@@ -968,11 +1110,14 @@
       </p:sp>
     </p:spTree>
   </p:cSld>
+  <p:clrMapOvr>
+    <a:masterClrMapping/>
+  </p:clrMapOvr>
 </p:sldLayout>
 </file>
 
 <file path=ppt/slideLayouts/slideLayout18.xml><?xml version="1.0" encoding="utf-8"?>
-<p:sldLayout xmlns:a="http://schemas.openxmlformats.org/drawingml/2006/main" xmlns:p="http://schemas.openxmlformats.org/presentationml/2006/main" xmlns:r="http://schemas.openxmlformats.org/officeDocument/2006/relationships" xmlns:p14="http://schemas.microsoft.com/office/powerpoint/2010/main" xmlns:p15="http://schemas.microsoft.com/office/powerpoint/2012/main" xmlns:mc="http://schemas.openxmlformats.org/markup-compatibility/2006" type="objOnly" preserve="1">
+<p:sldLayout xmlns:a="http://schemas.openxmlformats.org/drawingml/2006/main" xmlns:r="http://schemas.openxmlformats.org/officeDocument/2006/relationships" xmlns:p="http://schemas.openxmlformats.org/presentationml/2006/main" type="objOnly" preserve="1">
   <p:cSld name="Centered Text">
     <p:spTree>
       <p:nvGrpSpPr>
@@ -1008,10 +1153,11 @@
           </a:prstGeom>
         </p:spPr>
         <p:txBody>
-          <a:bodyPr lIns="0" rIns="0" tIns="0" bIns="0" anchor="ctr"/>
+          <a:bodyPr lIns="0" tIns="0" rIns="0" bIns="0" anchor="ctr"/>
+          <a:lstStyle/>
           <a:p>
             <a:pPr algn="ctr"/>
-            <a:endParaRPr b="0" lang="en-US" sz="3200" spc="-1" strike="noStrike">
+            <a:endParaRPr lang="en-US" sz="3200" b="0" strike="noStrike" spc="-1">
               <a:latin typeface="Arial"/>
             </a:endParaRPr>
           </a:p>
@@ -1019,11 +1165,14 @@
       </p:sp>
     </p:spTree>
   </p:cSld>
+  <p:clrMapOvr>
+    <a:masterClrMapping/>
+  </p:clrMapOvr>
 </p:sldLayout>
 </file>
 
 <file path=ppt/slideLayouts/slideLayout19.xml><?xml version="1.0" encoding="utf-8"?>
-<p:sldLayout xmlns:a="http://schemas.openxmlformats.org/drawingml/2006/main" xmlns:p="http://schemas.openxmlformats.org/presentationml/2006/main" xmlns:r="http://schemas.openxmlformats.org/officeDocument/2006/relationships" xmlns:p14="http://schemas.microsoft.com/office/powerpoint/2010/main" xmlns:p15="http://schemas.microsoft.com/office/powerpoint/2012/main" xmlns:mc="http://schemas.openxmlformats.org/markup-compatibility/2006" type="twoObjAndObj" preserve="1">
+<p:sldLayout xmlns:a="http://schemas.openxmlformats.org/drawingml/2006/main" xmlns:r="http://schemas.openxmlformats.org/officeDocument/2006/relationships" xmlns:p="http://schemas.openxmlformats.org/presentationml/2006/main" type="twoObjAndObj" preserve="1">
   <p:cSld name="Title, 2 Content and Content">
     <p:spTree>
       <p:nvGrpSpPr>
@@ -1059,9 +1208,10 @@
           </a:prstGeom>
         </p:spPr>
         <p:txBody>
-          <a:bodyPr lIns="0" rIns="0" tIns="0" bIns="0" anchor="ctr"/>
-          <a:p>
-            <a:endParaRPr b="0" lang="en-US" sz="1400" spc="-1" strike="noStrike">
+          <a:bodyPr lIns="0" tIns="0" rIns="0" bIns="0" anchor="ctr"/>
+          <a:lstStyle/>
+          <a:p>
+            <a:endParaRPr lang="en-US" sz="1400" b="0" strike="noStrike" spc="-1">
               <a:solidFill>
                 <a:srgbClr val="000000"/>
               </a:solidFill>
@@ -1090,11 +1240,12 @@
           </a:prstGeom>
         </p:spPr>
         <p:txBody>
-          <a:bodyPr lIns="0" rIns="0" tIns="0" bIns="0">
+          <a:bodyPr lIns="0" tIns="0" rIns="0" bIns="0">
             <a:normAutofit/>
           </a:bodyPr>
-          <a:p>
-            <a:endParaRPr b="0" lang="en-US" sz="1400" spc="-1" strike="noStrike">
+          <a:lstStyle/>
+          <a:p>
+            <a:endParaRPr lang="en-US" sz="1400" b="0" strike="noStrike" spc="-1">
               <a:solidFill>
                 <a:srgbClr val="000000"/>
               </a:solidFill>
@@ -1123,11 +1274,12 @@
           </a:prstGeom>
         </p:spPr>
         <p:txBody>
-          <a:bodyPr lIns="0" rIns="0" tIns="0" bIns="0">
+          <a:bodyPr lIns="0" tIns="0" rIns="0" bIns="0">
             <a:normAutofit/>
           </a:bodyPr>
-          <a:p>
-            <a:endParaRPr b="0" lang="en-US" sz="1400" spc="-1" strike="noStrike">
+          <a:lstStyle/>
+          <a:p>
+            <a:endParaRPr lang="en-US" sz="1400" b="0" strike="noStrike" spc="-1">
               <a:solidFill>
                 <a:srgbClr val="000000"/>
               </a:solidFill>
@@ -1156,11 +1308,12 @@
           </a:prstGeom>
         </p:spPr>
         <p:txBody>
-          <a:bodyPr lIns="0" rIns="0" tIns="0" bIns="0">
+          <a:bodyPr lIns="0" tIns="0" rIns="0" bIns="0">
             <a:normAutofit/>
           </a:bodyPr>
-          <a:p>
-            <a:endParaRPr b="0" lang="en-US" sz="1400" spc="-1" strike="noStrike">
+          <a:lstStyle/>
+          <a:p>
+            <a:endParaRPr lang="en-US" sz="1400" b="0" strike="noStrike" spc="-1">
               <a:solidFill>
                 <a:srgbClr val="000000"/>
               </a:solidFill>
@@ -1171,11 +1324,14 @@
       </p:sp>
     </p:spTree>
   </p:cSld>
+  <p:clrMapOvr>
+    <a:masterClrMapping/>
+  </p:clrMapOvr>
 </p:sldLayout>
 </file>
 
 <file path=ppt/slideLayouts/slideLayout2.xml><?xml version="1.0" encoding="utf-8"?>
-<p:sldLayout xmlns:a="http://schemas.openxmlformats.org/drawingml/2006/main" xmlns:p="http://schemas.openxmlformats.org/presentationml/2006/main" xmlns:r="http://schemas.openxmlformats.org/officeDocument/2006/relationships" xmlns:p14="http://schemas.microsoft.com/office/powerpoint/2010/main" xmlns:p15="http://schemas.microsoft.com/office/powerpoint/2012/main" xmlns:mc="http://schemas.openxmlformats.org/markup-compatibility/2006" type="tx" preserve="1">
+<p:sldLayout xmlns:a="http://schemas.openxmlformats.org/drawingml/2006/main" xmlns:r="http://schemas.openxmlformats.org/officeDocument/2006/relationships" xmlns:p="http://schemas.openxmlformats.org/presentationml/2006/main" type="tx" preserve="1">
   <p:cSld name="Title Slide">
     <p:spTree>
       <p:nvGrpSpPr>
@@ -1211,9 +1367,10 @@
           </a:prstGeom>
         </p:spPr>
         <p:txBody>
-          <a:bodyPr lIns="0" rIns="0" tIns="0" bIns="0" anchor="ctr"/>
-          <a:p>
-            <a:endParaRPr b="0" lang="en-US" sz="1400" spc="-1" strike="noStrike">
+          <a:bodyPr lIns="0" tIns="0" rIns="0" bIns="0" anchor="ctr"/>
+          <a:lstStyle/>
+          <a:p>
+            <a:endParaRPr lang="en-US" sz="1400" b="0" strike="noStrike" spc="-1">
               <a:solidFill>
                 <a:srgbClr val="000000"/>
               </a:solidFill>
@@ -1242,10 +1399,11 @@
           </a:prstGeom>
         </p:spPr>
         <p:txBody>
-          <a:bodyPr lIns="0" rIns="0" tIns="0" bIns="0" anchor="ctr"/>
+          <a:bodyPr lIns="0" tIns="0" rIns="0" bIns="0" anchor="ctr"/>
+          <a:lstStyle/>
           <a:p>
             <a:pPr algn="ctr"/>
-            <a:endParaRPr b="0" lang="en-US" sz="3200" spc="-1" strike="noStrike">
+            <a:endParaRPr lang="en-US" sz="3200" b="0" strike="noStrike" spc="-1">
               <a:latin typeface="Arial"/>
             </a:endParaRPr>
           </a:p>
@@ -1253,11 +1411,14 @@
       </p:sp>
     </p:spTree>
   </p:cSld>
+  <p:clrMapOvr>
+    <a:masterClrMapping/>
+  </p:clrMapOvr>
 </p:sldLayout>
 </file>
 
 <file path=ppt/slideLayouts/slideLayout20.xml><?xml version="1.0" encoding="utf-8"?>
-<p:sldLayout xmlns:a="http://schemas.openxmlformats.org/drawingml/2006/main" xmlns:p="http://schemas.openxmlformats.org/presentationml/2006/main" xmlns:r="http://schemas.openxmlformats.org/officeDocument/2006/relationships" xmlns:p14="http://schemas.microsoft.com/office/powerpoint/2010/main" xmlns:p15="http://schemas.microsoft.com/office/powerpoint/2012/main" xmlns:mc="http://schemas.openxmlformats.org/markup-compatibility/2006" type="objAndTwoObj" preserve="1">
+<p:sldLayout xmlns:a="http://schemas.openxmlformats.org/drawingml/2006/main" xmlns:r="http://schemas.openxmlformats.org/officeDocument/2006/relationships" xmlns:p="http://schemas.openxmlformats.org/presentationml/2006/main" type="objAndTwoObj" preserve="1">
   <p:cSld name="Title Content and 2 Content">
     <p:spTree>
       <p:nvGrpSpPr>
@@ -1293,9 +1454,10 @@
           </a:prstGeom>
         </p:spPr>
         <p:txBody>
-          <a:bodyPr lIns="0" rIns="0" tIns="0" bIns="0" anchor="ctr"/>
-          <a:p>
-            <a:endParaRPr b="0" lang="en-US" sz="1400" spc="-1" strike="noStrike">
+          <a:bodyPr lIns="0" tIns="0" rIns="0" bIns="0" anchor="ctr"/>
+          <a:lstStyle/>
+          <a:p>
+            <a:endParaRPr lang="en-US" sz="1400" b="0" strike="noStrike" spc="-1">
               <a:solidFill>
                 <a:srgbClr val="000000"/>
               </a:solidFill>
@@ -1324,11 +1486,12 @@
           </a:prstGeom>
         </p:spPr>
         <p:txBody>
-          <a:bodyPr lIns="0" rIns="0" tIns="0" bIns="0">
+          <a:bodyPr lIns="0" tIns="0" rIns="0" bIns="0">
             <a:normAutofit/>
           </a:bodyPr>
-          <a:p>
-            <a:endParaRPr b="0" lang="en-US" sz="1400" spc="-1" strike="noStrike">
+          <a:lstStyle/>
+          <a:p>
+            <a:endParaRPr lang="en-US" sz="1400" b="0" strike="noStrike" spc="-1">
               <a:solidFill>
                 <a:srgbClr val="000000"/>
               </a:solidFill>
@@ -1357,11 +1520,12 @@
           </a:prstGeom>
         </p:spPr>
         <p:txBody>
-          <a:bodyPr lIns="0" rIns="0" tIns="0" bIns="0">
+          <a:bodyPr lIns="0" tIns="0" rIns="0" bIns="0">
             <a:normAutofit/>
           </a:bodyPr>
-          <a:p>
-            <a:endParaRPr b="0" lang="en-US" sz="1400" spc="-1" strike="noStrike">
+          <a:lstStyle/>
+          <a:p>
+            <a:endParaRPr lang="en-US" sz="1400" b="0" strike="noStrike" spc="-1">
               <a:solidFill>
                 <a:srgbClr val="000000"/>
               </a:solidFill>
@@ -1390,11 +1554,12 @@
           </a:prstGeom>
         </p:spPr>
         <p:txBody>
-          <a:bodyPr lIns="0" rIns="0" tIns="0" bIns="0">
+          <a:bodyPr lIns="0" tIns="0" rIns="0" bIns="0">
             <a:normAutofit/>
           </a:bodyPr>
-          <a:p>
-            <a:endParaRPr b="0" lang="en-US" sz="1400" spc="-1" strike="noStrike">
+          <a:lstStyle/>
+          <a:p>
+            <a:endParaRPr lang="en-US" sz="1400" b="0" strike="noStrike" spc="-1">
               <a:solidFill>
                 <a:srgbClr val="000000"/>
               </a:solidFill>
@@ -1405,11 +1570,14 @@
       </p:sp>
     </p:spTree>
   </p:cSld>
+  <p:clrMapOvr>
+    <a:masterClrMapping/>
+  </p:clrMapOvr>
 </p:sldLayout>
 </file>
 
 <file path=ppt/slideLayouts/slideLayout21.xml><?xml version="1.0" encoding="utf-8"?>
-<p:sldLayout xmlns:a="http://schemas.openxmlformats.org/drawingml/2006/main" xmlns:p="http://schemas.openxmlformats.org/presentationml/2006/main" xmlns:r="http://schemas.openxmlformats.org/officeDocument/2006/relationships" xmlns:p14="http://schemas.microsoft.com/office/powerpoint/2010/main" xmlns:p15="http://schemas.microsoft.com/office/powerpoint/2012/main" xmlns:mc="http://schemas.openxmlformats.org/markup-compatibility/2006" type="twoObjOverTx" preserve="1">
+<p:sldLayout xmlns:a="http://schemas.openxmlformats.org/drawingml/2006/main" xmlns:r="http://schemas.openxmlformats.org/officeDocument/2006/relationships" xmlns:p="http://schemas.openxmlformats.org/presentationml/2006/main" type="twoObjOverTx" preserve="1">
   <p:cSld name="Title, 2 Content over Content">
     <p:spTree>
       <p:nvGrpSpPr>
@@ -1445,9 +1613,10 @@
           </a:prstGeom>
         </p:spPr>
         <p:txBody>
-          <a:bodyPr lIns="0" rIns="0" tIns="0" bIns="0" anchor="ctr"/>
-          <a:p>
-            <a:endParaRPr b="0" lang="en-US" sz="1400" spc="-1" strike="noStrike">
+          <a:bodyPr lIns="0" tIns="0" rIns="0" bIns="0" anchor="ctr"/>
+          <a:lstStyle/>
+          <a:p>
+            <a:endParaRPr lang="en-US" sz="1400" b="0" strike="noStrike" spc="-1">
               <a:solidFill>
                 <a:srgbClr val="000000"/>
               </a:solidFill>
@@ -1476,11 +1645,12 @@
           </a:prstGeom>
         </p:spPr>
         <p:txBody>
-          <a:bodyPr lIns="0" rIns="0" tIns="0" bIns="0">
+          <a:bodyPr lIns="0" tIns="0" rIns="0" bIns="0">
             <a:normAutofit/>
           </a:bodyPr>
-          <a:p>
-            <a:endParaRPr b="0" lang="en-US" sz="1400" spc="-1" strike="noStrike">
+          <a:lstStyle/>
+          <a:p>
+            <a:endParaRPr lang="en-US" sz="1400" b="0" strike="noStrike" spc="-1">
               <a:solidFill>
                 <a:srgbClr val="000000"/>
               </a:solidFill>
@@ -1509,11 +1679,12 @@
           </a:prstGeom>
         </p:spPr>
         <p:txBody>
-          <a:bodyPr lIns="0" rIns="0" tIns="0" bIns="0">
+          <a:bodyPr lIns="0" tIns="0" rIns="0" bIns="0">
             <a:normAutofit/>
           </a:bodyPr>
-          <a:p>
-            <a:endParaRPr b="0" lang="en-US" sz="1400" spc="-1" strike="noStrike">
+          <a:lstStyle/>
+          <a:p>
+            <a:endParaRPr lang="en-US" sz="1400" b="0" strike="noStrike" spc="-1">
               <a:solidFill>
                 <a:srgbClr val="000000"/>
               </a:solidFill>
@@ -1542,11 +1713,12 @@
           </a:prstGeom>
         </p:spPr>
         <p:txBody>
-          <a:bodyPr lIns="0" rIns="0" tIns="0" bIns="0">
+          <a:bodyPr lIns="0" tIns="0" rIns="0" bIns="0">
             <a:normAutofit/>
           </a:bodyPr>
-          <a:p>
-            <a:endParaRPr b="0" lang="en-US" sz="1400" spc="-1" strike="noStrike">
+          <a:lstStyle/>
+          <a:p>
+            <a:endParaRPr lang="en-US" sz="1400" b="0" strike="noStrike" spc="-1">
               <a:solidFill>
                 <a:srgbClr val="000000"/>
               </a:solidFill>
@@ -1557,11 +1729,14 @@
       </p:sp>
     </p:spTree>
   </p:cSld>
+  <p:clrMapOvr>
+    <a:masterClrMapping/>
+  </p:clrMapOvr>
 </p:sldLayout>
 </file>
 
 <file path=ppt/slideLayouts/slideLayout22.xml><?xml version="1.0" encoding="utf-8"?>
-<p:sldLayout xmlns:a="http://schemas.openxmlformats.org/drawingml/2006/main" xmlns:p="http://schemas.openxmlformats.org/presentationml/2006/main" xmlns:r="http://schemas.openxmlformats.org/officeDocument/2006/relationships" xmlns:p14="http://schemas.microsoft.com/office/powerpoint/2010/main" xmlns:p15="http://schemas.microsoft.com/office/powerpoint/2012/main" xmlns:mc="http://schemas.openxmlformats.org/markup-compatibility/2006" type="objOverTx" preserve="1">
+<p:sldLayout xmlns:a="http://schemas.openxmlformats.org/drawingml/2006/main" xmlns:r="http://schemas.openxmlformats.org/officeDocument/2006/relationships" xmlns:p="http://schemas.openxmlformats.org/presentationml/2006/main" type="objOverTx" preserve="1">
   <p:cSld name="Title, Content over Content">
     <p:spTree>
       <p:nvGrpSpPr>
@@ -1597,9 +1772,10 @@
           </a:prstGeom>
         </p:spPr>
         <p:txBody>
-          <a:bodyPr lIns="0" rIns="0" tIns="0" bIns="0" anchor="ctr"/>
-          <a:p>
-            <a:endParaRPr b="0" lang="en-US" sz="1400" spc="-1" strike="noStrike">
+          <a:bodyPr lIns="0" tIns="0" rIns="0" bIns="0" anchor="ctr"/>
+          <a:lstStyle/>
+          <a:p>
+            <a:endParaRPr lang="en-US" sz="1400" b="0" strike="noStrike" spc="-1">
               <a:solidFill>
                 <a:srgbClr val="000000"/>
               </a:solidFill>
@@ -1628,11 +1804,12 @@
           </a:prstGeom>
         </p:spPr>
         <p:txBody>
-          <a:bodyPr lIns="0" rIns="0" tIns="0" bIns="0">
+          <a:bodyPr lIns="0" tIns="0" rIns="0" bIns="0">
             <a:normAutofit/>
           </a:bodyPr>
-          <a:p>
-            <a:endParaRPr b="0" lang="en-US" sz="1400" spc="-1" strike="noStrike">
+          <a:lstStyle/>
+          <a:p>
+            <a:endParaRPr lang="en-US" sz="1400" b="0" strike="noStrike" spc="-1">
               <a:solidFill>
                 <a:srgbClr val="000000"/>
               </a:solidFill>
@@ -1661,11 +1838,12 @@
           </a:prstGeom>
         </p:spPr>
         <p:txBody>
-          <a:bodyPr lIns="0" rIns="0" tIns="0" bIns="0">
+          <a:bodyPr lIns="0" tIns="0" rIns="0" bIns="0">
             <a:normAutofit/>
           </a:bodyPr>
-          <a:p>
-            <a:endParaRPr b="0" lang="en-US" sz="1400" spc="-1" strike="noStrike">
+          <a:lstStyle/>
+          <a:p>
+            <a:endParaRPr lang="en-US" sz="1400" b="0" strike="noStrike" spc="-1">
               <a:solidFill>
                 <a:srgbClr val="000000"/>
               </a:solidFill>
@@ -1676,11 +1854,14 @@
       </p:sp>
     </p:spTree>
   </p:cSld>
+  <p:clrMapOvr>
+    <a:masterClrMapping/>
+  </p:clrMapOvr>
 </p:sldLayout>
 </file>
 
 <file path=ppt/slideLayouts/slideLayout23.xml><?xml version="1.0" encoding="utf-8"?>
-<p:sldLayout xmlns:a="http://schemas.openxmlformats.org/drawingml/2006/main" xmlns:p="http://schemas.openxmlformats.org/presentationml/2006/main" xmlns:r="http://schemas.openxmlformats.org/officeDocument/2006/relationships" xmlns:p14="http://schemas.microsoft.com/office/powerpoint/2010/main" xmlns:p15="http://schemas.microsoft.com/office/powerpoint/2012/main" xmlns:mc="http://schemas.openxmlformats.org/markup-compatibility/2006" type="fourObj" preserve="1">
+<p:sldLayout xmlns:a="http://schemas.openxmlformats.org/drawingml/2006/main" xmlns:r="http://schemas.openxmlformats.org/officeDocument/2006/relationships" xmlns:p="http://schemas.openxmlformats.org/presentationml/2006/main" type="fourObj" preserve="1">
   <p:cSld name="Title, 4 Content">
     <p:spTree>
       <p:nvGrpSpPr>
@@ -1716,9 +1897,10 @@
           </a:prstGeom>
         </p:spPr>
         <p:txBody>
-          <a:bodyPr lIns="0" rIns="0" tIns="0" bIns="0" anchor="ctr"/>
-          <a:p>
-            <a:endParaRPr b="0" lang="en-US" sz="1400" spc="-1" strike="noStrike">
+          <a:bodyPr lIns="0" tIns="0" rIns="0" bIns="0" anchor="ctr"/>
+          <a:lstStyle/>
+          <a:p>
+            <a:endParaRPr lang="en-US" sz="1400" b="0" strike="noStrike" spc="-1">
               <a:solidFill>
                 <a:srgbClr val="000000"/>
               </a:solidFill>
@@ -1747,11 +1929,12 @@
           </a:prstGeom>
         </p:spPr>
         <p:txBody>
-          <a:bodyPr lIns="0" rIns="0" tIns="0" bIns="0">
+          <a:bodyPr lIns="0" tIns="0" rIns="0" bIns="0">
             <a:normAutofit/>
           </a:bodyPr>
-          <a:p>
-            <a:endParaRPr b="0" lang="en-US" sz="1400" spc="-1" strike="noStrike">
+          <a:lstStyle/>
+          <a:p>
+            <a:endParaRPr lang="en-US" sz="1400" b="0" strike="noStrike" spc="-1">
               <a:solidFill>
                 <a:srgbClr val="000000"/>
               </a:solidFill>
@@ -1780,11 +1963,12 @@
           </a:prstGeom>
         </p:spPr>
         <p:txBody>
-          <a:bodyPr lIns="0" rIns="0" tIns="0" bIns="0">
+          <a:bodyPr lIns="0" tIns="0" rIns="0" bIns="0">
             <a:normAutofit/>
           </a:bodyPr>
-          <a:p>
-            <a:endParaRPr b="0" lang="en-US" sz="1400" spc="-1" strike="noStrike">
+          <a:lstStyle/>
+          <a:p>
+            <a:endParaRPr lang="en-US" sz="1400" b="0" strike="noStrike" spc="-1">
               <a:solidFill>
                 <a:srgbClr val="000000"/>
               </a:solidFill>
@@ -1813,11 +1997,12 @@
           </a:prstGeom>
         </p:spPr>
         <p:txBody>
-          <a:bodyPr lIns="0" rIns="0" tIns="0" bIns="0">
+          <a:bodyPr lIns="0" tIns="0" rIns="0" bIns="0">
             <a:normAutofit/>
           </a:bodyPr>
-          <a:p>
-            <a:endParaRPr b="0" lang="en-US" sz="1400" spc="-1" strike="noStrike">
+          <a:lstStyle/>
+          <a:p>
+            <a:endParaRPr lang="en-US" sz="1400" b="0" strike="noStrike" spc="-1">
               <a:solidFill>
                 <a:srgbClr val="000000"/>
               </a:solidFill>
@@ -1846,11 +2031,12 @@
           </a:prstGeom>
         </p:spPr>
         <p:txBody>
-          <a:bodyPr lIns="0" rIns="0" tIns="0" bIns="0">
+          <a:bodyPr lIns="0" tIns="0" rIns="0" bIns="0">
             <a:normAutofit/>
           </a:bodyPr>
-          <a:p>
-            <a:endParaRPr b="0" lang="en-US" sz="1400" spc="-1" strike="noStrike">
+          <a:lstStyle/>
+          <a:p>
+            <a:endParaRPr lang="en-US" sz="1400" b="0" strike="noStrike" spc="-1">
               <a:solidFill>
                 <a:srgbClr val="000000"/>
               </a:solidFill>
@@ -1861,11 +2047,14 @@
       </p:sp>
     </p:spTree>
   </p:cSld>
+  <p:clrMapOvr>
+    <a:masterClrMapping/>
+  </p:clrMapOvr>
 </p:sldLayout>
 </file>
 
 <file path=ppt/slideLayouts/slideLayout24.xml><?xml version="1.0" encoding="utf-8"?>
-<p:sldLayout xmlns:a="http://schemas.openxmlformats.org/drawingml/2006/main" xmlns:p="http://schemas.openxmlformats.org/presentationml/2006/main" xmlns:r="http://schemas.openxmlformats.org/officeDocument/2006/relationships" xmlns:p14="http://schemas.microsoft.com/office/powerpoint/2010/main" xmlns:p15="http://schemas.microsoft.com/office/powerpoint/2012/main" xmlns:mc="http://schemas.openxmlformats.org/markup-compatibility/2006" type="blank" preserve="1">
+<p:sldLayout xmlns:a="http://schemas.openxmlformats.org/drawingml/2006/main" xmlns:r="http://schemas.openxmlformats.org/officeDocument/2006/relationships" xmlns:p="http://schemas.openxmlformats.org/presentationml/2006/main" type="blank" preserve="1">
   <p:cSld name="Title, 6 Content">
     <p:spTree>
       <p:nvGrpSpPr>
@@ -1901,9 +2090,10 @@
           </a:prstGeom>
         </p:spPr>
         <p:txBody>
-          <a:bodyPr lIns="0" rIns="0" tIns="0" bIns="0" anchor="ctr"/>
-          <a:p>
-            <a:endParaRPr b="0" lang="en-US" sz="1400" spc="-1" strike="noStrike">
+          <a:bodyPr lIns="0" tIns="0" rIns="0" bIns="0" anchor="ctr"/>
+          <a:lstStyle/>
+          <a:p>
+            <a:endParaRPr lang="en-US" sz="1400" b="0" strike="noStrike" spc="-1">
               <a:solidFill>
                 <a:srgbClr val="000000"/>
               </a:solidFill>
@@ -1932,11 +2122,12 @@
           </a:prstGeom>
         </p:spPr>
         <p:txBody>
-          <a:bodyPr lIns="0" rIns="0" tIns="0" bIns="0">
+          <a:bodyPr lIns="0" tIns="0" rIns="0" bIns="0">
             <a:normAutofit/>
           </a:bodyPr>
-          <a:p>
-            <a:endParaRPr b="0" lang="en-US" sz="1400" spc="-1" strike="noStrike">
+          <a:lstStyle/>
+          <a:p>
+            <a:endParaRPr lang="en-US" sz="1400" b="0" strike="noStrike" spc="-1">
               <a:solidFill>
                 <a:srgbClr val="000000"/>
               </a:solidFill>
@@ -1965,11 +2156,12 @@
           </a:prstGeom>
         </p:spPr>
         <p:txBody>
-          <a:bodyPr lIns="0" rIns="0" tIns="0" bIns="0">
+          <a:bodyPr lIns="0" tIns="0" rIns="0" bIns="0">
             <a:normAutofit/>
           </a:bodyPr>
-          <a:p>
-            <a:endParaRPr b="0" lang="en-US" sz="1400" spc="-1" strike="noStrike">
+          <a:lstStyle/>
+          <a:p>
+            <a:endParaRPr lang="en-US" sz="1400" b="0" strike="noStrike" spc="-1">
               <a:solidFill>
                 <a:srgbClr val="000000"/>
               </a:solidFill>
@@ -1998,11 +2190,12 @@
           </a:prstGeom>
         </p:spPr>
         <p:txBody>
-          <a:bodyPr lIns="0" rIns="0" tIns="0" bIns="0">
+          <a:bodyPr lIns="0" tIns="0" rIns="0" bIns="0">
             <a:normAutofit/>
           </a:bodyPr>
-          <a:p>
-            <a:endParaRPr b="0" lang="en-US" sz="1400" spc="-1" strike="noStrike">
+          <a:lstStyle/>
+          <a:p>
+            <a:endParaRPr lang="en-US" sz="1400" b="0" strike="noStrike" spc="-1">
               <a:solidFill>
                 <a:srgbClr val="000000"/>
               </a:solidFill>
@@ -2031,11 +2224,12 @@
           </a:prstGeom>
         </p:spPr>
         <p:txBody>
-          <a:bodyPr lIns="0" rIns="0" tIns="0" bIns="0">
+          <a:bodyPr lIns="0" tIns="0" rIns="0" bIns="0">
             <a:normAutofit/>
           </a:bodyPr>
-          <a:p>
-            <a:endParaRPr b="0" lang="en-US" sz="1400" spc="-1" strike="noStrike">
+          <a:lstStyle/>
+          <a:p>
+            <a:endParaRPr lang="en-US" sz="1400" b="0" strike="noStrike" spc="-1">
               <a:solidFill>
                 <a:srgbClr val="000000"/>
               </a:solidFill>
@@ -2064,11 +2258,12 @@
           </a:prstGeom>
         </p:spPr>
         <p:txBody>
-          <a:bodyPr lIns="0" rIns="0" tIns="0" bIns="0">
+          <a:bodyPr lIns="0" tIns="0" rIns="0" bIns="0">
             <a:normAutofit/>
           </a:bodyPr>
-          <a:p>
-            <a:endParaRPr b="0" lang="en-US" sz="1400" spc="-1" strike="noStrike">
+          <a:lstStyle/>
+          <a:p>
+            <a:endParaRPr lang="en-US" sz="1400" b="0" strike="noStrike" spc="-1">
               <a:solidFill>
                 <a:srgbClr val="000000"/>
               </a:solidFill>
@@ -2097,11 +2292,12 @@
           </a:prstGeom>
         </p:spPr>
         <p:txBody>
-          <a:bodyPr lIns="0" rIns="0" tIns="0" bIns="0">
+          <a:bodyPr lIns="0" tIns="0" rIns="0" bIns="0">
             <a:normAutofit/>
           </a:bodyPr>
-          <a:p>
-            <a:endParaRPr b="0" lang="en-US" sz="1400" spc="-1" strike="noStrike">
+          <a:lstStyle/>
+          <a:p>
+            <a:endParaRPr lang="en-US" sz="1400" b="0" strike="noStrike" spc="-1">
               <a:solidFill>
                 <a:srgbClr val="000000"/>
               </a:solidFill>
@@ -2112,11 +2308,14 @@
       </p:sp>
     </p:spTree>
   </p:cSld>
+  <p:clrMapOvr>
+    <a:masterClrMapping/>
+  </p:clrMapOvr>
 </p:sldLayout>
 </file>
 
 <file path=ppt/slideLayouts/slideLayout25.xml><?xml version="1.0" encoding="utf-8"?>
-<p:sldLayout xmlns:a="http://schemas.openxmlformats.org/drawingml/2006/main" xmlns:p="http://schemas.openxmlformats.org/presentationml/2006/main" xmlns:r="http://schemas.openxmlformats.org/officeDocument/2006/relationships" xmlns:p14="http://schemas.microsoft.com/office/powerpoint/2010/main" xmlns:p15="http://schemas.microsoft.com/office/powerpoint/2012/main" xmlns:mc="http://schemas.openxmlformats.org/markup-compatibility/2006" type="blank" preserve="1">
+<p:sldLayout xmlns:a="http://schemas.openxmlformats.org/drawingml/2006/main" xmlns:r="http://schemas.openxmlformats.org/officeDocument/2006/relationships" xmlns:p="http://schemas.openxmlformats.org/presentationml/2006/main" type="blank" preserve="1">
   <p:cSld name="Blank Slide">
     <p:spTree>
       <p:nvGrpSpPr>
@@ -2134,11 +2333,14 @@
       </p:grpSpPr>
     </p:spTree>
   </p:cSld>
+  <p:clrMapOvr>
+    <a:masterClrMapping/>
+  </p:clrMapOvr>
 </p:sldLayout>
 </file>
 
 <file path=ppt/slideLayouts/slideLayout26.xml><?xml version="1.0" encoding="utf-8"?>
-<p:sldLayout xmlns:a="http://schemas.openxmlformats.org/drawingml/2006/main" xmlns:p="http://schemas.openxmlformats.org/presentationml/2006/main" xmlns:r="http://schemas.openxmlformats.org/officeDocument/2006/relationships" xmlns:p14="http://schemas.microsoft.com/office/powerpoint/2010/main" xmlns:p15="http://schemas.microsoft.com/office/powerpoint/2012/main" xmlns:mc="http://schemas.openxmlformats.org/markup-compatibility/2006" type="tx" preserve="1">
+<p:sldLayout xmlns:a="http://schemas.openxmlformats.org/drawingml/2006/main" xmlns:r="http://schemas.openxmlformats.org/officeDocument/2006/relationships" xmlns:p="http://schemas.openxmlformats.org/presentationml/2006/main" type="tx" preserve="1">
   <p:cSld name="Title Slide">
     <p:spTree>
       <p:nvGrpSpPr>
@@ -2174,9 +2376,10 @@
           </a:prstGeom>
         </p:spPr>
         <p:txBody>
-          <a:bodyPr lIns="0" rIns="0" tIns="0" bIns="0" anchor="ctr"/>
-          <a:p>
-            <a:endParaRPr b="0" lang="en-US" sz="1400" spc="-1" strike="noStrike">
+          <a:bodyPr lIns="0" tIns="0" rIns="0" bIns="0" anchor="ctr"/>
+          <a:lstStyle/>
+          <a:p>
+            <a:endParaRPr lang="en-US" sz="1400" b="0" strike="noStrike" spc="-1">
               <a:solidFill>
                 <a:srgbClr val="000000"/>
               </a:solidFill>
@@ -2205,10 +2408,11 @@
           </a:prstGeom>
         </p:spPr>
         <p:txBody>
-          <a:bodyPr lIns="0" rIns="0" tIns="0" bIns="0" anchor="ctr"/>
+          <a:bodyPr lIns="0" tIns="0" rIns="0" bIns="0" anchor="ctr"/>
+          <a:lstStyle/>
           <a:p>
             <a:pPr algn="ctr"/>
-            <a:endParaRPr b="0" lang="en-US" sz="3200" spc="-1" strike="noStrike">
+            <a:endParaRPr lang="en-US" sz="3200" b="0" strike="noStrike" spc="-1">
               <a:latin typeface="Arial"/>
             </a:endParaRPr>
           </a:p>
@@ -2216,11 +2420,14 @@
       </p:sp>
     </p:spTree>
   </p:cSld>
+  <p:clrMapOvr>
+    <a:masterClrMapping/>
+  </p:clrMapOvr>
 </p:sldLayout>
 </file>
 
 <file path=ppt/slideLayouts/slideLayout27.xml><?xml version="1.0" encoding="utf-8"?>
-<p:sldLayout xmlns:a="http://schemas.openxmlformats.org/drawingml/2006/main" xmlns:p="http://schemas.openxmlformats.org/presentationml/2006/main" xmlns:r="http://schemas.openxmlformats.org/officeDocument/2006/relationships" xmlns:p14="http://schemas.microsoft.com/office/powerpoint/2010/main" xmlns:p15="http://schemas.microsoft.com/office/powerpoint/2012/main" xmlns:mc="http://schemas.openxmlformats.org/markup-compatibility/2006" type="obj" preserve="1">
+<p:sldLayout xmlns:a="http://schemas.openxmlformats.org/drawingml/2006/main" xmlns:r="http://schemas.openxmlformats.org/officeDocument/2006/relationships" xmlns:p="http://schemas.openxmlformats.org/presentationml/2006/main" type="obj" preserve="1">
   <p:cSld name="Title, Content">
     <p:spTree>
       <p:nvGrpSpPr>
@@ -2256,9 +2463,10 @@
           </a:prstGeom>
         </p:spPr>
         <p:txBody>
-          <a:bodyPr lIns="0" rIns="0" tIns="0" bIns="0" anchor="ctr"/>
-          <a:p>
-            <a:endParaRPr b="0" lang="en-US" sz="1400" spc="-1" strike="noStrike">
+          <a:bodyPr lIns="0" tIns="0" rIns="0" bIns="0" anchor="ctr"/>
+          <a:lstStyle/>
+          <a:p>
+            <a:endParaRPr lang="en-US" sz="1400" b="0" strike="noStrike" spc="-1">
               <a:solidFill>
                 <a:srgbClr val="000000"/>
               </a:solidFill>
@@ -2287,11 +2495,12 @@
           </a:prstGeom>
         </p:spPr>
         <p:txBody>
-          <a:bodyPr lIns="0" rIns="0" tIns="0" bIns="0">
+          <a:bodyPr lIns="0" tIns="0" rIns="0" bIns="0">
             <a:normAutofit/>
           </a:bodyPr>
-          <a:p>
-            <a:endParaRPr b="0" lang="en-US" sz="1400" spc="-1" strike="noStrike">
+          <a:lstStyle/>
+          <a:p>
+            <a:endParaRPr lang="en-US" sz="1400" b="0" strike="noStrike" spc="-1">
               <a:solidFill>
                 <a:srgbClr val="000000"/>
               </a:solidFill>
@@ -2302,11 +2511,14 @@
       </p:sp>
     </p:spTree>
   </p:cSld>
+  <p:clrMapOvr>
+    <a:masterClrMapping/>
+  </p:clrMapOvr>
 </p:sldLayout>
 </file>
 
 <file path=ppt/slideLayouts/slideLayout28.xml><?xml version="1.0" encoding="utf-8"?>
-<p:sldLayout xmlns:a="http://schemas.openxmlformats.org/drawingml/2006/main" xmlns:p="http://schemas.openxmlformats.org/presentationml/2006/main" xmlns:r="http://schemas.openxmlformats.org/officeDocument/2006/relationships" xmlns:p14="http://schemas.microsoft.com/office/powerpoint/2010/main" xmlns:p15="http://schemas.microsoft.com/office/powerpoint/2012/main" xmlns:mc="http://schemas.openxmlformats.org/markup-compatibility/2006" type="twoObj" preserve="1">
+<p:sldLayout xmlns:a="http://schemas.openxmlformats.org/drawingml/2006/main" xmlns:r="http://schemas.openxmlformats.org/officeDocument/2006/relationships" xmlns:p="http://schemas.openxmlformats.org/presentationml/2006/main" type="twoObj" preserve="1">
   <p:cSld name="Title, 2 Content">
     <p:spTree>
       <p:nvGrpSpPr>
@@ -2342,9 +2554,10 @@
           </a:prstGeom>
         </p:spPr>
         <p:txBody>
-          <a:bodyPr lIns="0" rIns="0" tIns="0" bIns="0" anchor="ctr"/>
-          <a:p>
-            <a:endParaRPr b="0" lang="en-US" sz="1400" spc="-1" strike="noStrike">
+          <a:bodyPr lIns="0" tIns="0" rIns="0" bIns="0" anchor="ctr"/>
+          <a:lstStyle/>
+          <a:p>
+            <a:endParaRPr lang="en-US" sz="1400" b="0" strike="noStrike" spc="-1">
               <a:solidFill>
                 <a:srgbClr val="000000"/>
               </a:solidFill>
@@ -2373,11 +2586,12 @@
           </a:prstGeom>
         </p:spPr>
         <p:txBody>
-          <a:bodyPr lIns="0" rIns="0" tIns="0" bIns="0">
+          <a:bodyPr lIns="0" tIns="0" rIns="0" bIns="0">
             <a:normAutofit/>
           </a:bodyPr>
-          <a:p>
-            <a:endParaRPr b="0" lang="en-US" sz="1400" spc="-1" strike="noStrike">
+          <a:lstStyle/>
+          <a:p>
+            <a:endParaRPr lang="en-US" sz="1400" b="0" strike="noStrike" spc="-1">
               <a:solidFill>
                 <a:srgbClr val="000000"/>
               </a:solidFill>
@@ -2406,11 +2620,12 @@
           </a:prstGeom>
         </p:spPr>
         <p:txBody>
-          <a:bodyPr lIns="0" rIns="0" tIns="0" bIns="0">
+          <a:bodyPr lIns="0" tIns="0" rIns="0" bIns="0">
             <a:normAutofit/>
           </a:bodyPr>
-          <a:p>
-            <a:endParaRPr b="0" lang="en-US" sz="1400" spc="-1" strike="noStrike">
+          <a:lstStyle/>
+          <a:p>
+            <a:endParaRPr lang="en-US" sz="1400" b="0" strike="noStrike" spc="-1">
               <a:solidFill>
                 <a:srgbClr val="000000"/>
               </a:solidFill>
@@ -2421,11 +2636,14 @@
       </p:sp>
     </p:spTree>
   </p:cSld>
+  <p:clrMapOvr>
+    <a:masterClrMapping/>
+  </p:clrMapOvr>
 </p:sldLayout>
 </file>
 
 <file path=ppt/slideLayouts/slideLayout29.xml><?xml version="1.0" encoding="utf-8"?>
-<p:sldLayout xmlns:a="http://schemas.openxmlformats.org/drawingml/2006/main" xmlns:p="http://schemas.openxmlformats.org/presentationml/2006/main" xmlns:r="http://schemas.openxmlformats.org/officeDocument/2006/relationships" xmlns:p14="http://schemas.microsoft.com/office/powerpoint/2010/main" xmlns:p15="http://schemas.microsoft.com/office/powerpoint/2012/main" xmlns:mc="http://schemas.openxmlformats.org/markup-compatibility/2006" type="titleOnly" preserve="1">
+<p:sldLayout xmlns:a="http://schemas.openxmlformats.org/drawingml/2006/main" xmlns:r="http://schemas.openxmlformats.org/officeDocument/2006/relationships" xmlns:p="http://schemas.openxmlformats.org/presentationml/2006/main" type="titleOnly" preserve="1">
   <p:cSld name="Title Only">
     <p:spTree>
       <p:nvGrpSpPr>
@@ -2461,9 +2679,10 @@
           </a:prstGeom>
         </p:spPr>
         <p:txBody>
-          <a:bodyPr lIns="0" rIns="0" tIns="0" bIns="0" anchor="ctr"/>
-          <a:p>
-            <a:endParaRPr b="0" lang="en-US" sz="1400" spc="-1" strike="noStrike">
+          <a:bodyPr lIns="0" tIns="0" rIns="0" bIns="0" anchor="ctr"/>
+          <a:lstStyle/>
+          <a:p>
+            <a:endParaRPr lang="en-US" sz="1400" b="0" strike="noStrike" spc="-1">
               <a:solidFill>
                 <a:srgbClr val="000000"/>
               </a:solidFill>
@@ -2474,11 +2693,14 @@
       </p:sp>
     </p:spTree>
   </p:cSld>
+  <p:clrMapOvr>
+    <a:masterClrMapping/>
+  </p:clrMapOvr>
 </p:sldLayout>
 </file>
 
 <file path=ppt/slideLayouts/slideLayout3.xml><?xml version="1.0" encoding="utf-8"?>
-<p:sldLayout xmlns:a="http://schemas.openxmlformats.org/drawingml/2006/main" xmlns:p="http://schemas.openxmlformats.org/presentationml/2006/main" xmlns:r="http://schemas.openxmlformats.org/officeDocument/2006/relationships" xmlns:p14="http://schemas.microsoft.com/office/powerpoint/2010/main" xmlns:p15="http://schemas.microsoft.com/office/powerpoint/2012/main" xmlns:mc="http://schemas.openxmlformats.org/markup-compatibility/2006" type="obj" preserve="1">
+<p:sldLayout xmlns:a="http://schemas.openxmlformats.org/drawingml/2006/main" xmlns:r="http://schemas.openxmlformats.org/officeDocument/2006/relationships" xmlns:p="http://schemas.openxmlformats.org/presentationml/2006/main" type="obj" preserve="1">
   <p:cSld name="Title, Content">
     <p:spTree>
       <p:nvGrpSpPr>
@@ -2514,9 +2736,10 @@
           </a:prstGeom>
         </p:spPr>
         <p:txBody>
-          <a:bodyPr lIns="0" rIns="0" tIns="0" bIns="0" anchor="ctr"/>
-          <a:p>
-            <a:endParaRPr b="0" lang="en-US" sz="1400" spc="-1" strike="noStrike">
+          <a:bodyPr lIns="0" tIns="0" rIns="0" bIns="0" anchor="ctr"/>
+          <a:lstStyle/>
+          <a:p>
+            <a:endParaRPr lang="en-US" sz="1400" b="0" strike="noStrike" spc="-1">
               <a:solidFill>
                 <a:srgbClr val="000000"/>
               </a:solidFill>
@@ -2545,11 +2768,12 @@
           </a:prstGeom>
         </p:spPr>
         <p:txBody>
-          <a:bodyPr lIns="0" rIns="0" tIns="0" bIns="0">
+          <a:bodyPr lIns="0" tIns="0" rIns="0" bIns="0">
             <a:normAutofit/>
           </a:bodyPr>
-          <a:p>
-            <a:endParaRPr b="0" lang="en-US" sz="1400" spc="-1" strike="noStrike">
+          <a:lstStyle/>
+          <a:p>
+            <a:endParaRPr lang="en-US" sz="1400" b="0" strike="noStrike" spc="-1">
               <a:solidFill>
                 <a:srgbClr val="000000"/>
               </a:solidFill>
@@ -2560,11 +2784,14 @@
       </p:sp>
     </p:spTree>
   </p:cSld>
+  <p:clrMapOvr>
+    <a:masterClrMapping/>
+  </p:clrMapOvr>
 </p:sldLayout>
 </file>
 
 <file path=ppt/slideLayouts/slideLayout30.xml><?xml version="1.0" encoding="utf-8"?>
-<p:sldLayout xmlns:a="http://schemas.openxmlformats.org/drawingml/2006/main" xmlns:p="http://schemas.openxmlformats.org/presentationml/2006/main" xmlns:r="http://schemas.openxmlformats.org/officeDocument/2006/relationships" xmlns:p14="http://schemas.microsoft.com/office/powerpoint/2010/main" xmlns:p15="http://schemas.microsoft.com/office/powerpoint/2012/main" xmlns:mc="http://schemas.openxmlformats.org/markup-compatibility/2006" type="objOnly" preserve="1">
+<p:sldLayout xmlns:a="http://schemas.openxmlformats.org/drawingml/2006/main" xmlns:r="http://schemas.openxmlformats.org/officeDocument/2006/relationships" xmlns:p="http://schemas.openxmlformats.org/presentationml/2006/main" type="objOnly" preserve="1">
   <p:cSld name="Centered Text">
     <p:spTree>
       <p:nvGrpSpPr>
@@ -2600,10 +2827,11 @@
           </a:prstGeom>
         </p:spPr>
         <p:txBody>
-          <a:bodyPr lIns="0" rIns="0" tIns="0" bIns="0" anchor="ctr"/>
+          <a:bodyPr lIns="0" tIns="0" rIns="0" bIns="0" anchor="ctr"/>
+          <a:lstStyle/>
           <a:p>
             <a:pPr algn="ctr"/>
-            <a:endParaRPr b="0" lang="en-US" sz="3200" spc="-1" strike="noStrike">
+            <a:endParaRPr lang="en-US" sz="3200" b="0" strike="noStrike" spc="-1">
               <a:latin typeface="Arial"/>
             </a:endParaRPr>
           </a:p>
@@ -2611,11 +2839,14 @@
       </p:sp>
     </p:spTree>
   </p:cSld>
+  <p:clrMapOvr>
+    <a:masterClrMapping/>
+  </p:clrMapOvr>
 </p:sldLayout>
 </file>
 
 <file path=ppt/slideLayouts/slideLayout31.xml><?xml version="1.0" encoding="utf-8"?>
-<p:sldLayout xmlns:a="http://schemas.openxmlformats.org/drawingml/2006/main" xmlns:p="http://schemas.openxmlformats.org/presentationml/2006/main" xmlns:r="http://schemas.openxmlformats.org/officeDocument/2006/relationships" xmlns:p14="http://schemas.microsoft.com/office/powerpoint/2010/main" xmlns:p15="http://schemas.microsoft.com/office/powerpoint/2012/main" xmlns:mc="http://schemas.openxmlformats.org/markup-compatibility/2006" type="twoObjAndObj" preserve="1">
+<p:sldLayout xmlns:a="http://schemas.openxmlformats.org/drawingml/2006/main" xmlns:r="http://schemas.openxmlformats.org/officeDocument/2006/relationships" xmlns:p="http://schemas.openxmlformats.org/presentationml/2006/main" type="twoObjAndObj" preserve="1">
   <p:cSld name="Title, 2 Content and Content">
     <p:spTree>
       <p:nvGrpSpPr>
@@ -2651,9 +2882,10 @@
           </a:prstGeom>
         </p:spPr>
         <p:txBody>
-          <a:bodyPr lIns="0" rIns="0" tIns="0" bIns="0" anchor="ctr"/>
-          <a:p>
-            <a:endParaRPr b="0" lang="en-US" sz="1400" spc="-1" strike="noStrike">
+          <a:bodyPr lIns="0" tIns="0" rIns="0" bIns="0" anchor="ctr"/>
+          <a:lstStyle/>
+          <a:p>
+            <a:endParaRPr lang="en-US" sz="1400" b="0" strike="noStrike" spc="-1">
               <a:solidFill>
                 <a:srgbClr val="000000"/>
               </a:solidFill>
@@ -2682,11 +2914,12 @@
           </a:prstGeom>
         </p:spPr>
         <p:txBody>
-          <a:bodyPr lIns="0" rIns="0" tIns="0" bIns="0">
+          <a:bodyPr lIns="0" tIns="0" rIns="0" bIns="0">
             <a:normAutofit/>
           </a:bodyPr>
-          <a:p>
-            <a:endParaRPr b="0" lang="en-US" sz="1400" spc="-1" strike="noStrike">
+          <a:lstStyle/>
+          <a:p>
+            <a:endParaRPr lang="en-US" sz="1400" b="0" strike="noStrike" spc="-1">
               <a:solidFill>
                 <a:srgbClr val="000000"/>
               </a:solidFill>
@@ -2715,11 +2948,12 @@
           </a:prstGeom>
         </p:spPr>
         <p:txBody>
-          <a:bodyPr lIns="0" rIns="0" tIns="0" bIns="0">
+          <a:bodyPr lIns="0" tIns="0" rIns="0" bIns="0">
             <a:normAutofit/>
           </a:bodyPr>
-          <a:p>
-            <a:endParaRPr b="0" lang="en-US" sz="1400" spc="-1" strike="noStrike">
+          <a:lstStyle/>
+          <a:p>
+            <a:endParaRPr lang="en-US" sz="1400" b="0" strike="noStrike" spc="-1">
               <a:solidFill>
                 <a:srgbClr val="000000"/>
               </a:solidFill>
@@ -2748,11 +2982,12 @@
           </a:prstGeom>
         </p:spPr>
         <p:txBody>
-          <a:bodyPr lIns="0" rIns="0" tIns="0" bIns="0">
+          <a:bodyPr lIns="0" tIns="0" rIns="0" bIns="0">
             <a:normAutofit/>
           </a:bodyPr>
-          <a:p>
-            <a:endParaRPr b="0" lang="en-US" sz="1400" spc="-1" strike="noStrike">
+          <a:lstStyle/>
+          <a:p>
+            <a:endParaRPr lang="en-US" sz="1400" b="0" strike="noStrike" spc="-1">
               <a:solidFill>
                 <a:srgbClr val="000000"/>
               </a:solidFill>
@@ -2763,11 +2998,14 @@
       </p:sp>
     </p:spTree>
   </p:cSld>
+  <p:clrMapOvr>
+    <a:masterClrMapping/>
+  </p:clrMapOvr>
 </p:sldLayout>
 </file>
 
 <file path=ppt/slideLayouts/slideLayout32.xml><?xml version="1.0" encoding="utf-8"?>
-<p:sldLayout xmlns:a="http://schemas.openxmlformats.org/drawingml/2006/main" xmlns:p="http://schemas.openxmlformats.org/presentationml/2006/main" xmlns:r="http://schemas.openxmlformats.org/officeDocument/2006/relationships" xmlns:p14="http://schemas.microsoft.com/office/powerpoint/2010/main" xmlns:p15="http://schemas.microsoft.com/office/powerpoint/2012/main" xmlns:mc="http://schemas.openxmlformats.org/markup-compatibility/2006" type="objAndTwoObj" preserve="1">
+<p:sldLayout xmlns:a="http://schemas.openxmlformats.org/drawingml/2006/main" xmlns:r="http://schemas.openxmlformats.org/officeDocument/2006/relationships" xmlns:p="http://schemas.openxmlformats.org/presentationml/2006/main" type="objAndTwoObj" preserve="1">
   <p:cSld name="Title Content and 2 Content">
     <p:spTree>
       <p:nvGrpSpPr>
@@ -2803,9 +3041,10 @@
           </a:prstGeom>
         </p:spPr>
         <p:txBody>
-          <a:bodyPr lIns="0" rIns="0" tIns="0" bIns="0" anchor="ctr"/>
-          <a:p>
-            <a:endParaRPr b="0" lang="en-US" sz="1400" spc="-1" strike="noStrike">
+          <a:bodyPr lIns="0" tIns="0" rIns="0" bIns="0" anchor="ctr"/>
+          <a:lstStyle/>
+          <a:p>
+            <a:endParaRPr lang="en-US" sz="1400" b="0" strike="noStrike" spc="-1">
               <a:solidFill>
                 <a:srgbClr val="000000"/>
               </a:solidFill>
@@ -2834,11 +3073,12 @@
           </a:prstGeom>
         </p:spPr>
         <p:txBody>
-          <a:bodyPr lIns="0" rIns="0" tIns="0" bIns="0">
+          <a:bodyPr lIns="0" tIns="0" rIns="0" bIns="0">
             <a:normAutofit/>
           </a:bodyPr>
-          <a:p>
-            <a:endParaRPr b="0" lang="en-US" sz="1400" spc="-1" strike="noStrike">
+          <a:lstStyle/>
+          <a:p>
+            <a:endParaRPr lang="en-US" sz="1400" b="0" strike="noStrike" spc="-1">
               <a:solidFill>
                 <a:srgbClr val="000000"/>
               </a:solidFill>
@@ -2867,11 +3107,12 @@
           </a:prstGeom>
         </p:spPr>
         <p:txBody>
-          <a:bodyPr lIns="0" rIns="0" tIns="0" bIns="0">
+          <a:bodyPr lIns="0" tIns="0" rIns="0" bIns="0">
             <a:normAutofit/>
           </a:bodyPr>
-          <a:p>
-            <a:endParaRPr b="0" lang="en-US" sz="1400" spc="-1" strike="noStrike">
+          <a:lstStyle/>
+          <a:p>
+            <a:endParaRPr lang="en-US" sz="1400" b="0" strike="noStrike" spc="-1">
               <a:solidFill>
                 <a:srgbClr val="000000"/>
               </a:solidFill>
@@ -2900,11 +3141,12 @@
           </a:prstGeom>
         </p:spPr>
         <p:txBody>
-          <a:bodyPr lIns="0" rIns="0" tIns="0" bIns="0">
+          <a:bodyPr lIns="0" tIns="0" rIns="0" bIns="0">
             <a:normAutofit/>
           </a:bodyPr>
-          <a:p>
-            <a:endParaRPr b="0" lang="en-US" sz="1400" spc="-1" strike="noStrike">
+          <a:lstStyle/>
+          <a:p>
+            <a:endParaRPr lang="en-US" sz="1400" b="0" strike="noStrike" spc="-1">
               <a:solidFill>
                 <a:srgbClr val="000000"/>
               </a:solidFill>
@@ -2915,11 +3157,14 @@
       </p:sp>
     </p:spTree>
   </p:cSld>
+  <p:clrMapOvr>
+    <a:masterClrMapping/>
+  </p:clrMapOvr>
 </p:sldLayout>
 </file>
 
 <file path=ppt/slideLayouts/slideLayout33.xml><?xml version="1.0" encoding="utf-8"?>
-<p:sldLayout xmlns:a="http://schemas.openxmlformats.org/drawingml/2006/main" xmlns:p="http://schemas.openxmlformats.org/presentationml/2006/main" xmlns:r="http://schemas.openxmlformats.org/officeDocument/2006/relationships" xmlns:p14="http://schemas.microsoft.com/office/powerpoint/2010/main" xmlns:p15="http://schemas.microsoft.com/office/powerpoint/2012/main" xmlns:mc="http://schemas.openxmlformats.org/markup-compatibility/2006" type="twoObjOverTx" preserve="1">
+<p:sldLayout xmlns:a="http://schemas.openxmlformats.org/drawingml/2006/main" xmlns:r="http://schemas.openxmlformats.org/officeDocument/2006/relationships" xmlns:p="http://schemas.openxmlformats.org/presentationml/2006/main" type="twoObjOverTx" preserve="1">
   <p:cSld name="Title, 2 Content over Content">
     <p:spTree>
       <p:nvGrpSpPr>
@@ -2955,9 +3200,10 @@
           </a:prstGeom>
         </p:spPr>
         <p:txBody>
-          <a:bodyPr lIns="0" rIns="0" tIns="0" bIns="0" anchor="ctr"/>
-          <a:p>
-            <a:endParaRPr b="0" lang="en-US" sz="1400" spc="-1" strike="noStrike">
+          <a:bodyPr lIns="0" tIns="0" rIns="0" bIns="0" anchor="ctr"/>
+          <a:lstStyle/>
+          <a:p>
+            <a:endParaRPr lang="en-US" sz="1400" b="0" strike="noStrike" spc="-1">
               <a:solidFill>
                 <a:srgbClr val="000000"/>
               </a:solidFill>
@@ -2986,11 +3232,12 @@
           </a:prstGeom>
         </p:spPr>
         <p:txBody>
-          <a:bodyPr lIns="0" rIns="0" tIns="0" bIns="0">
+          <a:bodyPr lIns="0" tIns="0" rIns="0" bIns="0">
             <a:normAutofit/>
           </a:bodyPr>
-          <a:p>
-            <a:endParaRPr b="0" lang="en-US" sz="1400" spc="-1" strike="noStrike">
+          <a:lstStyle/>
+          <a:p>
+            <a:endParaRPr lang="en-US" sz="1400" b="0" strike="noStrike" spc="-1">
               <a:solidFill>
                 <a:srgbClr val="000000"/>
               </a:solidFill>
@@ -3019,11 +3266,12 @@
           </a:prstGeom>
         </p:spPr>
         <p:txBody>
-          <a:bodyPr lIns="0" rIns="0" tIns="0" bIns="0">
+          <a:bodyPr lIns="0" tIns="0" rIns="0" bIns="0">
             <a:normAutofit/>
           </a:bodyPr>
-          <a:p>
-            <a:endParaRPr b="0" lang="en-US" sz="1400" spc="-1" strike="noStrike">
+          <a:lstStyle/>
+          <a:p>
+            <a:endParaRPr lang="en-US" sz="1400" b="0" strike="noStrike" spc="-1">
               <a:solidFill>
                 <a:srgbClr val="000000"/>
               </a:solidFill>
@@ -3052,11 +3300,12 @@
           </a:prstGeom>
         </p:spPr>
         <p:txBody>
-          <a:bodyPr lIns="0" rIns="0" tIns="0" bIns="0">
+          <a:bodyPr lIns="0" tIns="0" rIns="0" bIns="0">
             <a:normAutofit/>
           </a:bodyPr>
-          <a:p>
-            <a:endParaRPr b="0" lang="en-US" sz="1400" spc="-1" strike="noStrike">
+          <a:lstStyle/>
+          <a:p>
+            <a:endParaRPr lang="en-US" sz="1400" b="0" strike="noStrike" spc="-1">
               <a:solidFill>
                 <a:srgbClr val="000000"/>
               </a:solidFill>
@@ -3067,11 +3316,14 @@
       </p:sp>
     </p:spTree>
   </p:cSld>
+  <p:clrMapOvr>
+    <a:masterClrMapping/>
+  </p:clrMapOvr>
 </p:sldLayout>
 </file>
 
 <file path=ppt/slideLayouts/slideLayout34.xml><?xml version="1.0" encoding="utf-8"?>
-<p:sldLayout xmlns:a="http://schemas.openxmlformats.org/drawingml/2006/main" xmlns:p="http://schemas.openxmlformats.org/presentationml/2006/main" xmlns:r="http://schemas.openxmlformats.org/officeDocument/2006/relationships" xmlns:p14="http://schemas.microsoft.com/office/powerpoint/2010/main" xmlns:p15="http://schemas.microsoft.com/office/powerpoint/2012/main" xmlns:mc="http://schemas.openxmlformats.org/markup-compatibility/2006" type="objOverTx" preserve="1">
+<p:sldLayout xmlns:a="http://schemas.openxmlformats.org/drawingml/2006/main" xmlns:r="http://schemas.openxmlformats.org/officeDocument/2006/relationships" xmlns:p="http://schemas.openxmlformats.org/presentationml/2006/main" type="objOverTx" preserve="1">
   <p:cSld name="Title, Content over Content">
     <p:spTree>
       <p:nvGrpSpPr>
@@ -3107,9 +3359,10 @@
           </a:prstGeom>
         </p:spPr>
         <p:txBody>
-          <a:bodyPr lIns="0" rIns="0" tIns="0" bIns="0" anchor="ctr"/>
-          <a:p>
-            <a:endParaRPr b="0" lang="en-US" sz="1400" spc="-1" strike="noStrike">
+          <a:bodyPr lIns="0" tIns="0" rIns="0" bIns="0" anchor="ctr"/>
+          <a:lstStyle/>
+          <a:p>
+            <a:endParaRPr lang="en-US" sz="1400" b="0" strike="noStrike" spc="-1">
               <a:solidFill>
                 <a:srgbClr val="000000"/>
               </a:solidFill>
@@ -3138,11 +3391,12 @@
           </a:prstGeom>
         </p:spPr>
         <p:txBody>
-          <a:bodyPr lIns="0" rIns="0" tIns="0" bIns="0">
+          <a:bodyPr lIns="0" tIns="0" rIns="0" bIns="0">
             <a:normAutofit/>
           </a:bodyPr>
-          <a:p>
-            <a:endParaRPr b="0" lang="en-US" sz="1400" spc="-1" strike="noStrike">
+          <a:lstStyle/>
+          <a:p>
+            <a:endParaRPr lang="en-US" sz="1400" b="0" strike="noStrike" spc="-1">
               <a:solidFill>
                 <a:srgbClr val="000000"/>
               </a:solidFill>
@@ -3171,11 +3425,12 @@
           </a:prstGeom>
         </p:spPr>
         <p:txBody>
-          <a:bodyPr lIns="0" rIns="0" tIns="0" bIns="0">
+          <a:bodyPr lIns="0" tIns="0" rIns="0" bIns="0">
             <a:normAutofit/>
           </a:bodyPr>
-          <a:p>
-            <a:endParaRPr b="0" lang="en-US" sz="1400" spc="-1" strike="noStrike">
+          <a:lstStyle/>
+          <a:p>
+            <a:endParaRPr lang="en-US" sz="1400" b="0" strike="noStrike" spc="-1">
               <a:solidFill>
                 <a:srgbClr val="000000"/>
               </a:solidFill>
@@ -3186,11 +3441,14 @@
       </p:sp>
     </p:spTree>
   </p:cSld>
+  <p:clrMapOvr>
+    <a:masterClrMapping/>
+  </p:clrMapOvr>
 </p:sldLayout>
 </file>
 
 <file path=ppt/slideLayouts/slideLayout35.xml><?xml version="1.0" encoding="utf-8"?>
-<p:sldLayout xmlns:a="http://schemas.openxmlformats.org/drawingml/2006/main" xmlns:p="http://schemas.openxmlformats.org/presentationml/2006/main" xmlns:r="http://schemas.openxmlformats.org/officeDocument/2006/relationships" xmlns:p14="http://schemas.microsoft.com/office/powerpoint/2010/main" xmlns:p15="http://schemas.microsoft.com/office/powerpoint/2012/main" xmlns:mc="http://schemas.openxmlformats.org/markup-compatibility/2006" type="fourObj" preserve="1">
+<p:sldLayout xmlns:a="http://schemas.openxmlformats.org/drawingml/2006/main" xmlns:r="http://schemas.openxmlformats.org/officeDocument/2006/relationships" xmlns:p="http://schemas.openxmlformats.org/presentationml/2006/main" type="fourObj" preserve="1">
   <p:cSld name="Title, 4 Content">
     <p:spTree>
       <p:nvGrpSpPr>
@@ -3226,9 +3484,10 @@
           </a:prstGeom>
         </p:spPr>
         <p:txBody>
-          <a:bodyPr lIns="0" rIns="0" tIns="0" bIns="0" anchor="ctr"/>
-          <a:p>
-            <a:endParaRPr b="0" lang="en-US" sz="1400" spc="-1" strike="noStrike">
+          <a:bodyPr lIns="0" tIns="0" rIns="0" bIns="0" anchor="ctr"/>
+          <a:lstStyle/>
+          <a:p>
+            <a:endParaRPr lang="en-US" sz="1400" b="0" strike="noStrike" spc="-1">
               <a:solidFill>
                 <a:srgbClr val="000000"/>
               </a:solidFill>
@@ -3257,11 +3516,12 @@
           </a:prstGeom>
         </p:spPr>
         <p:txBody>
-          <a:bodyPr lIns="0" rIns="0" tIns="0" bIns="0">
+          <a:bodyPr lIns="0" tIns="0" rIns="0" bIns="0">
             <a:normAutofit/>
           </a:bodyPr>
-          <a:p>
-            <a:endParaRPr b="0" lang="en-US" sz="1400" spc="-1" strike="noStrike">
+          <a:lstStyle/>
+          <a:p>
+            <a:endParaRPr lang="en-US" sz="1400" b="0" strike="noStrike" spc="-1">
               <a:solidFill>
                 <a:srgbClr val="000000"/>
               </a:solidFill>
@@ -3290,11 +3550,12 @@
           </a:prstGeom>
         </p:spPr>
         <p:txBody>
-          <a:bodyPr lIns="0" rIns="0" tIns="0" bIns="0">
+          <a:bodyPr lIns="0" tIns="0" rIns="0" bIns="0">
             <a:normAutofit/>
           </a:bodyPr>
-          <a:p>
-            <a:endParaRPr b="0" lang="en-US" sz="1400" spc="-1" strike="noStrike">
+          <a:lstStyle/>
+          <a:p>
+            <a:endParaRPr lang="en-US" sz="1400" b="0" strike="noStrike" spc="-1">
               <a:solidFill>
                 <a:srgbClr val="000000"/>
               </a:solidFill>
@@ -3323,11 +3584,12 @@
           </a:prstGeom>
         </p:spPr>
         <p:txBody>
-          <a:bodyPr lIns="0" rIns="0" tIns="0" bIns="0">
+          <a:bodyPr lIns="0" tIns="0" rIns="0" bIns="0">
             <a:normAutofit/>
           </a:bodyPr>
-          <a:p>
-            <a:endParaRPr b="0" lang="en-US" sz="1400" spc="-1" strike="noStrike">
+          <a:lstStyle/>
+          <a:p>
+            <a:endParaRPr lang="en-US" sz="1400" b="0" strike="noStrike" spc="-1">
               <a:solidFill>
                 <a:srgbClr val="000000"/>
               </a:solidFill>
@@ -3356,11 +3618,12 @@
           </a:prstGeom>
         </p:spPr>
         <p:txBody>
-          <a:bodyPr lIns="0" rIns="0" tIns="0" bIns="0">
+          <a:bodyPr lIns="0" tIns="0" rIns="0" bIns="0">
             <a:normAutofit/>
           </a:bodyPr>
-          <a:p>
-            <a:endParaRPr b="0" lang="en-US" sz="1400" spc="-1" strike="noStrike">
+          <a:lstStyle/>
+          <a:p>
+            <a:endParaRPr lang="en-US" sz="1400" b="0" strike="noStrike" spc="-1">
               <a:solidFill>
                 <a:srgbClr val="000000"/>
               </a:solidFill>
@@ -3371,11 +3634,14 @@
       </p:sp>
     </p:spTree>
   </p:cSld>
+  <p:clrMapOvr>
+    <a:masterClrMapping/>
+  </p:clrMapOvr>
 </p:sldLayout>
 </file>
 
 <file path=ppt/slideLayouts/slideLayout36.xml><?xml version="1.0" encoding="utf-8"?>
-<p:sldLayout xmlns:a="http://schemas.openxmlformats.org/drawingml/2006/main" xmlns:p="http://schemas.openxmlformats.org/presentationml/2006/main" xmlns:r="http://schemas.openxmlformats.org/officeDocument/2006/relationships" xmlns:p14="http://schemas.microsoft.com/office/powerpoint/2010/main" xmlns:p15="http://schemas.microsoft.com/office/powerpoint/2012/main" xmlns:mc="http://schemas.openxmlformats.org/markup-compatibility/2006" type="blank" preserve="1">
+<p:sldLayout xmlns:a="http://schemas.openxmlformats.org/drawingml/2006/main" xmlns:r="http://schemas.openxmlformats.org/officeDocument/2006/relationships" xmlns:p="http://schemas.openxmlformats.org/presentationml/2006/main" type="blank" preserve="1">
   <p:cSld name="Title, 6 Content">
     <p:spTree>
       <p:nvGrpSpPr>
@@ -3411,9 +3677,10 @@
           </a:prstGeom>
         </p:spPr>
         <p:txBody>
-          <a:bodyPr lIns="0" rIns="0" tIns="0" bIns="0" anchor="ctr"/>
-          <a:p>
-            <a:endParaRPr b="0" lang="en-US" sz="1400" spc="-1" strike="noStrike">
+          <a:bodyPr lIns="0" tIns="0" rIns="0" bIns="0" anchor="ctr"/>
+          <a:lstStyle/>
+          <a:p>
+            <a:endParaRPr lang="en-US" sz="1400" b="0" strike="noStrike" spc="-1">
               <a:solidFill>
                 <a:srgbClr val="000000"/>
               </a:solidFill>
@@ -3442,11 +3709,12 @@
           </a:prstGeom>
         </p:spPr>
         <p:txBody>
-          <a:bodyPr lIns="0" rIns="0" tIns="0" bIns="0">
+          <a:bodyPr lIns="0" tIns="0" rIns="0" bIns="0">
             <a:normAutofit/>
           </a:bodyPr>
-          <a:p>
-            <a:endParaRPr b="0" lang="en-US" sz="1400" spc="-1" strike="noStrike">
+          <a:lstStyle/>
+          <a:p>
+            <a:endParaRPr lang="en-US" sz="1400" b="0" strike="noStrike" spc="-1">
               <a:solidFill>
                 <a:srgbClr val="000000"/>
               </a:solidFill>
@@ -3475,11 +3743,12 @@
           </a:prstGeom>
         </p:spPr>
         <p:txBody>
-          <a:bodyPr lIns="0" rIns="0" tIns="0" bIns="0">
+          <a:bodyPr lIns="0" tIns="0" rIns="0" bIns="0">
             <a:normAutofit/>
           </a:bodyPr>
-          <a:p>
-            <a:endParaRPr b="0" lang="en-US" sz="1400" spc="-1" strike="noStrike">
+          <a:lstStyle/>
+          <a:p>
+            <a:endParaRPr lang="en-US" sz="1400" b="0" strike="noStrike" spc="-1">
               <a:solidFill>
                 <a:srgbClr val="000000"/>
               </a:solidFill>
@@ -3508,11 +3777,12 @@
           </a:prstGeom>
         </p:spPr>
         <p:txBody>
-          <a:bodyPr lIns="0" rIns="0" tIns="0" bIns="0">
+          <a:bodyPr lIns="0" tIns="0" rIns="0" bIns="0">
             <a:normAutofit/>
           </a:bodyPr>
-          <a:p>
-            <a:endParaRPr b="0" lang="en-US" sz="1400" spc="-1" strike="noStrike">
+          <a:lstStyle/>
+          <a:p>
+            <a:endParaRPr lang="en-US" sz="1400" b="0" strike="noStrike" spc="-1">
               <a:solidFill>
                 <a:srgbClr val="000000"/>
               </a:solidFill>
@@ -3541,11 +3811,12 @@
           </a:prstGeom>
         </p:spPr>
         <p:txBody>
-          <a:bodyPr lIns="0" rIns="0" tIns="0" bIns="0">
+          <a:bodyPr lIns="0" tIns="0" rIns="0" bIns="0">
             <a:normAutofit/>
           </a:bodyPr>
-          <a:p>
-            <a:endParaRPr b="0" lang="en-US" sz="1400" spc="-1" strike="noStrike">
+          <a:lstStyle/>
+          <a:p>
+            <a:endParaRPr lang="en-US" sz="1400" b="0" strike="noStrike" spc="-1">
               <a:solidFill>
                 <a:srgbClr val="000000"/>
               </a:solidFill>
@@ -3574,11 +3845,12 @@
           </a:prstGeom>
         </p:spPr>
         <p:txBody>
-          <a:bodyPr lIns="0" rIns="0" tIns="0" bIns="0">
+          <a:bodyPr lIns="0" tIns="0" rIns="0" bIns="0">
             <a:normAutofit/>
           </a:bodyPr>
-          <a:p>
-            <a:endParaRPr b="0" lang="en-US" sz="1400" spc="-1" strike="noStrike">
+          <a:lstStyle/>
+          <a:p>
+            <a:endParaRPr lang="en-US" sz="1400" b="0" strike="noStrike" spc="-1">
               <a:solidFill>
                 <a:srgbClr val="000000"/>
               </a:solidFill>
@@ -3607,11 +3879,12 @@
           </a:prstGeom>
         </p:spPr>
         <p:txBody>
-          <a:bodyPr lIns="0" rIns="0" tIns="0" bIns="0">
+          <a:bodyPr lIns="0" tIns="0" rIns="0" bIns="0">
             <a:normAutofit/>
           </a:bodyPr>
-          <a:p>
-            <a:endParaRPr b="0" lang="en-US" sz="1400" spc="-1" strike="noStrike">
+          <a:lstStyle/>
+          <a:p>
+            <a:endParaRPr lang="en-US" sz="1400" b="0" strike="noStrike" spc="-1">
               <a:solidFill>
                 <a:srgbClr val="000000"/>
               </a:solidFill>
@@ -3622,11 +3895,14 @@
       </p:sp>
     </p:spTree>
   </p:cSld>
+  <p:clrMapOvr>
+    <a:masterClrMapping/>
+  </p:clrMapOvr>
 </p:sldLayout>
 </file>
 
 <file path=ppt/slideLayouts/slideLayout4.xml><?xml version="1.0" encoding="utf-8"?>
-<p:sldLayout xmlns:a="http://schemas.openxmlformats.org/drawingml/2006/main" xmlns:p="http://schemas.openxmlformats.org/presentationml/2006/main" xmlns:r="http://schemas.openxmlformats.org/officeDocument/2006/relationships" xmlns:p14="http://schemas.microsoft.com/office/powerpoint/2010/main" xmlns:p15="http://schemas.microsoft.com/office/powerpoint/2012/main" xmlns:mc="http://schemas.openxmlformats.org/markup-compatibility/2006" type="twoObj" preserve="1">
+<p:sldLayout xmlns:a="http://schemas.openxmlformats.org/drawingml/2006/main" xmlns:r="http://schemas.openxmlformats.org/officeDocument/2006/relationships" xmlns:p="http://schemas.openxmlformats.org/presentationml/2006/main" type="twoObj" preserve="1">
   <p:cSld name="Title, 2 Content">
     <p:spTree>
       <p:nvGrpSpPr>
@@ -3662,9 +3938,10 @@
           </a:prstGeom>
         </p:spPr>
         <p:txBody>
-          <a:bodyPr lIns="0" rIns="0" tIns="0" bIns="0" anchor="ctr"/>
-          <a:p>
-            <a:endParaRPr b="0" lang="en-US" sz="1400" spc="-1" strike="noStrike">
+          <a:bodyPr lIns="0" tIns="0" rIns="0" bIns="0" anchor="ctr"/>
+          <a:lstStyle/>
+          <a:p>
+            <a:endParaRPr lang="en-US" sz="1400" b="0" strike="noStrike" spc="-1">
               <a:solidFill>
                 <a:srgbClr val="000000"/>
               </a:solidFill>
@@ -3693,11 +3970,12 @@
           </a:prstGeom>
         </p:spPr>
         <p:txBody>
-          <a:bodyPr lIns="0" rIns="0" tIns="0" bIns="0">
+          <a:bodyPr lIns="0" tIns="0" rIns="0" bIns="0">
             <a:normAutofit/>
           </a:bodyPr>
-          <a:p>
-            <a:endParaRPr b="0" lang="en-US" sz="1400" spc="-1" strike="noStrike">
+          <a:lstStyle/>
+          <a:p>
+            <a:endParaRPr lang="en-US" sz="1400" b="0" strike="noStrike" spc="-1">
               <a:solidFill>
                 <a:srgbClr val="000000"/>
               </a:solidFill>
@@ -3726,11 +4004,12 @@
           </a:prstGeom>
         </p:spPr>
         <p:txBody>
-          <a:bodyPr lIns="0" rIns="0" tIns="0" bIns="0">
+          <a:bodyPr lIns="0" tIns="0" rIns="0" bIns="0">
             <a:normAutofit/>
           </a:bodyPr>
-          <a:p>
-            <a:endParaRPr b="0" lang="en-US" sz="1400" spc="-1" strike="noStrike">
+          <a:lstStyle/>
+          <a:p>
+            <a:endParaRPr lang="en-US" sz="1400" b="0" strike="noStrike" spc="-1">
               <a:solidFill>
                 <a:srgbClr val="000000"/>
               </a:solidFill>
@@ -3741,11 +4020,14 @@
       </p:sp>
     </p:spTree>
   </p:cSld>
+  <p:clrMapOvr>
+    <a:masterClrMapping/>
+  </p:clrMapOvr>
 </p:sldLayout>
 </file>
 
 <file path=ppt/slideLayouts/slideLayout5.xml><?xml version="1.0" encoding="utf-8"?>
-<p:sldLayout xmlns:a="http://schemas.openxmlformats.org/drawingml/2006/main" xmlns:p="http://schemas.openxmlformats.org/presentationml/2006/main" xmlns:r="http://schemas.openxmlformats.org/officeDocument/2006/relationships" xmlns:p14="http://schemas.microsoft.com/office/powerpoint/2010/main" xmlns:p15="http://schemas.microsoft.com/office/powerpoint/2012/main" xmlns:mc="http://schemas.openxmlformats.org/markup-compatibility/2006" type="titleOnly" preserve="1">
+<p:sldLayout xmlns:a="http://schemas.openxmlformats.org/drawingml/2006/main" xmlns:r="http://schemas.openxmlformats.org/officeDocument/2006/relationships" xmlns:p="http://schemas.openxmlformats.org/presentationml/2006/main" type="titleOnly" preserve="1">
   <p:cSld name="Title Only">
     <p:spTree>
       <p:nvGrpSpPr>
@@ -3781,9 +4063,10 @@
           </a:prstGeom>
         </p:spPr>
         <p:txBody>
-          <a:bodyPr lIns="0" rIns="0" tIns="0" bIns="0" anchor="ctr"/>
-          <a:p>
-            <a:endParaRPr b="0" lang="en-US" sz="1400" spc="-1" strike="noStrike">
+          <a:bodyPr lIns="0" tIns="0" rIns="0" bIns="0" anchor="ctr"/>
+          <a:lstStyle/>
+          <a:p>
+            <a:endParaRPr lang="en-US" sz="1400" b="0" strike="noStrike" spc="-1">
               <a:solidFill>
                 <a:srgbClr val="000000"/>
               </a:solidFill>
@@ -3794,11 +4077,14 @@
       </p:sp>
     </p:spTree>
   </p:cSld>
+  <p:clrMapOvr>
+    <a:masterClrMapping/>
+  </p:clrMapOvr>
 </p:sldLayout>
 </file>
 
 <file path=ppt/slideLayouts/slideLayout6.xml><?xml version="1.0" encoding="utf-8"?>
-<p:sldLayout xmlns:a="http://schemas.openxmlformats.org/drawingml/2006/main" xmlns:p="http://schemas.openxmlformats.org/presentationml/2006/main" xmlns:r="http://schemas.openxmlformats.org/officeDocument/2006/relationships" xmlns:p14="http://schemas.microsoft.com/office/powerpoint/2010/main" xmlns:p15="http://schemas.microsoft.com/office/powerpoint/2012/main" xmlns:mc="http://schemas.openxmlformats.org/markup-compatibility/2006" type="objOnly" preserve="1">
+<p:sldLayout xmlns:a="http://schemas.openxmlformats.org/drawingml/2006/main" xmlns:r="http://schemas.openxmlformats.org/officeDocument/2006/relationships" xmlns:p="http://schemas.openxmlformats.org/presentationml/2006/main" type="objOnly" preserve="1">
   <p:cSld name="Centered Text">
     <p:spTree>
       <p:nvGrpSpPr>
@@ -3834,10 +4120,11 @@
           </a:prstGeom>
         </p:spPr>
         <p:txBody>
-          <a:bodyPr lIns="0" rIns="0" tIns="0" bIns="0" anchor="ctr"/>
+          <a:bodyPr lIns="0" tIns="0" rIns="0" bIns="0" anchor="ctr"/>
+          <a:lstStyle/>
           <a:p>
             <a:pPr algn="ctr"/>
-            <a:endParaRPr b="0" lang="en-US" sz="3200" spc="-1" strike="noStrike">
+            <a:endParaRPr lang="en-US" sz="3200" b="0" strike="noStrike" spc="-1">
               <a:latin typeface="Arial"/>
             </a:endParaRPr>
           </a:p>
@@ -3845,11 +4132,14 @@
       </p:sp>
     </p:spTree>
   </p:cSld>
+  <p:clrMapOvr>
+    <a:masterClrMapping/>
+  </p:clrMapOvr>
 </p:sldLayout>
 </file>
 
 <file path=ppt/slideLayouts/slideLayout7.xml><?xml version="1.0" encoding="utf-8"?>
-<p:sldLayout xmlns:a="http://schemas.openxmlformats.org/drawingml/2006/main" xmlns:p="http://schemas.openxmlformats.org/presentationml/2006/main" xmlns:r="http://schemas.openxmlformats.org/officeDocument/2006/relationships" xmlns:p14="http://schemas.microsoft.com/office/powerpoint/2010/main" xmlns:p15="http://schemas.microsoft.com/office/powerpoint/2012/main" xmlns:mc="http://schemas.openxmlformats.org/markup-compatibility/2006" type="twoObjAndObj" preserve="1">
+<p:sldLayout xmlns:a="http://schemas.openxmlformats.org/drawingml/2006/main" xmlns:r="http://schemas.openxmlformats.org/officeDocument/2006/relationships" xmlns:p="http://schemas.openxmlformats.org/presentationml/2006/main" type="twoObjAndObj" preserve="1">
   <p:cSld name="Title, 2 Content and Content">
     <p:spTree>
       <p:nvGrpSpPr>
@@ -3885,9 +4175,10 @@
           </a:prstGeom>
         </p:spPr>
         <p:txBody>
-          <a:bodyPr lIns="0" rIns="0" tIns="0" bIns="0" anchor="ctr"/>
-          <a:p>
-            <a:endParaRPr b="0" lang="en-US" sz="1400" spc="-1" strike="noStrike">
+          <a:bodyPr lIns="0" tIns="0" rIns="0" bIns="0" anchor="ctr"/>
+          <a:lstStyle/>
+          <a:p>
+            <a:endParaRPr lang="en-US" sz="1400" b="0" strike="noStrike" spc="-1">
               <a:solidFill>
                 <a:srgbClr val="000000"/>
               </a:solidFill>
@@ -3916,11 +4207,12 @@
           </a:prstGeom>
         </p:spPr>
         <p:txBody>
-          <a:bodyPr lIns="0" rIns="0" tIns="0" bIns="0">
+          <a:bodyPr lIns="0" tIns="0" rIns="0" bIns="0">
             <a:normAutofit/>
           </a:bodyPr>
-          <a:p>
-            <a:endParaRPr b="0" lang="en-US" sz="1400" spc="-1" strike="noStrike">
+          <a:lstStyle/>
+          <a:p>
+            <a:endParaRPr lang="en-US" sz="1400" b="0" strike="noStrike" spc="-1">
               <a:solidFill>
                 <a:srgbClr val="000000"/>
               </a:solidFill>
@@ -3949,11 +4241,12 @@
           </a:prstGeom>
         </p:spPr>
         <p:txBody>
-          <a:bodyPr lIns="0" rIns="0" tIns="0" bIns="0">
+          <a:bodyPr lIns="0" tIns="0" rIns="0" bIns="0">
             <a:normAutofit/>
           </a:bodyPr>
-          <a:p>
-            <a:endParaRPr b="0" lang="en-US" sz="1400" spc="-1" strike="noStrike">
+          <a:lstStyle/>
+          <a:p>
+            <a:endParaRPr lang="en-US" sz="1400" b="0" strike="noStrike" spc="-1">
               <a:solidFill>
                 <a:srgbClr val="000000"/>
               </a:solidFill>
@@ -3982,11 +4275,12 @@
           </a:prstGeom>
         </p:spPr>
         <p:txBody>
-          <a:bodyPr lIns="0" rIns="0" tIns="0" bIns="0">
+          <a:bodyPr lIns="0" tIns="0" rIns="0" bIns="0">
             <a:normAutofit/>
           </a:bodyPr>
-          <a:p>
-            <a:endParaRPr b="0" lang="en-US" sz="1400" spc="-1" strike="noStrike">
+          <a:lstStyle/>
+          <a:p>
+            <a:endParaRPr lang="en-US" sz="1400" b="0" strike="noStrike" spc="-1">
               <a:solidFill>
                 <a:srgbClr val="000000"/>
               </a:solidFill>
@@ -3997,11 +4291,14 @@
       </p:sp>
     </p:spTree>
   </p:cSld>
+  <p:clrMapOvr>
+    <a:masterClrMapping/>
+  </p:clrMapOvr>
 </p:sldLayout>
 </file>
 
 <file path=ppt/slideLayouts/slideLayout8.xml><?xml version="1.0" encoding="utf-8"?>
-<p:sldLayout xmlns:a="http://schemas.openxmlformats.org/drawingml/2006/main" xmlns:p="http://schemas.openxmlformats.org/presentationml/2006/main" xmlns:r="http://schemas.openxmlformats.org/officeDocument/2006/relationships" xmlns:p14="http://schemas.microsoft.com/office/powerpoint/2010/main" xmlns:p15="http://schemas.microsoft.com/office/powerpoint/2012/main" xmlns:mc="http://schemas.openxmlformats.org/markup-compatibility/2006" type="objAndTwoObj" preserve="1">
+<p:sldLayout xmlns:a="http://schemas.openxmlformats.org/drawingml/2006/main" xmlns:r="http://schemas.openxmlformats.org/officeDocument/2006/relationships" xmlns:p="http://schemas.openxmlformats.org/presentationml/2006/main" type="objAndTwoObj" preserve="1">
   <p:cSld name="Title Content and 2 Content">
     <p:spTree>
       <p:nvGrpSpPr>
@@ -4037,9 +4334,10 @@
           </a:prstGeom>
         </p:spPr>
         <p:txBody>
-          <a:bodyPr lIns="0" rIns="0" tIns="0" bIns="0" anchor="ctr"/>
-          <a:p>
-            <a:endParaRPr b="0" lang="en-US" sz="1400" spc="-1" strike="noStrike">
+          <a:bodyPr lIns="0" tIns="0" rIns="0" bIns="0" anchor="ctr"/>
+          <a:lstStyle/>
+          <a:p>
+            <a:endParaRPr lang="en-US" sz="1400" b="0" strike="noStrike" spc="-1">
               <a:solidFill>
                 <a:srgbClr val="000000"/>
               </a:solidFill>
@@ -4068,11 +4366,12 @@
           </a:prstGeom>
         </p:spPr>
         <p:txBody>
-          <a:bodyPr lIns="0" rIns="0" tIns="0" bIns="0">
+          <a:bodyPr lIns="0" tIns="0" rIns="0" bIns="0">
             <a:normAutofit/>
           </a:bodyPr>
-          <a:p>
-            <a:endParaRPr b="0" lang="en-US" sz="1400" spc="-1" strike="noStrike">
+          <a:lstStyle/>
+          <a:p>
+            <a:endParaRPr lang="en-US" sz="1400" b="0" strike="noStrike" spc="-1">
               <a:solidFill>
                 <a:srgbClr val="000000"/>
               </a:solidFill>
@@ -4101,11 +4400,12 @@
           </a:prstGeom>
         </p:spPr>
         <p:txBody>
-          <a:bodyPr lIns="0" rIns="0" tIns="0" bIns="0">
+          <a:bodyPr lIns="0" tIns="0" rIns="0" bIns="0">
             <a:normAutofit/>
           </a:bodyPr>
-          <a:p>
-            <a:endParaRPr b="0" lang="en-US" sz="1400" spc="-1" strike="noStrike">
+          <a:lstStyle/>
+          <a:p>
+            <a:endParaRPr lang="en-US" sz="1400" b="0" strike="noStrike" spc="-1">
               <a:solidFill>
                 <a:srgbClr val="000000"/>
               </a:solidFill>
@@ -4134,11 +4434,12 @@
           </a:prstGeom>
         </p:spPr>
         <p:txBody>
-          <a:bodyPr lIns="0" rIns="0" tIns="0" bIns="0">
+          <a:bodyPr lIns="0" tIns="0" rIns="0" bIns="0">
             <a:normAutofit/>
           </a:bodyPr>
-          <a:p>
-            <a:endParaRPr b="0" lang="en-US" sz="1400" spc="-1" strike="noStrike">
+          <a:lstStyle/>
+          <a:p>
+            <a:endParaRPr lang="en-US" sz="1400" b="0" strike="noStrike" spc="-1">
               <a:solidFill>
                 <a:srgbClr val="000000"/>
               </a:solidFill>
@@ -4149,11 +4450,14 @@
       </p:sp>
     </p:spTree>
   </p:cSld>
+  <p:clrMapOvr>
+    <a:masterClrMapping/>
+  </p:clrMapOvr>
 </p:sldLayout>
 </file>
 
 <file path=ppt/slideLayouts/slideLayout9.xml><?xml version="1.0" encoding="utf-8"?>
-<p:sldLayout xmlns:a="http://schemas.openxmlformats.org/drawingml/2006/main" xmlns:p="http://schemas.openxmlformats.org/presentationml/2006/main" xmlns:r="http://schemas.openxmlformats.org/officeDocument/2006/relationships" xmlns:p14="http://schemas.microsoft.com/office/powerpoint/2010/main" xmlns:p15="http://schemas.microsoft.com/office/powerpoint/2012/main" xmlns:mc="http://schemas.openxmlformats.org/markup-compatibility/2006" type="twoObjOverTx" preserve="1">
+<p:sldLayout xmlns:a="http://schemas.openxmlformats.org/drawingml/2006/main" xmlns:r="http://schemas.openxmlformats.org/officeDocument/2006/relationships" xmlns:p="http://schemas.openxmlformats.org/presentationml/2006/main" type="twoObjOverTx" preserve="1">
   <p:cSld name="Title, 2 Content over Content">
     <p:spTree>
       <p:nvGrpSpPr>
@@ -4189,9 +4493,10 @@
           </a:prstGeom>
         </p:spPr>
         <p:txBody>
-          <a:bodyPr lIns="0" rIns="0" tIns="0" bIns="0" anchor="ctr"/>
-          <a:p>
-            <a:endParaRPr b="0" lang="en-US" sz="1400" spc="-1" strike="noStrike">
+          <a:bodyPr lIns="0" tIns="0" rIns="0" bIns="0" anchor="ctr"/>
+          <a:lstStyle/>
+          <a:p>
+            <a:endParaRPr lang="en-US" sz="1400" b="0" strike="noStrike" spc="-1">
               <a:solidFill>
                 <a:srgbClr val="000000"/>
               </a:solidFill>
@@ -4220,11 +4525,12 @@
           </a:prstGeom>
         </p:spPr>
         <p:txBody>
-          <a:bodyPr lIns="0" rIns="0" tIns="0" bIns="0">
+          <a:bodyPr lIns="0" tIns="0" rIns="0" bIns="0">
             <a:normAutofit/>
           </a:bodyPr>
-          <a:p>
-            <a:endParaRPr b="0" lang="en-US" sz="1400" spc="-1" strike="noStrike">
+          <a:lstStyle/>
+          <a:p>
+            <a:endParaRPr lang="en-US" sz="1400" b="0" strike="noStrike" spc="-1">
               <a:solidFill>
                 <a:srgbClr val="000000"/>
               </a:solidFill>
@@ -4253,11 +4559,12 @@
           </a:prstGeom>
         </p:spPr>
         <p:txBody>
-          <a:bodyPr lIns="0" rIns="0" tIns="0" bIns="0">
+          <a:bodyPr lIns="0" tIns="0" rIns="0" bIns="0">
             <a:normAutofit/>
           </a:bodyPr>
-          <a:p>
-            <a:endParaRPr b="0" lang="en-US" sz="1400" spc="-1" strike="noStrike">
+          <a:lstStyle/>
+          <a:p>
+            <a:endParaRPr lang="en-US" sz="1400" b="0" strike="noStrike" spc="-1">
               <a:solidFill>
                 <a:srgbClr val="000000"/>
               </a:solidFill>
@@ -4286,11 +4593,12 @@
           </a:prstGeom>
         </p:spPr>
         <p:txBody>
-          <a:bodyPr lIns="0" rIns="0" tIns="0" bIns="0">
+          <a:bodyPr lIns="0" tIns="0" rIns="0" bIns="0">
             <a:normAutofit/>
           </a:bodyPr>
-          <a:p>
-            <a:endParaRPr b="0" lang="en-US" sz="1400" spc="-1" strike="noStrike">
+          <a:lstStyle/>
+          <a:p>
+            <a:endParaRPr lang="en-US" sz="1400" b="0" strike="noStrike" spc="-1">
               <a:solidFill>
                 <a:srgbClr val="000000"/>
               </a:solidFill>
@@ -4301,17 +4609,21 @@
       </p:sp>
     </p:spTree>
   </p:cSld>
+  <p:clrMapOvr>
+    <a:masterClrMapping/>
+  </p:clrMapOvr>
 </p:sldLayout>
 </file>
 
 <file path=ppt/slideMasters/slideMaster1.xml><?xml version="1.0" encoding="utf-8"?>
-<p:sldMaster xmlns:a="http://schemas.openxmlformats.org/drawingml/2006/main" xmlns:p="http://schemas.openxmlformats.org/presentationml/2006/main" xmlns:r="http://schemas.openxmlformats.org/officeDocument/2006/relationships" xmlns:p14="http://schemas.microsoft.com/office/powerpoint/2010/main" xmlns:p15="http://schemas.microsoft.com/office/powerpoint/2012/main" xmlns:mc="http://schemas.openxmlformats.org/markup-compatibility/2006">
+<p:sldMaster xmlns:a="http://schemas.openxmlformats.org/drawingml/2006/main" xmlns:r="http://schemas.openxmlformats.org/officeDocument/2006/relationships" xmlns:p="http://schemas.openxmlformats.org/presentationml/2006/main">
   <p:cSld>
     <p:bg>
       <p:bgPr>
         <a:solidFill>
-          <a:srgbClr val="ffffff"/>
+          <a:srgbClr val="FFFFFF"/>
         </a:solidFill>
+        <a:effectLst/>
       </p:bgPr>
     </p:bg>
     <p:spTree>
@@ -4330,7 +4642,7 @@
       </p:grpSpPr>
       <p:sp>
         <p:nvSpPr>
-          <p:cNvPr id="0" name="CustomShape 1"/>
+          <p:cNvPr id="5" name="CustomShape 1"/>
           <p:cNvSpPr/>
           <p:nvPr/>
         </p:nvSpPr>
@@ -4343,6 +4655,7 @@
             <a:avLst/>
             <a:gdLst/>
             <a:ahLst/>
+            <a:cxnLst/>
             <a:rect l="l" t="t" r="r" b="b"/>
             <a:pathLst>
               <a:path w="43265" h="44998">
@@ -4367,20 +4680,26 @@
           </a:ln>
         </p:spPr>
         <p:style>
-          <a:lnRef idx="0"/>
-          <a:fillRef idx="0"/>
-          <a:effectRef idx="0"/>
+          <a:lnRef idx="0">
+            <a:scrgbClr r="0" g="0" b="0"/>
+          </a:lnRef>
+          <a:fillRef idx="0">
+            <a:scrgbClr r="0" g="0" b="0"/>
+          </a:fillRef>
+          <a:effectRef idx="0">
+            <a:scrgbClr r="0" g="0" b="0"/>
+          </a:effectRef>
           <a:fontRef idx="minor"/>
         </p:style>
       </p:sp>
       <p:sp>
         <p:nvSpPr>
-          <p:cNvPr id="1" name="CustomShape 2"/>
+          <p:cNvPr id="6" name="CustomShape 2"/>
           <p:cNvSpPr/>
           <p:nvPr/>
         </p:nvSpPr>
         <p:spPr>
-          <a:xfrm flipH="1" rot="10800000">
+          <a:xfrm rot="10800000" flipH="1">
             <a:off x="1548000" y="4683240"/>
             <a:ext cx="1081440" cy="1124640"/>
           </a:xfrm>
@@ -4388,6 +4707,7 @@
             <a:avLst/>
             <a:gdLst/>
             <a:ahLst/>
+            <a:cxnLst/>
             <a:rect l="l" t="t" r="r" b="b"/>
             <a:pathLst>
               <a:path w="43265" h="44998">
@@ -4412,9 +4732,15 @@
           </a:ln>
         </p:spPr>
         <p:style>
-          <a:lnRef idx="0"/>
-          <a:fillRef idx="0"/>
-          <a:effectRef idx="0"/>
+          <a:lnRef idx="0">
+            <a:scrgbClr r="0" g="0" b="0"/>
+          </a:lnRef>
+          <a:fillRef idx="0">
+            <a:scrgbClr r="0" g="0" b="0"/>
+          </a:fillRef>
+          <a:effectRef idx="0">
+            <a:scrgbClr r="0" g="0" b="0"/>
+          </a:effectRef>
           <a:fontRef idx="minor"/>
         </p:style>
       </p:sp>
@@ -4439,9 +4765,10 @@
         </p:spPr>
         <p:txBody>
           <a:bodyPr tIns="91440" bIns="91440" anchor="ctr"/>
-          <a:p>
-            <a:r>
-              <a:rPr b="0" lang="en-US" sz="4200" spc="-1" strike="noStrike">
+          <a:lstStyle/>
+          <a:p>
+            <a:r>
+              <a:rPr lang="en-US" sz="4200" b="0" strike="noStrike" spc="-1">
                 <a:solidFill>
                   <a:srgbClr val="000000"/>
                 </a:solidFill>
@@ -4449,12 +4776,6 @@
               </a:rPr>
               <a:t>Click to edit the title text format</a:t>
             </a:r>
-            <a:endParaRPr b="0" lang="en-US" sz="4200" spc="-1" strike="noStrike">
-              <a:solidFill>
-                <a:srgbClr val="000000"/>
-              </a:solidFill>
-              <a:latin typeface="Arial"/>
-            </a:endParaRPr>
           </a:p>
         </p:txBody>
       </p:sp>
@@ -4479,6 +4800,7 @@
         </p:spPr>
         <p:txBody>
           <a:bodyPr tIns="91440" bIns="91440" anchor="ctr"/>
+          <a:lstStyle/>
           <a:p>
             <a:pPr algn="r">
               <a:lnSpc>
@@ -4486,16 +4808,16 @@
               </a:lnSpc>
             </a:pPr>
             <a:fld id="{39F9111B-EDF3-4FC5-9CB5-6A059A0F72A3}" type="slidenum">
-              <a:rPr b="0" lang="en-US" sz="1000" spc="-1" strike="noStrike">
+              <a:rPr lang="en-US" sz="1000" b="0" strike="noStrike" spc="-1">
                 <a:solidFill>
                   <a:srgbClr val="000000"/>
                 </a:solidFill>
                 <a:latin typeface="Economica"/>
                 <a:ea typeface="Economica"/>
               </a:rPr>
-              <a:t>1</a:t>
+              <a:t>‹#›</a:t>
             </a:fld>
-            <a:endParaRPr b="0" lang="en-US" sz="1000" spc="-1" strike="noStrike">
+            <a:endParaRPr lang="en-US" sz="1000" b="0" strike="noStrike" spc="-1">
               <a:latin typeface="Times New Roman"/>
             </a:endParaRPr>
           </a:p>
@@ -4521,9 +4843,10 @@
           </a:prstGeom>
         </p:spPr>
         <p:txBody>
-          <a:bodyPr lIns="0" rIns="0" tIns="0" bIns="0">
+          <a:bodyPr lIns="0" tIns="0" rIns="0" bIns="0">
             <a:normAutofit/>
           </a:bodyPr>
+          <a:lstStyle/>
           <a:p>
             <a:pPr marL="432000" indent="-324000">
               <a:spcBef>
@@ -4537,7 +4860,7 @@
               <a:buChar char=""/>
             </a:pPr>
             <a:r>
-              <a:rPr b="0" lang="en-US" sz="1400" spc="-1" strike="noStrike">
+              <a:rPr lang="en-US" sz="1400" b="0" strike="noStrike" spc="-1">
                 <a:solidFill>
                   <a:srgbClr val="000000"/>
                 </a:solidFill>
@@ -4545,15 +4868,9 @@
               </a:rPr>
               <a:t>Click to edit the outline text format</a:t>
             </a:r>
-            <a:endParaRPr b="0" lang="en-US" sz="1400" spc="-1" strike="noStrike">
-              <a:solidFill>
-                <a:srgbClr val="000000"/>
-              </a:solidFill>
-              <a:latin typeface="Arial"/>
-            </a:endParaRPr>
-          </a:p>
-          <a:p>
-            <a:pPr lvl="1" marL="864000" indent="-324000">
+          </a:p>
+          <a:p>
+            <a:pPr marL="864000" lvl="1" indent="-324000">
               <a:spcBef>
                 <a:spcPts val="1134"/>
               </a:spcBef>
@@ -4565,7 +4882,7 @@
               <a:buChar char=""/>
             </a:pPr>
             <a:r>
-              <a:rPr b="0" lang="en-US" sz="1400" spc="-1" strike="noStrike">
+              <a:rPr lang="en-US" sz="1400" b="0" strike="noStrike" spc="-1">
                 <a:solidFill>
                   <a:srgbClr val="000000"/>
                 </a:solidFill>
@@ -4573,15 +4890,9 @@
               </a:rPr>
               <a:t>Second Outline Level</a:t>
             </a:r>
-            <a:endParaRPr b="0" lang="en-US" sz="1400" spc="-1" strike="noStrike">
-              <a:solidFill>
-                <a:srgbClr val="000000"/>
-              </a:solidFill>
-              <a:latin typeface="Arial"/>
-            </a:endParaRPr>
-          </a:p>
-          <a:p>
-            <a:pPr lvl="2" marL="1296000" indent="-288000">
+          </a:p>
+          <a:p>
+            <a:pPr marL="1296000" lvl="2" indent="-288000">
               <a:spcBef>
                 <a:spcPts val="850"/>
               </a:spcBef>
@@ -4593,7 +4904,7 @@
               <a:buChar char=""/>
             </a:pPr>
             <a:r>
-              <a:rPr b="0" lang="en-US" sz="1400" spc="-1" strike="noStrike">
+              <a:rPr lang="en-US" sz="1400" b="0" strike="noStrike" spc="-1">
                 <a:solidFill>
                   <a:srgbClr val="000000"/>
                 </a:solidFill>
@@ -4601,15 +4912,9 @@
               </a:rPr>
               <a:t>Third Outline Level</a:t>
             </a:r>
-            <a:endParaRPr b="0" lang="en-US" sz="1400" spc="-1" strike="noStrike">
-              <a:solidFill>
-                <a:srgbClr val="000000"/>
-              </a:solidFill>
-              <a:latin typeface="Arial"/>
-            </a:endParaRPr>
-          </a:p>
-          <a:p>
-            <a:pPr lvl="3" marL="1728000" indent="-216000">
+          </a:p>
+          <a:p>
+            <a:pPr marL="1728000" lvl="3" indent="-216000">
               <a:spcBef>
                 <a:spcPts val="567"/>
               </a:spcBef>
@@ -4621,7 +4926,7 @@
               <a:buChar char=""/>
             </a:pPr>
             <a:r>
-              <a:rPr b="0" lang="en-US" sz="1400" spc="-1" strike="noStrike">
+              <a:rPr lang="en-US" sz="1400" b="0" strike="noStrike" spc="-1">
                 <a:solidFill>
                   <a:srgbClr val="000000"/>
                 </a:solidFill>
@@ -4629,15 +4934,9 @@
               </a:rPr>
               <a:t>Fourth Outline Level</a:t>
             </a:r>
-            <a:endParaRPr b="0" lang="en-US" sz="1400" spc="-1" strike="noStrike">
-              <a:solidFill>
-                <a:srgbClr val="000000"/>
-              </a:solidFill>
-              <a:latin typeface="Arial"/>
-            </a:endParaRPr>
-          </a:p>
-          <a:p>
-            <a:pPr lvl="4" marL="2160000" indent="-216000">
+          </a:p>
+          <a:p>
+            <a:pPr marL="2160000" lvl="4" indent="-216000">
               <a:spcBef>
                 <a:spcPts val="283"/>
               </a:spcBef>
@@ -4649,7 +4948,7 @@
               <a:buChar char=""/>
             </a:pPr>
             <a:r>
-              <a:rPr b="0" lang="en-US" sz="2000" spc="-1" strike="noStrike">
+              <a:rPr lang="en-US" sz="2000" b="0" strike="noStrike" spc="-1">
                 <a:solidFill>
                   <a:srgbClr val="000000"/>
                 </a:solidFill>
@@ -4657,15 +4956,9 @@
               </a:rPr>
               <a:t>Fifth Outline Level</a:t>
             </a:r>
-            <a:endParaRPr b="0" lang="en-US" sz="2000" spc="-1" strike="noStrike">
-              <a:solidFill>
-                <a:srgbClr val="000000"/>
-              </a:solidFill>
-              <a:latin typeface="Arial"/>
-            </a:endParaRPr>
-          </a:p>
-          <a:p>
-            <a:pPr lvl="5" marL="2592000" indent="-216000">
+          </a:p>
+          <a:p>
+            <a:pPr marL="2592000" lvl="5" indent="-216000">
               <a:spcBef>
                 <a:spcPts val="283"/>
               </a:spcBef>
@@ -4677,7 +4970,7 @@
               <a:buChar char=""/>
             </a:pPr>
             <a:r>
-              <a:rPr b="0" lang="en-US" sz="2000" spc="-1" strike="noStrike">
+              <a:rPr lang="en-US" sz="2000" b="0" strike="noStrike" spc="-1">
                 <a:solidFill>
                   <a:srgbClr val="000000"/>
                 </a:solidFill>
@@ -4685,15 +4978,9 @@
               </a:rPr>
               <a:t>Sixth Outline Level</a:t>
             </a:r>
-            <a:endParaRPr b="0" lang="en-US" sz="2000" spc="-1" strike="noStrike">
-              <a:solidFill>
-                <a:srgbClr val="000000"/>
-              </a:solidFill>
-              <a:latin typeface="Arial"/>
-            </a:endParaRPr>
-          </a:p>
-          <a:p>
-            <a:pPr lvl="6" marL="3024000" indent="-216000">
+          </a:p>
+          <a:p>
+            <a:pPr marL="3024000" lvl="6" indent="-216000">
               <a:spcBef>
                 <a:spcPts val="283"/>
               </a:spcBef>
@@ -4705,7 +4992,7 @@
               <a:buChar char=""/>
             </a:pPr>
             <a:r>
-              <a:rPr b="0" lang="en-US" sz="2000" spc="-1" strike="noStrike">
+              <a:rPr lang="en-US" sz="2000" b="0" strike="noStrike" spc="-1">
                 <a:solidFill>
                   <a:srgbClr val="000000"/>
                 </a:solidFill>
@@ -4713,43 +5000,43 @@
               </a:rPr>
               <a:t>Seventh Outline Level</a:t>
             </a:r>
-            <a:endParaRPr b="0" lang="en-US" sz="2000" spc="-1" strike="noStrike">
-              <a:solidFill>
-                <a:srgbClr val="000000"/>
-              </a:solidFill>
-              <a:latin typeface="Arial"/>
-            </a:endParaRPr>
           </a:p>
         </p:txBody>
       </p:sp>
     </p:spTree>
   </p:cSld>
-  <p:clrMap bg1="lt1" bg2="lt2" tx1="dk1" tx2="dk2" accent1="accent1" accent2="accent2" accent3="accent3" accent4="accent4" accent5="accent5" accent6="accent6" hlink="hlink" folHlink="folHlink"/>
+  <p:clrMap bg1="lt1" tx1="dk1" bg2="lt2" tx2="dk2" accent1="accent1" accent2="accent2" accent3="accent3" accent4="accent4" accent5="accent5" accent6="accent6" hlink="hlink" folHlink="folHlink"/>
   <p:sldLayoutIdLst>
-    <p:sldLayoutId id="2147483649" r:id="rId2"/>
-    <p:sldLayoutId id="2147483650" r:id="rId3"/>
-    <p:sldLayoutId id="2147483651" r:id="rId4"/>
-    <p:sldLayoutId id="2147483652" r:id="rId5"/>
-    <p:sldLayoutId id="2147483653" r:id="rId6"/>
-    <p:sldLayoutId id="2147483654" r:id="rId7"/>
-    <p:sldLayoutId id="2147483655" r:id="rId8"/>
-    <p:sldLayoutId id="2147483656" r:id="rId9"/>
-    <p:sldLayoutId id="2147483657" r:id="rId10"/>
-    <p:sldLayoutId id="2147483658" r:id="rId11"/>
-    <p:sldLayoutId id="2147483659" r:id="rId12"/>
-    <p:sldLayoutId id="2147483660" r:id="rId13"/>
+    <p:sldLayoutId id="2147483649" r:id="rId1"/>
+    <p:sldLayoutId id="2147483650" r:id="rId2"/>
+    <p:sldLayoutId id="2147483651" r:id="rId3"/>
+    <p:sldLayoutId id="2147483652" r:id="rId4"/>
+    <p:sldLayoutId id="2147483653" r:id="rId5"/>
+    <p:sldLayoutId id="2147483654" r:id="rId6"/>
+    <p:sldLayoutId id="2147483655" r:id="rId7"/>
+    <p:sldLayoutId id="2147483656" r:id="rId8"/>
+    <p:sldLayoutId id="2147483657" r:id="rId9"/>
+    <p:sldLayoutId id="2147483658" r:id="rId10"/>
+    <p:sldLayoutId id="2147483659" r:id="rId11"/>
+    <p:sldLayoutId id="2147483660" r:id="rId12"/>
   </p:sldLayoutIdLst>
+  <p:txStyles>
+    <p:titleStyle/>
+    <p:bodyStyle/>
+    <p:otherStyle/>
+  </p:txStyles>
 </p:sldMaster>
 </file>
 
 <file path=ppt/slideMasters/slideMaster2.xml><?xml version="1.0" encoding="utf-8"?>
-<p:sldMaster xmlns:a="http://schemas.openxmlformats.org/drawingml/2006/main" xmlns:p="http://schemas.openxmlformats.org/presentationml/2006/main" xmlns:r="http://schemas.openxmlformats.org/officeDocument/2006/relationships" xmlns:p14="http://schemas.microsoft.com/office/powerpoint/2010/main" xmlns:p15="http://schemas.microsoft.com/office/powerpoint/2012/main" xmlns:mc="http://schemas.openxmlformats.org/markup-compatibility/2006">
+<p:sldMaster xmlns:a="http://schemas.openxmlformats.org/drawingml/2006/main" xmlns:r="http://schemas.openxmlformats.org/officeDocument/2006/relationships" xmlns:p="http://schemas.openxmlformats.org/presentationml/2006/main">
   <p:cSld>
     <p:bg>
       <p:bgPr>
         <a:solidFill>
-          <a:srgbClr val="ffffff"/>
+          <a:srgbClr val="FFFFFF"/>
         </a:solidFill>
+        <a:effectLst/>
       </p:bgPr>
     </p:bg>
     <p:spTree>
@@ -4788,9 +5075,15 @@
           </a:ln>
         </p:spPr>
         <p:style>
-          <a:lnRef idx="0"/>
-          <a:fillRef idx="0"/>
-          <a:effectRef idx="0"/>
+          <a:lnRef idx="0">
+            <a:scrgbClr r="0" g="0" b="0"/>
+          </a:lnRef>
+          <a:fillRef idx="0">
+            <a:scrgbClr r="0" g="0" b="0"/>
+          </a:fillRef>
+          <a:effectRef idx="0">
+            <a:scrgbClr r="0" g="0" b="0"/>
+          </a:effectRef>
           <a:fontRef idx="minor"/>
         </p:style>
       </p:sp>
@@ -4815,9 +5108,10 @@
         </p:spPr>
         <p:txBody>
           <a:bodyPr tIns="91440" bIns="91440" anchor="b"/>
-          <a:p>
-            <a:r>
-              <a:rPr b="0" lang="en-US" sz="4200" spc="-1" strike="noStrike">
+          <a:lstStyle/>
+          <a:p>
+            <a:r>
+              <a:rPr lang="en-US" sz="4200" b="0" strike="noStrike" spc="-1">
                 <a:solidFill>
                   <a:srgbClr val="000000"/>
                 </a:solidFill>
@@ -4825,12 +5119,6 @@
               </a:rPr>
               <a:t>Click to edit the title text format</a:t>
             </a:r>
-            <a:endParaRPr b="0" lang="en-US" sz="4200" spc="-1" strike="noStrike">
-              <a:solidFill>
-                <a:srgbClr val="000000"/>
-              </a:solidFill>
-              <a:latin typeface="Arial"/>
-            </a:endParaRPr>
           </a:p>
         </p:txBody>
       </p:sp>
@@ -4855,6 +5143,7 @@
         </p:spPr>
         <p:txBody>
           <a:bodyPr tIns="91440" bIns="91440"/>
+          <a:lstStyle/>
           <a:p>
             <a:pPr marL="432000" indent="-324000">
               <a:spcBef>
@@ -4868,7 +5157,7 @@
               <a:buChar char=""/>
             </a:pPr>
             <a:r>
-              <a:rPr b="0" lang="en-US" sz="1800" spc="-1" strike="noStrike">
+              <a:rPr lang="en-US" sz="1800" b="0" strike="noStrike" spc="-1">
                 <a:solidFill>
                   <a:srgbClr val="000000"/>
                 </a:solidFill>
@@ -4876,15 +5165,9 @@
               </a:rPr>
               <a:t>Click to edit the outline text format</a:t>
             </a:r>
-            <a:endParaRPr b="0" lang="en-US" sz="1800" spc="-1" strike="noStrike">
-              <a:solidFill>
-                <a:srgbClr val="000000"/>
-              </a:solidFill>
-              <a:latin typeface="Arial"/>
-            </a:endParaRPr>
-          </a:p>
-          <a:p>
-            <a:pPr lvl="1" marL="864000" indent="-324000">
+          </a:p>
+          <a:p>
+            <a:pPr marL="864000" lvl="1" indent="-324000">
               <a:spcBef>
                 <a:spcPts val="1134"/>
               </a:spcBef>
@@ -4896,7 +5179,7 @@
               <a:buChar char=""/>
             </a:pPr>
             <a:r>
-              <a:rPr b="0" lang="en-US" sz="1800" spc="-1" strike="noStrike">
+              <a:rPr lang="en-US" sz="1800" b="0" strike="noStrike" spc="-1">
                 <a:solidFill>
                   <a:srgbClr val="000000"/>
                 </a:solidFill>
@@ -4904,15 +5187,9 @@
               </a:rPr>
               <a:t>Second Outline Level</a:t>
             </a:r>
-            <a:endParaRPr b="0" lang="en-US" sz="1800" spc="-1" strike="noStrike">
-              <a:solidFill>
-                <a:srgbClr val="000000"/>
-              </a:solidFill>
-              <a:latin typeface="Arial"/>
-            </a:endParaRPr>
-          </a:p>
-          <a:p>
-            <a:pPr lvl="2" marL="1296000" indent="-288000">
+          </a:p>
+          <a:p>
+            <a:pPr marL="1296000" lvl="2" indent="-288000">
               <a:spcBef>
                 <a:spcPts val="850"/>
               </a:spcBef>
@@ -4924,7 +5201,7 @@
               <a:buChar char=""/>
             </a:pPr>
             <a:r>
-              <a:rPr b="0" lang="en-US" sz="1800" spc="-1" strike="noStrike">
+              <a:rPr lang="en-US" sz="1800" b="0" strike="noStrike" spc="-1">
                 <a:solidFill>
                   <a:srgbClr val="000000"/>
                 </a:solidFill>
@@ -4932,15 +5209,9 @@
               </a:rPr>
               <a:t>Third Outline Level</a:t>
             </a:r>
-            <a:endParaRPr b="0" lang="en-US" sz="1800" spc="-1" strike="noStrike">
-              <a:solidFill>
-                <a:srgbClr val="000000"/>
-              </a:solidFill>
-              <a:latin typeface="Arial"/>
-            </a:endParaRPr>
-          </a:p>
-          <a:p>
-            <a:pPr lvl="3" marL="1728000" indent="-216000">
+          </a:p>
+          <a:p>
+            <a:pPr marL="1728000" lvl="3" indent="-216000">
               <a:spcBef>
                 <a:spcPts val="567"/>
               </a:spcBef>
@@ -4952,7 +5223,7 @@
               <a:buChar char=""/>
             </a:pPr>
             <a:r>
-              <a:rPr b="0" lang="en-US" sz="1800" spc="-1" strike="noStrike">
+              <a:rPr lang="en-US" sz="1800" b="0" strike="noStrike" spc="-1">
                 <a:solidFill>
                   <a:srgbClr val="000000"/>
                 </a:solidFill>
@@ -4960,15 +5231,9 @@
               </a:rPr>
               <a:t>Fourth Outline Level</a:t>
             </a:r>
-            <a:endParaRPr b="0" lang="en-US" sz="1800" spc="-1" strike="noStrike">
-              <a:solidFill>
-                <a:srgbClr val="000000"/>
-              </a:solidFill>
-              <a:latin typeface="Arial"/>
-            </a:endParaRPr>
-          </a:p>
-          <a:p>
-            <a:pPr lvl="4" marL="2160000" indent="-216000">
+          </a:p>
+          <a:p>
+            <a:pPr marL="2160000" lvl="4" indent="-216000">
               <a:spcBef>
                 <a:spcPts val="283"/>
               </a:spcBef>
@@ -4980,7 +5245,7 @@
               <a:buChar char=""/>
             </a:pPr>
             <a:r>
-              <a:rPr b="0" lang="en-US" sz="1800" spc="-1" strike="noStrike">
+              <a:rPr lang="en-US" sz="1800" b="0" strike="noStrike" spc="-1">
                 <a:solidFill>
                   <a:srgbClr val="000000"/>
                 </a:solidFill>
@@ -4988,15 +5253,9 @@
               </a:rPr>
               <a:t>Fifth Outline Level</a:t>
             </a:r>
-            <a:endParaRPr b="0" lang="en-US" sz="1800" spc="-1" strike="noStrike">
-              <a:solidFill>
-                <a:srgbClr val="000000"/>
-              </a:solidFill>
-              <a:latin typeface="Arial"/>
-            </a:endParaRPr>
-          </a:p>
-          <a:p>
-            <a:pPr lvl="5" marL="2592000" indent="-216000">
+          </a:p>
+          <a:p>
+            <a:pPr marL="2592000" lvl="5" indent="-216000">
               <a:spcBef>
                 <a:spcPts val="283"/>
               </a:spcBef>
@@ -5008,7 +5267,7 @@
               <a:buChar char=""/>
             </a:pPr>
             <a:r>
-              <a:rPr b="0" lang="en-US" sz="1800" spc="-1" strike="noStrike">
+              <a:rPr lang="en-US" sz="1800" b="0" strike="noStrike" spc="-1">
                 <a:solidFill>
                   <a:srgbClr val="000000"/>
                 </a:solidFill>
@@ -5016,15 +5275,9 @@
               </a:rPr>
               <a:t>Sixth Outline Level</a:t>
             </a:r>
-            <a:endParaRPr b="0" lang="en-US" sz="1800" spc="-1" strike="noStrike">
-              <a:solidFill>
-                <a:srgbClr val="000000"/>
-              </a:solidFill>
-              <a:latin typeface="Arial"/>
-            </a:endParaRPr>
-          </a:p>
-          <a:p>
-            <a:pPr lvl="6" marL="3024000" indent="-216000">
+          </a:p>
+          <a:p>
+            <a:pPr marL="3024000" lvl="6" indent="-216000">
               <a:spcBef>
                 <a:spcPts val="283"/>
               </a:spcBef>
@@ -5036,7 +5289,7 @@
               <a:buChar char=""/>
             </a:pPr>
             <a:r>
-              <a:rPr b="0" lang="en-US" sz="1800" spc="-1" strike="noStrike">
+              <a:rPr lang="en-US" sz="1800" b="0" strike="noStrike" spc="-1">
                 <a:solidFill>
                   <a:srgbClr val="000000"/>
                 </a:solidFill>
@@ -5044,12 +5297,6 @@
               </a:rPr>
               <a:t>Seventh Outline Level</a:t>
             </a:r>
-            <a:endParaRPr b="0" lang="en-US" sz="1800" spc="-1" strike="noStrike">
-              <a:solidFill>
-                <a:srgbClr val="000000"/>
-              </a:solidFill>
-              <a:latin typeface="Arial"/>
-            </a:endParaRPr>
           </a:p>
         </p:txBody>
       </p:sp>
@@ -5074,6 +5321,7 @@
         </p:spPr>
         <p:txBody>
           <a:bodyPr tIns="91440" bIns="91440" anchor="ctr"/>
+          <a:lstStyle/>
           <a:p>
             <a:pPr algn="r">
               <a:lnSpc>
@@ -5081,16 +5329,16 @@
               </a:lnSpc>
             </a:pPr>
             <a:fld id="{84034C33-185D-4BA9-B8F3-267874F94291}" type="slidenum">
-              <a:rPr b="0" lang="en-US" sz="1000" spc="-1" strike="noStrike">
+              <a:rPr lang="en-US" sz="1000" b="0" strike="noStrike" spc="-1">
                 <a:solidFill>
                   <a:srgbClr val="000000"/>
                 </a:solidFill>
                 <a:latin typeface="Economica"/>
                 <a:ea typeface="Economica"/>
               </a:rPr>
-              <a:t>1</a:t>
+              <a:t>‹#›</a:t>
             </a:fld>
-            <a:endParaRPr b="0" lang="en-US" sz="1000" spc="-1" strike="noStrike">
+            <a:endParaRPr lang="en-US" sz="1000" b="0" strike="noStrike" spc="-1">
               <a:latin typeface="Times New Roman"/>
             </a:endParaRPr>
           </a:p>
@@ -5098,32 +5346,38 @@
       </p:sp>
     </p:spTree>
   </p:cSld>
-  <p:clrMap bg1="lt1" bg2="lt2" tx1="dk1" tx2="dk2" accent1="accent1" accent2="accent2" accent3="accent3" accent4="accent4" accent5="accent5" accent6="accent6" hlink="hlink" folHlink="folHlink"/>
+  <p:clrMap bg1="lt1" tx1="dk1" bg2="lt2" tx2="dk2" accent1="accent1" accent2="accent2" accent3="accent3" accent4="accent4" accent5="accent5" accent6="accent6" hlink="hlink" folHlink="folHlink"/>
   <p:sldLayoutIdLst>
-    <p:sldLayoutId id="2147483662" r:id="rId2"/>
-    <p:sldLayoutId id="2147483663" r:id="rId3"/>
-    <p:sldLayoutId id="2147483664" r:id="rId4"/>
-    <p:sldLayoutId id="2147483665" r:id="rId5"/>
-    <p:sldLayoutId id="2147483666" r:id="rId6"/>
-    <p:sldLayoutId id="2147483667" r:id="rId7"/>
-    <p:sldLayoutId id="2147483668" r:id="rId8"/>
-    <p:sldLayoutId id="2147483669" r:id="rId9"/>
-    <p:sldLayoutId id="2147483670" r:id="rId10"/>
-    <p:sldLayoutId id="2147483671" r:id="rId11"/>
-    <p:sldLayoutId id="2147483672" r:id="rId12"/>
-    <p:sldLayoutId id="2147483673" r:id="rId13"/>
+    <p:sldLayoutId id="2147483662" r:id="rId1"/>
+    <p:sldLayoutId id="2147483663" r:id="rId2"/>
+    <p:sldLayoutId id="2147483664" r:id="rId3"/>
+    <p:sldLayoutId id="2147483665" r:id="rId4"/>
+    <p:sldLayoutId id="2147483666" r:id="rId5"/>
+    <p:sldLayoutId id="2147483667" r:id="rId6"/>
+    <p:sldLayoutId id="2147483668" r:id="rId7"/>
+    <p:sldLayoutId id="2147483669" r:id="rId8"/>
+    <p:sldLayoutId id="2147483670" r:id="rId9"/>
+    <p:sldLayoutId id="2147483671" r:id="rId10"/>
+    <p:sldLayoutId id="2147483672" r:id="rId11"/>
+    <p:sldLayoutId id="2147483673" r:id="rId12"/>
   </p:sldLayoutIdLst>
+  <p:txStyles>
+    <p:titleStyle/>
+    <p:bodyStyle/>
+    <p:otherStyle/>
+  </p:txStyles>
 </p:sldMaster>
 </file>
 
 <file path=ppt/slideMasters/slideMaster3.xml><?xml version="1.0" encoding="utf-8"?>
-<p:sldMaster xmlns:a="http://schemas.openxmlformats.org/drawingml/2006/main" xmlns:p="http://schemas.openxmlformats.org/presentationml/2006/main" xmlns:r="http://schemas.openxmlformats.org/officeDocument/2006/relationships" xmlns:p14="http://schemas.microsoft.com/office/powerpoint/2010/main" xmlns:p15="http://schemas.microsoft.com/office/powerpoint/2012/main" xmlns:mc="http://schemas.openxmlformats.org/markup-compatibility/2006">
+<p:sldMaster xmlns:a="http://schemas.openxmlformats.org/drawingml/2006/main" xmlns:r="http://schemas.openxmlformats.org/officeDocument/2006/relationships" xmlns:p="http://schemas.openxmlformats.org/presentationml/2006/main">
   <p:cSld>
     <p:bg>
       <p:bgPr>
         <a:solidFill>
-          <a:srgbClr val="ffffff"/>
+          <a:srgbClr val="FFFFFF"/>
         </a:solidFill>
+        <a:effectLst/>
       </p:bgPr>
     </p:bg>
     <p:spTree>
@@ -5161,9 +5415,10 @@
         </p:spPr>
         <p:txBody>
           <a:bodyPr tIns="91440" bIns="91440" anchor="b"/>
-          <a:p>
-            <a:r>
-              <a:rPr b="0" lang="en-US" sz="4200" spc="-1" strike="noStrike">
+          <a:lstStyle/>
+          <a:p>
+            <a:r>
+              <a:rPr lang="en-US" sz="4200" b="0" strike="noStrike" spc="-1">
                 <a:solidFill>
                   <a:srgbClr val="000000"/>
                 </a:solidFill>
@@ -5171,12 +5426,6 @@
               </a:rPr>
               <a:t>Click to edit the title text format</a:t>
             </a:r>
-            <a:endParaRPr b="0" lang="en-US" sz="4200" spc="-1" strike="noStrike">
-              <a:solidFill>
-                <a:srgbClr val="000000"/>
-              </a:solidFill>
-              <a:latin typeface="Arial"/>
-            </a:endParaRPr>
           </a:p>
         </p:txBody>
       </p:sp>
@@ -5201,6 +5450,7 @@
         </p:spPr>
         <p:txBody>
           <a:bodyPr tIns="91440" bIns="91440"/>
+          <a:lstStyle/>
           <a:p>
             <a:pPr marL="432000" indent="-324000">
               <a:spcBef>
@@ -5214,7 +5464,7 @@
               <a:buChar char=""/>
             </a:pPr>
             <a:r>
-              <a:rPr b="0" lang="en-US" sz="1400" spc="-1" strike="noStrike">
+              <a:rPr lang="en-US" sz="1400" b="0" strike="noStrike" spc="-1">
                 <a:solidFill>
                   <a:srgbClr val="000000"/>
                 </a:solidFill>
@@ -5222,15 +5472,9 @@
               </a:rPr>
               <a:t>Click to edit the outline text format</a:t>
             </a:r>
-            <a:endParaRPr b="0" lang="en-US" sz="1400" spc="-1" strike="noStrike">
-              <a:solidFill>
-                <a:srgbClr val="000000"/>
-              </a:solidFill>
-              <a:latin typeface="Arial"/>
-            </a:endParaRPr>
-          </a:p>
-          <a:p>
-            <a:pPr lvl="1" marL="864000" indent="-324000">
+          </a:p>
+          <a:p>
+            <a:pPr marL="864000" lvl="1" indent="-324000">
               <a:spcBef>
                 <a:spcPts val="1134"/>
               </a:spcBef>
@@ -5242,7 +5486,7 @@
               <a:buChar char=""/>
             </a:pPr>
             <a:r>
-              <a:rPr b="0" lang="en-US" sz="1400" spc="-1" strike="noStrike">
+              <a:rPr lang="en-US" sz="1400" b="0" strike="noStrike" spc="-1">
                 <a:solidFill>
                   <a:srgbClr val="000000"/>
                 </a:solidFill>
@@ -5250,15 +5494,9 @@
               </a:rPr>
               <a:t>Second Outline Level</a:t>
             </a:r>
-            <a:endParaRPr b="0" lang="en-US" sz="1400" spc="-1" strike="noStrike">
-              <a:solidFill>
-                <a:srgbClr val="000000"/>
-              </a:solidFill>
-              <a:latin typeface="Arial"/>
-            </a:endParaRPr>
-          </a:p>
-          <a:p>
-            <a:pPr lvl="2" marL="1296000" indent="-288000">
+          </a:p>
+          <a:p>
+            <a:pPr marL="1296000" lvl="2" indent="-288000">
               <a:spcBef>
                 <a:spcPts val="850"/>
               </a:spcBef>
@@ -5270,7 +5508,7 @@
               <a:buChar char=""/>
             </a:pPr>
             <a:r>
-              <a:rPr b="0" lang="en-US" sz="1400" spc="-1" strike="noStrike">
+              <a:rPr lang="en-US" sz="1400" b="0" strike="noStrike" spc="-1">
                 <a:solidFill>
                   <a:srgbClr val="000000"/>
                 </a:solidFill>
@@ -5278,15 +5516,9 @@
               </a:rPr>
               <a:t>Third Outline Level</a:t>
             </a:r>
-            <a:endParaRPr b="0" lang="en-US" sz="1400" spc="-1" strike="noStrike">
-              <a:solidFill>
-                <a:srgbClr val="000000"/>
-              </a:solidFill>
-              <a:latin typeface="Arial"/>
-            </a:endParaRPr>
-          </a:p>
-          <a:p>
-            <a:pPr lvl="3" marL="1728000" indent="-216000">
+          </a:p>
+          <a:p>
+            <a:pPr marL="1728000" lvl="3" indent="-216000">
               <a:spcBef>
                 <a:spcPts val="567"/>
               </a:spcBef>
@@ -5298,7 +5530,7 @@
               <a:buChar char=""/>
             </a:pPr>
             <a:r>
-              <a:rPr b="0" lang="en-US" sz="1400" spc="-1" strike="noStrike">
+              <a:rPr lang="en-US" sz="1400" b="0" strike="noStrike" spc="-1">
                 <a:solidFill>
                   <a:srgbClr val="000000"/>
                 </a:solidFill>
@@ -5306,15 +5538,9 @@
               </a:rPr>
               <a:t>Fourth Outline Level</a:t>
             </a:r>
-            <a:endParaRPr b="0" lang="en-US" sz="1400" spc="-1" strike="noStrike">
-              <a:solidFill>
-                <a:srgbClr val="000000"/>
-              </a:solidFill>
-              <a:latin typeface="Arial"/>
-            </a:endParaRPr>
-          </a:p>
-          <a:p>
-            <a:pPr lvl="4" marL="2160000" indent="-216000">
+          </a:p>
+          <a:p>
+            <a:pPr marL="2160000" lvl="4" indent="-216000">
               <a:spcBef>
                 <a:spcPts val="283"/>
               </a:spcBef>
@@ -5326,7 +5552,7 @@
               <a:buChar char=""/>
             </a:pPr>
             <a:r>
-              <a:rPr b="0" lang="en-US" sz="1400" spc="-1" strike="noStrike">
+              <a:rPr lang="en-US" sz="1400" b="0" strike="noStrike" spc="-1">
                 <a:solidFill>
                   <a:srgbClr val="000000"/>
                 </a:solidFill>
@@ -5334,15 +5560,9 @@
               </a:rPr>
               <a:t>Fifth Outline Level</a:t>
             </a:r>
-            <a:endParaRPr b="0" lang="en-US" sz="1400" spc="-1" strike="noStrike">
-              <a:solidFill>
-                <a:srgbClr val="000000"/>
-              </a:solidFill>
-              <a:latin typeface="Arial"/>
-            </a:endParaRPr>
-          </a:p>
-          <a:p>
-            <a:pPr lvl="5" marL="2592000" indent="-216000">
+          </a:p>
+          <a:p>
+            <a:pPr marL="2592000" lvl="5" indent="-216000">
               <a:spcBef>
                 <a:spcPts val="283"/>
               </a:spcBef>
@@ -5354,7 +5574,7 @@
               <a:buChar char=""/>
             </a:pPr>
             <a:r>
-              <a:rPr b="0" lang="en-US" sz="1400" spc="-1" strike="noStrike">
+              <a:rPr lang="en-US" sz="1400" b="0" strike="noStrike" spc="-1">
                 <a:solidFill>
                   <a:srgbClr val="000000"/>
                 </a:solidFill>
@@ -5362,15 +5582,9 @@
               </a:rPr>
               <a:t>Sixth Outline Level</a:t>
             </a:r>
-            <a:endParaRPr b="0" lang="en-US" sz="1400" spc="-1" strike="noStrike">
-              <a:solidFill>
-                <a:srgbClr val="000000"/>
-              </a:solidFill>
-              <a:latin typeface="Arial"/>
-            </a:endParaRPr>
-          </a:p>
-          <a:p>
-            <a:pPr lvl="6" marL="3024000" indent="-216000">
+          </a:p>
+          <a:p>
+            <a:pPr marL="3024000" lvl="6" indent="-216000">
               <a:spcBef>
                 <a:spcPts val="283"/>
               </a:spcBef>
@@ -5382,7 +5596,7 @@
               <a:buChar char=""/>
             </a:pPr>
             <a:r>
-              <a:rPr b="0" lang="en-US" sz="1400" spc="-1" strike="noStrike">
+              <a:rPr lang="en-US" sz="1400" b="0" strike="noStrike" spc="-1">
                 <a:solidFill>
                   <a:srgbClr val="000000"/>
                 </a:solidFill>
@@ -5390,12 +5604,6 @@
               </a:rPr>
               <a:t>Seventh Outline Level</a:t>
             </a:r>
-            <a:endParaRPr b="0" lang="en-US" sz="1400" spc="-1" strike="noStrike">
-              <a:solidFill>
-                <a:srgbClr val="000000"/>
-              </a:solidFill>
-              <a:latin typeface="Arial"/>
-            </a:endParaRPr>
           </a:p>
         </p:txBody>
       </p:sp>
@@ -5420,6 +5628,7 @@
         </p:spPr>
         <p:txBody>
           <a:bodyPr tIns="91440" bIns="91440"/>
+          <a:lstStyle/>
           <a:p>
             <a:pPr marL="432000" indent="-324000">
               <a:spcBef>
@@ -5433,7 +5642,7 @@
               <a:buChar char=""/>
             </a:pPr>
             <a:r>
-              <a:rPr b="0" lang="en-US" sz="1400" spc="-1" strike="noStrike">
+              <a:rPr lang="en-US" sz="1400" b="0" strike="noStrike" spc="-1">
                 <a:solidFill>
                   <a:srgbClr val="000000"/>
                 </a:solidFill>
@@ -5441,15 +5650,9 @@
               </a:rPr>
               <a:t>Click to edit the outline text format</a:t>
             </a:r>
-            <a:endParaRPr b="0" lang="en-US" sz="1400" spc="-1" strike="noStrike">
-              <a:solidFill>
-                <a:srgbClr val="000000"/>
-              </a:solidFill>
-              <a:latin typeface="Arial"/>
-            </a:endParaRPr>
-          </a:p>
-          <a:p>
-            <a:pPr lvl="1" marL="864000" indent="-324000">
+          </a:p>
+          <a:p>
+            <a:pPr marL="864000" lvl="1" indent="-324000">
               <a:spcBef>
                 <a:spcPts val="1134"/>
               </a:spcBef>
@@ -5461,7 +5664,7 @@
               <a:buChar char=""/>
             </a:pPr>
             <a:r>
-              <a:rPr b="0" lang="en-US" sz="1400" spc="-1" strike="noStrike">
+              <a:rPr lang="en-US" sz="1400" b="0" strike="noStrike" spc="-1">
                 <a:solidFill>
                   <a:srgbClr val="000000"/>
                 </a:solidFill>
@@ -5469,15 +5672,9 @@
               </a:rPr>
               <a:t>Second Outline Level</a:t>
             </a:r>
-            <a:endParaRPr b="0" lang="en-US" sz="1400" spc="-1" strike="noStrike">
-              <a:solidFill>
-                <a:srgbClr val="000000"/>
-              </a:solidFill>
-              <a:latin typeface="Arial"/>
-            </a:endParaRPr>
-          </a:p>
-          <a:p>
-            <a:pPr lvl="2" marL="1296000" indent="-288000">
+          </a:p>
+          <a:p>
+            <a:pPr marL="1296000" lvl="2" indent="-288000">
               <a:spcBef>
                 <a:spcPts val="850"/>
               </a:spcBef>
@@ -5489,7 +5686,7 @@
               <a:buChar char=""/>
             </a:pPr>
             <a:r>
-              <a:rPr b="0" lang="en-US" sz="1400" spc="-1" strike="noStrike">
+              <a:rPr lang="en-US" sz="1400" b="0" strike="noStrike" spc="-1">
                 <a:solidFill>
                   <a:srgbClr val="000000"/>
                 </a:solidFill>
@@ -5497,15 +5694,9 @@
               </a:rPr>
               <a:t>Third Outline Level</a:t>
             </a:r>
-            <a:endParaRPr b="0" lang="en-US" sz="1400" spc="-1" strike="noStrike">
-              <a:solidFill>
-                <a:srgbClr val="000000"/>
-              </a:solidFill>
-              <a:latin typeface="Arial"/>
-            </a:endParaRPr>
-          </a:p>
-          <a:p>
-            <a:pPr lvl="3" marL="1728000" indent="-216000">
+          </a:p>
+          <a:p>
+            <a:pPr marL="1728000" lvl="3" indent="-216000">
               <a:spcBef>
                 <a:spcPts val="567"/>
               </a:spcBef>
@@ -5517,7 +5708,7 @@
               <a:buChar char=""/>
             </a:pPr>
             <a:r>
-              <a:rPr b="0" lang="en-US" sz="1400" spc="-1" strike="noStrike">
+              <a:rPr lang="en-US" sz="1400" b="0" strike="noStrike" spc="-1">
                 <a:solidFill>
                   <a:srgbClr val="000000"/>
                 </a:solidFill>
@@ -5525,15 +5716,9 @@
               </a:rPr>
               <a:t>Fourth Outline Level</a:t>
             </a:r>
-            <a:endParaRPr b="0" lang="en-US" sz="1400" spc="-1" strike="noStrike">
-              <a:solidFill>
-                <a:srgbClr val="000000"/>
-              </a:solidFill>
-              <a:latin typeface="Arial"/>
-            </a:endParaRPr>
-          </a:p>
-          <a:p>
-            <a:pPr lvl="4" marL="2160000" indent="-216000">
+          </a:p>
+          <a:p>
+            <a:pPr marL="2160000" lvl="4" indent="-216000">
               <a:spcBef>
                 <a:spcPts val="283"/>
               </a:spcBef>
@@ -5545,7 +5730,7 @@
               <a:buChar char=""/>
             </a:pPr>
             <a:r>
-              <a:rPr b="0" lang="en-US" sz="1400" spc="-1" strike="noStrike">
+              <a:rPr lang="en-US" sz="1400" b="0" strike="noStrike" spc="-1">
                 <a:solidFill>
                   <a:srgbClr val="000000"/>
                 </a:solidFill>
@@ -5553,15 +5738,9 @@
               </a:rPr>
               <a:t>Fifth Outline Level</a:t>
             </a:r>
-            <a:endParaRPr b="0" lang="en-US" sz="1400" spc="-1" strike="noStrike">
-              <a:solidFill>
-                <a:srgbClr val="000000"/>
-              </a:solidFill>
-              <a:latin typeface="Arial"/>
-            </a:endParaRPr>
-          </a:p>
-          <a:p>
-            <a:pPr lvl="5" marL="2592000" indent="-216000">
+          </a:p>
+          <a:p>
+            <a:pPr marL="2592000" lvl="5" indent="-216000">
               <a:spcBef>
                 <a:spcPts val="283"/>
               </a:spcBef>
@@ -5573,7 +5752,7 @@
               <a:buChar char=""/>
             </a:pPr>
             <a:r>
-              <a:rPr b="0" lang="en-US" sz="1400" spc="-1" strike="noStrike">
+              <a:rPr lang="en-US" sz="1400" b="0" strike="noStrike" spc="-1">
                 <a:solidFill>
                   <a:srgbClr val="000000"/>
                 </a:solidFill>
@@ -5581,15 +5760,9 @@
               </a:rPr>
               <a:t>Sixth Outline Level</a:t>
             </a:r>
-            <a:endParaRPr b="0" lang="en-US" sz="1400" spc="-1" strike="noStrike">
-              <a:solidFill>
-                <a:srgbClr val="000000"/>
-              </a:solidFill>
-              <a:latin typeface="Arial"/>
-            </a:endParaRPr>
-          </a:p>
-          <a:p>
-            <a:pPr lvl="6" marL="3024000" indent="-216000">
+          </a:p>
+          <a:p>
+            <a:pPr marL="3024000" lvl="6" indent="-216000">
               <a:spcBef>
                 <a:spcPts val="283"/>
               </a:spcBef>
@@ -5601,7 +5774,7 @@
               <a:buChar char=""/>
             </a:pPr>
             <a:r>
-              <a:rPr b="0" lang="en-US" sz="1400" spc="-1" strike="noStrike">
+              <a:rPr lang="en-US" sz="1400" b="0" strike="noStrike" spc="-1">
                 <a:solidFill>
                   <a:srgbClr val="000000"/>
                 </a:solidFill>
@@ -5609,12 +5782,6 @@
               </a:rPr>
               <a:t>Seventh Outline Level</a:t>
             </a:r>
-            <a:endParaRPr b="0" lang="en-US" sz="1400" spc="-1" strike="noStrike">
-              <a:solidFill>
-                <a:srgbClr val="000000"/>
-              </a:solidFill>
-              <a:latin typeface="Arial"/>
-            </a:endParaRPr>
           </a:p>
         </p:txBody>
       </p:sp>
@@ -5639,6 +5806,7 @@
         </p:spPr>
         <p:txBody>
           <a:bodyPr tIns="91440" bIns="91440" anchor="ctr"/>
+          <a:lstStyle/>
           <a:p>
             <a:pPr algn="r">
               <a:lnSpc>
@@ -5646,16 +5814,16 @@
               </a:lnSpc>
             </a:pPr>
             <a:fld id="{89F8AF1F-1FF2-4381-A7DE-7BAED4558E45}" type="slidenum">
-              <a:rPr b="0" lang="en-US" sz="1000" spc="-1" strike="noStrike">
+              <a:rPr lang="en-US" sz="1000" b="0" strike="noStrike" spc="-1">
                 <a:solidFill>
                   <a:srgbClr val="000000"/>
                 </a:solidFill>
                 <a:latin typeface="Economica"/>
                 <a:ea typeface="Economica"/>
               </a:rPr>
-              <a:t>1</a:t>
+              <a:t>‹#›</a:t>
             </a:fld>
-            <a:endParaRPr b="0" lang="en-US" sz="1000" spc="-1" strike="noStrike">
+            <a:endParaRPr lang="en-US" sz="1000" b="0" strike="noStrike" spc="-1">
               <a:latin typeface="Times New Roman"/>
             </a:endParaRPr>
           </a:p>
@@ -5663,26 +5831,31 @@
       </p:sp>
     </p:spTree>
   </p:cSld>
-  <p:clrMap bg1="lt1" bg2="lt2" tx1="dk1" tx2="dk2" accent1="accent1" accent2="accent2" accent3="accent3" accent4="accent4" accent5="accent5" accent6="accent6" hlink="hlink" folHlink="folHlink"/>
+  <p:clrMap bg1="lt1" tx1="dk1" bg2="lt2" tx2="dk2" accent1="accent1" accent2="accent2" accent3="accent3" accent4="accent4" accent5="accent5" accent6="accent6" hlink="hlink" folHlink="folHlink"/>
   <p:sldLayoutIdLst>
-    <p:sldLayoutId id="2147483675" r:id="rId2"/>
-    <p:sldLayoutId id="2147483676" r:id="rId3"/>
-    <p:sldLayoutId id="2147483677" r:id="rId4"/>
-    <p:sldLayoutId id="2147483678" r:id="rId5"/>
-    <p:sldLayoutId id="2147483679" r:id="rId6"/>
-    <p:sldLayoutId id="2147483680" r:id="rId7"/>
-    <p:sldLayoutId id="2147483681" r:id="rId8"/>
-    <p:sldLayoutId id="2147483682" r:id="rId9"/>
-    <p:sldLayoutId id="2147483683" r:id="rId10"/>
-    <p:sldLayoutId id="2147483684" r:id="rId11"/>
-    <p:sldLayoutId id="2147483685" r:id="rId12"/>
-    <p:sldLayoutId id="2147483686" r:id="rId13"/>
+    <p:sldLayoutId id="2147483675" r:id="rId1"/>
+    <p:sldLayoutId id="2147483676" r:id="rId2"/>
+    <p:sldLayoutId id="2147483677" r:id="rId3"/>
+    <p:sldLayoutId id="2147483678" r:id="rId4"/>
+    <p:sldLayoutId id="2147483679" r:id="rId5"/>
+    <p:sldLayoutId id="2147483680" r:id="rId6"/>
+    <p:sldLayoutId id="2147483681" r:id="rId7"/>
+    <p:sldLayoutId id="2147483682" r:id="rId8"/>
+    <p:sldLayoutId id="2147483683" r:id="rId9"/>
+    <p:sldLayoutId id="2147483684" r:id="rId10"/>
+    <p:sldLayoutId id="2147483685" r:id="rId11"/>
+    <p:sldLayoutId id="2147483686" r:id="rId12"/>
   </p:sldLayoutIdLst>
+  <p:txStyles>
+    <p:titleStyle/>
+    <p:bodyStyle/>
+    <p:otherStyle/>
+  </p:txStyles>
 </p:sldMaster>
 </file>
 
 <file path=ppt/slides/slide1.xml><?xml version="1.0" encoding="utf-8"?>
-<p:sld xmlns:a="http://schemas.openxmlformats.org/drawingml/2006/main" xmlns:p="http://schemas.openxmlformats.org/presentationml/2006/main" xmlns:r="http://schemas.openxmlformats.org/officeDocument/2006/relationships" xmlns:p14="http://schemas.microsoft.com/office/powerpoint/2010/main" xmlns:p15="http://schemas.microsoft.com/office/powerpoint/2012/main" xmlns:mc="http://schemas.openxmlformats.org/markup-compatibility/2006">
+<p:sld xmlns:a="http://schemas.openxmlformats.org/drawingml/2006/main" xmlns:r="http://schemas.openxmlformats.org/officeDocument/2006/relationships" xmlns:p="http://schemas.openxmlformats.org/presentationml/2006/main">
   <p:cSld>
     <p:spTree>
       <p:nvGrpSpPr>
@@ -5719,6 +5892,7 @@
         </p:spPr>
         <p:txBody>
           <a:bodyPr tIns="91440" bIns="91440" anchor="ctr"/>
+          <a:lstStyle/>
           <a:p>
             <a:pPr algn="ctr">
               <a:lnSpc>
@@ -5726,7 +5900,7 @@
               </a:lnSpc>
             </a:pPr>
             <a:r>
-              <a:rPr b="0" lang="en-US" sz="4200" spc="-1" strike="noStrike">
+              <a:rPr lang="en-US" sz="4200" b="0" strike="noStrike" spc="-1">
                 <a:solidFill>
                   <a:srgbClr val="000000"/>
                 </a:solidFill>
@@ -5735,9 +5909,12 @@
               </a:rPr>
               <a:t>eXtreme Gradient Boosting</a:t>
             </a:r>
+            <a:r>
+              <a:t/>
+            </a:r>
             <a:br/>
             <a:r>
-              <a:rPr b="0" lang="en-US" sz="4200" spc="-1" strike="noStrike">
+              <a:rPr lang="en-US" sz="4200" b="0" strike="noStrike" spc="-1">
                 <a:solidFill>
                   <a:srgbClr val="000000"/>
                 </a:solidFill>
@@ -5746,7 +5923,7 @@
               </a:rPr>
               <a:t>aka. XGBoost</a:t>
             </a:r>
-            <a:endParaRPr b="0" lang="en-US" sz="4200" spc="-1" strike="noStrike">
+            <a:endParaRPr lang="en-US" sz="4200" b="0" strike="noStrike" spc="-1">
               <a:solidFill>
                 <a:srgbClr val="000000"/>
               </a:solidFill>
@@ -5776,6 +5953,7 @@
         </p:spPr>
         <p:txBody>
           <a:bodyPr tIns="91440" bIns="91440"/>
+          <a:lstStyle/>
           <a:p>
             <a:pPr>
               <a:lnSpc>
@@ -5786,7 +5964,7 @@
               </a:spcAft>
             </a:pPr>
             <a:r>
-              <a:rPr b="0" lang="en-US" sz="2400" spc="-1" strike="noStrike">
+              <a:rPr lang="en-US" sz="2400" b="0" strike="noStrike" spc="-1">
                 <a:solidFill>
                   <a:srgbClr val="000000"/>
                 </a:solidFill>
@@ -5795,7 +5973,7 @@
               </a:rPr>
               <a:t>Noah Peart &amp; Li Jiang</a:t>
             </a:r>
-            <a:endParaRPr b="0" lang="en-US" sz="2400" spc="-1" strike="noStrike">
+            <a:endParaRPr lang="en-US" sz="2400" b="0" strike="noStrike" spc="-1">
               <a:latin typeface="Arial"/>
             </a:endParaRPr>
           </a:p>
@@ -5803,22 +5981,25 @@
       </p:sp>
     </p:spTree>
   </p:cSld>
+  <p:clrMapOvr>
+    <a:masterClrMapping/>
+  </p:clrMapOvr>
   <p:timing>
     <p:tnLst>
       <p:par>
-        <p:cTn id="1" dur="indefinite" restart="never" nodeType="tmRoot">
+        <p:cTn xmlns:p14="http://schemas.microsoft.com/office/powerpoint/2010/main" id="1" dur="indefinite" restart="never" nodeType="tmRoot">
           <p:childTnLst>
             <p:seq>
               <p:cTn id="2" dur="indefinite" nodeType="mainSeq"/>
               <p:prevCondLst>
-                <p:cond delay="0" evt="onPrev">
+                <p:cond evt="onPrev" delay="0">
                   <p:tgtEl>
                     <p:sldTgt/>
                   </p:tgtEl>
                 </p:cond>
               </p:prevCondLst>
               <p:nextCondLst>
-                <p:cond delay="0" evt="onNext">
+                <p:cond evt="onNext" delay="0">
                   <p:tgtEl>
                     <p:sldTgt/>
                   </p:tgtEl>
@@ -5834,7 +6015,7 @@
 </file>
 
 <file path=ppt/slides/slide10.xml><?xml version="1.0" encoding="utf-8"?>
-<p:sld xmlns:a="http://schemas.openxmlformats.org/drawingml/2006/main" xmlns:p="http://schemas.openxmlformats.org/presentationml/2006/main" xmlns:r="http://schemas.openxmlformats.org/officeDocument/2006/relationships" xmlns:p14="http://schemas.microsoft.com/office/powerpoint/2010/main" xmlns:p15="http://schemas.microsoft.com/office/powerpoint/2012/main" xmlns:mc="http://schemas.openxmlformats.org/markup-compatibility/2006">
+<p:sld xmlns:a="http://schemas.openxmlformats.org/drawingml/2006/main" xmlns:r="http://schemas.openxmlformats.org/officeDocument/2006/relationships" xmlns:p="http://schemas.openxmlformats.org/presentationml/2006/main">
   <p:cSld>
     <p:spTree>
       <p:nvGrpSpPr>
@@ -5871,6 +6052,7 @@
         </p:spPr>
         <p:txBody>
           <a:bodyPr tIns="91440" bIns="91440" anchor="b"/>
+          <a:lstStyle/>
           <a:p>
             <a:pPr>
               <a:lnSpc>
@@ -5878,7 +6060,7 @@
               </a:lnSpc>
             </a:pPr>
             <a:r>
-              <a:rPr b="0" lang="en-US" sz="4200" spc="-1" strike="noStrike">
+              <a:rPr lang="en-US" sz="4200" b="0" strike="noStrike" spc="-1">
                 <a:solidFill>
                   <a:srgbClr val="000000"/>
                 </a:solidFill>
@@ -5887,7 +6069,7 @@
               </a:rPr>
               <a:t>Example Updates</a:t>
             </a:r>
-            <a:endParaRPr b="0" lang="en-US" sz="4200" spc="-1" strike="noStrike">
+            <a:endParaRPr lang="en-US" sz="4200" b="0" strike="noStrike" spc="-1">
               <a:solidFill>
                 <a:srgbClr val="000000"/>
               </a:solidFill>
@@ -5917,6 +6099,7 @@
         </p:spPr>
         <p:txBody>
           <a:bodyPr tIns="91440" bIns="91440"/>
+          <a:lstStyle/>
           <a:p>
             <a:pPr>
               <a:lnSpc>
@@ -5924,7 +6107,7 @@
               </a:lnSpc>
             </a:pPr>
             <a:r>
-              <a:rPr b="0" lang="en-US" sz="2400" spc="-1" strike="noStrike">
+              <a:rPr lang="en-US" sz="2400" b="0" strike="noStrike" spc="-1">
                 <a:solidFill>
                   <a:srgbClr val="000000"/>
                 </a:solidFill>
@@ -5933,7 +6116,7 @@
               </a:rPr>
               <a:t>This example is actually for Adaboost (tree-boosting model) available in sklearn.ensemble.</a:t>
             </a:r>
-            <a:endParaRPr b="0" lang="en-US" sz="2400" spc="-1" strike="noStrike">
+            <a:endParaRPr lang="en-US" sz="2400" b="0" strike="noStrike" spc="-1">
               <a:solidFill>
                 <a:srgbClr val="000000"/>
               </a:solidFill>
@@ -5950,7 +6133,7 @@
               </a:spcBef>
             </a:pPr>
             <a:r>
-              <a:rPr b="0" lang="en-US" sz="2400" spc="-1" strike="noStrike">
+              <a:rPr lang="en-US" sz="2400" b="0" strike="noStrike" spc="-1">
                 <a:solidFill>
                   <a:srgbClr val="000000"/>
                 </a:solidFill>
@@ -5959,7 +6142,7 @@
               </a:rPr>
               <a:t>Each iteration a stump (tree of depth 1) is fit.</a:t>
             </a:r>
-            <a:endParaRPr b="0" lang="en-US" sz="2400" spc="-1" strike="noStrike">
+            <a:endParaRPr lang="en-US" sz="2400" b="0" strike="noStrike" spc="-1">
               <a:solidFill>
                 <a:srgbClr val="000000"/>
               </a:solidFill>
@@ -5979,7 +6162,7 @@
               </a:spcAft>
             </a:pPr>
             <a:r>
-              <a:rPr b="0" lang="en-US" sz="2400" spc="-1" strike="noStrike">
+              <a:rPr lang="en-US" sz="2400" b="0" strike="noStrike" spc="-1">
                 <a:solidFill>
                   <a:srgbClr val="000000"/>
                 </a:solidFill>
@@ -5988,7 +6171,7 @@
               </a:rPr>
               <a:t>The larger points are weighted more heavily in next step.</a:t>
             </a:r>
-            <a:endParaRPr b="0" lang="en-US" sz="2400" spc="-1" strike="noStrike">
+            <a:endParaRPr lang="en-US" sz="2400" b="0" strike="noStrike" spc="-1">
               <a:solidFill>
                 <a:srgbClr val="000000"/>
               </a:solidFill>
@@ -5999,12 +6182,12 @@
       </p:sp>
       <p:pic>
         <p:nvPicPr>
-          <p:cNvPr id="151" name="Google Shape;128;p22" descr=""/>
+          <p:cNvPr id="151" name="Google Shape;128;p22"/>
           <p:cNvPicPr/>
           <p:nvPr/>
         </p:nvPicPr>
         <p:blipFill>
-          <a:blip r:embed="rId1"/>
+          <a:blip r:embed="rId2"/>
           <a:stretch/>
         </p:blipFill>
         <p:spPr>
@@ -6040,13 +6223,20 @@
           </a:ln>
         </p:spPr>
         <p:style>
-          <a:lnRef idx="0"/>
-          <a:fillRef idx="0"/>
-          <a:effectRef idx="0"/>
+          <a:lnRef idx="0">
+            <a:scrgbClr r="0" g="0" b="0"/>
+          </a:lnRef>
+          <a:fillRef idx="0">
+            <a:scrgbClr r="0" g="0" b="0"/>
+          </a:fillRef>
+          <a:effectRef idx="0">
+            <a:scrgbClr r="0" g="0" b="0"/>
+          </a:effectRef>
           <a:fontRef idx="minor"/>
         </p:style>
         <p:txBody>
           <a:bodyPr tIns="91440" bIns="91440"/>
+          <a:lstStyle/>
           <a:p>
             <a:pPr>
               <a:lnSpc>
@@ -6054,7 +6244,7 @@
               </a:lnSpc>
             </a:pPr>
             <a:r>
-              <a:rPr b="0" lang="en-US" sz="1400" spc="-1" strike="noStrike">
+              <a:rPr lang="en-US" sz="1400" b="0" strike="noStrike" spc="-1">
                 <a:solidFill>
                   <a:srgbClr val="000000"/>
                 </a:solidFill>
@@ -6063,7 +6253,7 @@
               </a:rPr>
               <a:t>https://www.analyticsvidhya.com/blog/2015/11/quick-introduction-boosting-algorithms-machine-learning/</a:t>
             </a:r>
-            <a:endParaRPr b="0" lang="en-US" sz="1400" spc="-1" strike="noStrike">
+            <a:endParaRPr lang="en-US" sz="1400" b="0" strike="noStrike" spc="-1">
               <a:latin typeface="Arial"/>
             </a:endParaRPr>
           </a:p>
@@ -6084,6 +6274,7 @@
             <a:avLst/>
             <a:gdLst/>
             <a:ahLst/>
+            <a:cxnLst/>
             <a:rect l="l" t="t" r="r" b="b"/>
             <a:pathLst>
               <a:path w="21600" h="21600">
@@ -6102,13 +6293,19 @@
               <a:srgbClr val="000000"/>
             </a:solidFill>
             <a:round/>
-            <a:tailEnd len="med" type="diamond" w="med"/>
+            <a:tailEnd type="diamond" w="med" len="med"/>
           </a:ln>
         </p:spPr>
         <p:style>
-          <a:lnRef idx="0"/>
-          <a:fillRef idx="0"/>
-          <a:effectRef idx="0"/>
+          <a:lnRef idx="0">
+            <a:scrgbClr r="0" g="0" b="0"/>
+          </a:lnRef>
+          <a:fillRef idx="0">
+            <a:scrgbClr r="0" g="0" b="0"/>
+          </a:fillRef>
+          <a:effectRef idx="0">
+            <a:scrgbClr r="0" g="0" b="0"/>
+          </a:effectRef>
           <a:fontRef idx="minor"/>
         </p:style>
       </p:sp>
@@ -6127,6 +6324,7 @@
             <a:avLst/>
             <a:gdLst/>
             <a:ahLst/>
+            <a:cxnLst/>
             <a:rect l="l" t="t" r="r" b="b"/>
             <a:pathLst>
               <a:path w="21600" h="21600">
@@ -6145,34 +6343,43 @@
               <a:srgbClr val="000000"/>
             </a:solidFill>
             <a:round/>
-            <a:tailEnd len="med" type="diamond" w="med"/>
+            <a:tailEnd type="diamond" w="med" len="med"/>
           </a:ln>
         </p:spPr>
         <p:style>
-          <a:lnRef idx="0"/>
-          <a:fillRef idx="0"/>
-          <a:effectRef idx="0"/>
+          <a:lnRef idx="0">
+            <a:scrgbClr r="0" g="0" b="0"/>
+          </a:lnRef>
+          <a:fillRef idx="0">
+            <a:scrgbClr r="0" g="0" b="0"/>
+          </a:fillRef>
+          <a:effectRef idx="0">
+            <a:scrgbClr r="0" g="0" b="0"/>
+          </a:effectRef>
           <a:fontRef idx="minor"/>
         </p:style>
       </p:sp>
     </p:spTree>
   </p:cSld>
+  <p:clrMapOvr>
+    <a:masterClrMapping/>
+  </p:clrMapOvr>
   <p:timing>
     <p:tnLst>
       <p:par>
-        <p:cTn id="19" dur="indefinite" restart="never" nodeType="tmRoot">
+        <p:cTn xmlns:p14="http://schemas.microsoft.com/office/powerpoint/2010/main" id="1" dur="indefinite" restart="never" nodeType="tmRoot">
           <p:childTnLst>
             <p:seq>
-              <p:cTn id="20" dur="indefinite" nodeType="mainSeq"/>
+              <p:cTn id="2" dur="indefinite" nodeType="mainSeq"/>
               <p:prevCondLst>
-                <p:cond delay="0" evt="onPrev">
+                <p:cond evt="onPrev" delay="0">
                   <p:tgtEl>
                     <p:sldTgt/>
                   </p:tgtEl>
                 </p:cond>
               </p:prevCondLst>
               <p:nextCondLst>
-                <p:cond delay="0" evt="onNext">
+                <p:cond evt="onNext" delay="0">
                   <p:tgtEl>
                     <p:sldTgt/>
                   </p:tgtEl>
@@ -6188,7 +6395,7 @@
 </file>
 
 <file path=ppt/slides/slide11.xml><?xml version="1.0" encoding="utf-8"?>
-<p:sld xmlns:a="http://schemas.openxmlformats.org/drawingml/2006/main" xmlns:p="http://schemas.openxmlformats.org/presentationml/2006/main" xmlns:r="http://schemas.openxmlformats.org/officeDocument/2006/relationships" xmlns:p14="http://schemas.microsoft.com/office/powerpoint/2010/main" xmlns:p15="http://schemas.microsoft.com/office/powerpoint/2012/main" xmlns:mc="http://schemas.openxmlformats.org/markup-compatibility/2006">
+<p:sld xmlns:a="http://schemas.openxmlformats.org/drawingml/2006/main" xmlns:r="http://schemas.openxmlformats.org/officeDocument/2006/relationships" xmlns:p="http://schemas.openxmlformats.org/presentationml/2006/main">
   <p:cSld>
     <p:spTree>
       <p:nvGrpSpPr>
@@ -6225,6 +6432,7 @@
         </p:spPr>
         <p:txBody>
           <a:bodyPr tIns="91440" bIns="91440" anchor="b"/>
+          <a:lstStyle/>
           <a:p>
             <a:pPr>
               <a:lnSpc>
@@ -6232,7 +6440,7 @@
               </a:lnSpc>
             </a:pPr>
             <a:r>
-              <a:rPr b="0" lang="en-US" sz="4200" spc="-1" strike="noStrike">
+              <a:rPr lang="en-US" sz="4200" b="0" strike="noStrike" spc="-1">
                 <a:solidFill>
                   <a:srgbClr val="000000"/>
                 </a:solidFill>
@@ -6241,7 +6449,7 @@
               </a:rPr>
               <a:t>XGBoost Algorithm</a:t>
             </a:r>
-            <a:endParaRPr b="0" lang="en-US" sz="4200" spc="-1" strike="noStrike">
+            <a:endParaRPr lang="en-US" sz="4200" b="0" strike="noStrike" spc="-1">
               <a:solidFill>
                 <a:srgbClr val="000000"/>
               </a:solidFill>
@@ -6271,6 +6479,7 @@
         </p:spPr>
         <p:txBody>
           <a:bodyPr tIns="91440" bIns="91440"/>
+          <a:lstStyle/>
           <a:p>
             <a:pPr marL="457200" indent="-348840">
               <a:lnSpc>
@@ -6283,7 +6492,7 @@
               <a:buChar char="●"/>
             </a:pPr>
             <a:r>
-              <a:rPr b="0" lang="en-US" sz="2300" spc="-1" strike="noStrike">
+              <a:rPr lang="en-US" sz="2300" b="0" strike="noStrike" spc="-1">
                 <a:solidFill>
                   <a:srgbClr val="000000"/>
                 </a:solidFill>
@@ -6292,7 +6501,7 @@
               </a:rPr>
               <a:t>Gradient descent</a:t>
             </a:r>
-            <a:endParaRPr b="0" lang="en-US" sz="2300" spc="-1" strike="noStrike">
+            <a:endParaRPr lang="en-US" sz="2300" b="0" strike="noStrike" spc="-1">
               <a:solidFill>
                 <a:srgbClr val="000000"/>
               </a:solidFill>
@@ -6311,7 +6520,7 @@
               <a:buChar char="●"/>
             </a:pPr>
             <a:r>
-              <a:rPr b="0" lang="en-US" sz="2300" spc="-1" strike="noStrike">
+              <a:rPr lang="en-US" sz="2300" b="0" strike="noStrike" spc="-1">
                 <a:solidFill>
                   <a:srgbClr val="000000"/>
                 </a:solidFill>
@@ -6320,7 +6529,7 @@
               </a:rPr>
               <a:t>Objective function: Loss + Regularization</a:t>
             </a:r>
-            <a:endParaRPr b="0" lang="en-US" sz="2300" spc="-1" strike="noStrike">
+            <a:endParaRPr lang="en-US" sz="2300" b="0" strike="noStrike" spc="-1">
               <a:solidFill>
                 <a:srgbClr val="000000"/>
               </a:solidFill>
@@ -6336,7 +6545,7 @@
                 <a:spcPts val="1599"/>
               </a:spcBef>
             </a:pPr>
-            <a:endParaRPr b="0" lang="en-US" sz="2300" spc="-1" strike="noStrike">
+            <a:endParaRPr lang="en-US" sz="2300" b="0" strike="noStrike" spc="-1">
               <a:solidFill>
                 <a:srgbClr val="000000"/>
               </a:solidFill>
@@ -6352,7 +6561,7 @@
                 <a:spcPts val="1599"/>
               </a:spcBef>
             </a:pPr>
-            <a:endParaRPr b="0" lang="en-US" sz="2300" spc="-1" strike="noStrike">
+            <a:endParaRPr lang="en-US" sz="2300" b="0" strike="noStrike" spc="-1">
               <a:solidFill>
                 <a:srgbClr val="000000"/>
               </a:solidFill>
@@ -6369,7 +6578,7 @@
               </a:spcBef>
             </a:pPr>
             <a:r>
-              <a:rPr b="0" lang="en-US" sz="2300" spc="-1" strike="noStrike">
+              <a:rPr lang="en-US" sz="2300" b="0" strike="noStrike" spc="-1">
                 <a:solidFill>
                   <a:srgbClr val="000000"/>
                 </a:solidFill>
@@ -6379,7 +6588,7 @@
               <a:t>The regularization function, used to reduce complexity of model, </a:t>
             </a:r>
             <a:r>
-              <a:rPr b="1" lang="en-US" sz="2300" spc="-1" strike="noStrike">
+              <a:rPr lang="en-US" sz="2300" b="1" strike="noStrike" spc="-1">
                 <a:solidFill>
                   <a:srgbClr val="000000"/>
                 </a:solidFill>
@@ -6389,7 +6598,7 @@
               <a:t>could</a:t>
             </a:r>
             <a:r>
-              <a:rPr b="0" lang="en-US" sz="2300" spc="-1" strike="noStrike">
+              <a:rPr lang="en-US" sz="2300" b="0" strike="noStrike" spc="-1">
                 <a:solidFill>
                   <a:srgbClr val="000000"/>
                 </a:solidFill>
@@ -6398,7 +6607,7 @@
               </a:rPr>
               <a:t> be composed of #leaves and L2 norm of leaf scores (eg. penalize the tree depth and leaf weights)</a:t>
             </a:r>
-            <a:endParaRPr b="0" lang="en-US" sz="2300" spc="-1" strike="noStrike">
+            <a:endParaRPr lang="en-US" sz="2300" b="0" strike="noStrike" spc="-1">
               <a:solidFill>
                 <a:srgbClr val="000000"/>
               </a:solidFill>
@@ -6417,7 +6626,7 @@
                 <a:spcPts val="1599"/>
               </a:spcAft>
             </a:pPr>
-            <a:endParaRPr b="0" lang="en-US" sz="2300" spc="-1" strike="noStrike">
+            <a:endParaRPr lang="en-US" sz="2300" b="0" strike="noStrike" spc="-1">
               <a:solidFill>
                 <a:srgbClr val="000000"/>
               </a:solidFill>
@@ -6428,12 +6637,12 @@
       </p:sp>
       <p:pic>
         <p:nvPicPr>
-          <p:cNvPr id="157" name="Google Shape;138;p23" descr=""/>
+          <p:cNvPr id="157" name="Google Shape;138;p23"/>
           <p:cNvPicPr/>
           <p:nvPr/>
         </p:nvPicPr>
         <p:blipFill>
-          <a:blip r:embed="rId1"/>
+          <a:blip r:embed="rId2"/>
           <a:stretch/>
         </p:blipFill>
         <p:spPr>
@@ -6451,22 +6660,25 @@
       </p:pic>
     </p:spTree>
   </p:cSld>
+  <p:clrMapOvr>
+    <a:masterClrMapping/>
+  </p:clrMapOvr>
   <p:timing>
     <p:tnLst>
       <p:par>
-        <p:cTn id="21" dur="indefinite" restart="never" nodeType="tmRoot">
+        <p:cTn xmlns:p14="http://schemas.microsoft.com/office/powerpoint/2010/main" id="1" dur="indefinite" restart="never" nodeType="tmRoot">
           <p:childTnLst>
             <p:seq>
-              <p:cTn id="22" dur="indefinite" nodeType="mainSeq"/>
+              <p:cTn id="2" dur="indefinite" nodeType="mainSeq"/>
               <p:prevCondLst>
-                <p:cond delay="0" evt="onPrev">
+                <p:cond evt="onPrev" delay="0">
                   <p:tgtEl>
                     <p:sldTgt/>
                   </p:tgtEl>
                 </p:cond>
               </p:prevCondLst>
               <p:nextCondLst>
-                <p:cond delay="0" evt="onNext">
+                <p:cond evt="onNext" delay="0">
                   <p:tgtEl>
                     <p:sldTgt/>
                   </p:tgtEl>
@@ -6482,7 +6694,7 @@
 </file>
 
 <file path=ppt/slides/slide12.xml><?xml version="1.0" encoding="utf-8"?>
-<p:sld xmlns:a="http://schemas.openxmlformats.org/drawingml/2006/main" xmlns:p="http://schemas.openxmlformats.org/presentationml/2006/main" xmlns:r="http://schemas.openxmlformats.org/officeDocument/2006/relationships" xmlns:p14="http://schemas.microsoft.com/office/powerpoint/2010/main" xmlns:p15="http://schemas.microsoft.com/office/powerpoint/2012/main" xmlns:mc="http://schemas.openxmlformats.org/markup-compatibility/2006">
+<p:sld xmlns:a="http://schemas.openxmlformats.org/drawingml/2006/main" xmlns:r="http://schemas.openxmlformats.org/officeDocument/2006/relationships" xmlns:p="http://schemas.openxmlformats.org/presentationml/2006/main">
   <p:cSld>
     <p:spTree>
       <p:nvGrpSpPr>
@@ -6519,6 +6731,7 @@
         </p:spPr>
         <p:txBody>
           <a:bodyPr tIns="91440" bIns="91440" anchor="b"/>
+          <a:lstStyle/>
           <a:p>
             <a:pPr>
               <a:lnSpc>
@@ -6526,7 +6739,7 @@
               </a:lnSpc>
             </a:pPr>
             <a:r>
-              <a:rPr b="0" lang="en-US" sz="4200" spc="-1" strike="noStrike">
+              <a:rPr lang="en-US" sz="4200" b="0" strike="noStrike" spc="-1">
                 <a:solidFill>
                   <a:srgbClr val="000000"/>
                 </a:solidFill>
@@ -6535,7 +6748,7 @@
               </a:rPr>
               <a:t>XGBoost Algorithm</a:t>
             </a:r>
-            <a:endParaRPr b="0" lang="en-US" sz="4200" spc="-1" strike="noStrike">
+            <a:endParaRPr lang="en-US" sz="4200" b="0" strike="noStrike" spc="-1">
               <a:solidFill>
                 <a:srgbClr val="000000"/>
               </a:solidFill>
@@ -6565,6 +6778,7 @@
         </p:spPr>
         <p:txBody>
           <a:bodyPr tIns="91440" bIns="91440"/>
+          <a:lstStyle/>
           <a:p>
             <a:pPr marL="457200" indent="-380520">
               <a:lnSpc>
@@ -6577,7 +6791,7 @@
               <a:buChar char="●"/>
             </a:pPr>
             <a:r>
-              <a:rPr b="0" lang="en-US" sz="2000" spc="-1" strike="noStrike">
+              <a:rPr lang="en-US" sz="2000" b="0" strike="noStrike" spc="-1" dirty="0">
                 <a:solidFill>
                   <a:srgbClr val="000000"/>
                 </a:solidFill>
@@ -6587,7 +6801,7 @@
               <a:t>Optimize the loss function at time </a:t>
             </a:r>
             <a:r>
-              <a:rPr b="0" i="1" lang="en-US" sz="2000" spc="-1" strike="noStrike">
+              <a:rPr lang="en-US" sz="2000" b="0" i="1" strike="noStrike" spc="-1" dirty="0">
                 <a:solidFill>
                   <a:srgbClr val="000000"/>
                 </a:solidFill>
@@ -6597,7 +6811,7 @@
               <a:t>t</a:t>
             </a:r>
             <a:r>
-              <a:rPr b="0" lang="en-US" sz="2000" spc="-1" strike="noStrike">
+              <a:rPr lang="en-US" sz="2000" b="0" strike="noStrike" spc="-1" dirty="0">
                 <a:solidFill>
                   <a:srgbClr val="000000"/>
                 </a:solidFill>
@@ -6607,7 +6821,7 @@
               <a:t>, by finding </a:t>
             </a:r>
             <a:r>
-              <a:rPr b="0" i="1" lang="en-US" sz="2000" spc="-1" strike="noStrike">
+              <a:rPr lang="en-US" sz="2000" b="0" i="1" strike="noStrike" spc="-1" dirty="0" err="1">
                 <a:solidFill>
                   <a:srgbClr val="000000"/>
                 </a:solidFill>
@@ -6617,7 +6831,7 @@
               <a:t>f_t</a:t>
             </a:r>
             <a:r>
-              <a:rPr b="0" lang="en-US" sz="2000" spc="-1" strike="noStrike">
+              <a:rPr lang="en-US" sz="2000" b="0" strike="noStrike" spc="-1" dirty="0">
                 <a:solidFill>
                   <a:srgbClr val="000000"/>
                 </a:solidFill>
@@ -6626,7 +6840,7 @@
               </a:rPr>
               <a:t> to minimize:</a:t>
             </a:r>
-            <a:endParaRPr b="0" lang="en-US" sz="2000" spc="-1" strike="noStrike">
+            <a:endParaRPr lang="en-US" sz="2000" b="0" strike="noStrike" spc="-1" dirty="0">
               <a:solidFill>
                 <a:srgbClr val="000000"/>
               </a:solidFill>
@@ -6642,7 +6856,7 @@
                 <a:spcPts val="1599"/>
               </a:spcBef>
             </a:pPr>
-            <a:endParaRPr b="0" lang="en-US" sz="2000" spc="-1" strike="noStrike">
+            <a:endParaRPr lang="en-US" sz="2000" b="0" strike="noStrike" spc="-1" dirty="0">
               <a:solidFill>
                 <a:srgbClr val="000000"/>
               </a:solidFill>
@@ -6658,7 +6872,7 @@
                 <a:spcPts val="1599"/>
               </a:spcBef>
             </a:pPr>
-            <a:endParaRPr b="0" lang="en-US" sz="2000" spc="-1" strike="noStrike">
+            <a:endParaRPr lang="en-US" sz="2000" b="0" strike="noStrike" spc="-1" dirty="0">
               <a:solidFill>
                 <a:srgbClr val="000000"/>
               </a:solidFill>
@@ -6674,7 +6888,7 @@
                 <a:spcPts val="1599"/>
               </a:spcBef>
             </a:pPr>
-            <a:endParaRPr b="0" lang="en-US" sz="2000" spc="-1" strike="noStrike">
+            <a:endParaRPr lang="en-US" sz="2000" b="0" strike="noStrike" spc="-1" dirty="0">
               <a:solidFill>
                 <a:srgbClr val="000000"/>
               </a:solidFill>
@@ -6696,7 +6910,7 @@
               <a:buChar char="●"/>
             </a:pPr>
             <a:r>
-              <a:rPr b="0" lang="en-US" sz="2000" spc="-1" strike="noStrike">
+              <a:rPr lang="en-US" sz="2000" b="0" strike="noStrike" spc="-1" dirty="0">
                 <a:solidFill>
                   <a:srgbClr val="000000"/>
                 </a:solidFill>
@@ -6705,7 +6919,7 @@
               </a:rPr>
               <a:t>Involves partial derivatives of Taylor expansion to a couple of terms =&gt; gradient,  hessian</a:t>
             </a:r>
-            <a:endParaRPr b="0" lang="en-US" sz="2000" spc="-1" strike="noStrike">
+            <a:endParaRPr lang="en-US" sz="2000" b="0" strike="noStrike" spc="-1" dirty="0">
               <a:solidFill>
                 <a:srgbClr val="000000"/>
               </a:solidFill>
@@ -6724,7 +6938,7 @@
               <a:buChar char="●"/>
             </a:pPr>
             <a:r>
-              <a:rPr b="0" lang="en-US" sz="2000" spc="-1" strike="noStrike">
+              <a:rPr lang="en-US" sz="2000" b="0" strike="noStrike" spc="-1" dirty="0">
                 <a:solidFill>
                   <a:srgbClr val="000000"/>
                 </a:solidFill>
@@ -6733,7 +6947,7 @@
               </a:rPr>
               <a:t>Trees defined as vectors of leaf weights, </a:t>
             </a:r>
-            <a:endParaRPr b="0" lang="en-US" sz="2000" spc="-1" strike="noStrike">
+            <a:endParaRPr lang="en-US" sz="2000" b="0" strike="noStrike" spc="-1" dirty="0">
               <a:solidFill>
                 <a:srgbClr val="000000"/>
               </a:solidFill>
@@ -6752,7 +6966,7 @@
                 <a:spcPts val="1599"/>
               </a:spcAft>
             </a:pPr>
-            <a:endParaRPr b="0" lang="en-US" sz="2000" spc="-1" strike="noStrike">
+            <a:endParaRPr lang="en-US" sz="2000" b="0" strike="noStrike" spc="-1" dirty="0">
               <a:solidFill>
                 <a:srgbClr val="000000"/>
               </a:solidFill>
@@ -6763,30 +6977,7 @@
       </p:sp>
       <p:pic>
         <p:nvPicPr>
-          <p:cNvPr id="160" name="Google Shape;145;p24" descr=""/>
-          <p:cNvPicPr/>
-          <p:nvPr/>
-        </p:nvPicPr>
-        <p:blipFill>
-          <a:blip r:embed="rId1"/>
-          <a:stretch/>
-        </p:blipFill>
-        <p:spPr>
-          <a:xfrm>
-            <a:off x="1005840" y="1371600"/>
-            <a:ext cx="7347600" cy="2176560"/>
-          </a:xfrm>
-          <a:prstGeom prst="rect">
-            <a:avLst/>
-          </a:prstGeom>
-          <a:ln>
-            <a:noFill/>
-          </a:ln>
-        </p:spPr>
-      </p:pic>
-      <p:pic>
-        <p:nvPicPr>
-          <p:cNvPr id="161" name="Google Shape;146;p24" descr=""/>
+          <p:cNvPr id="160" name="Google Shape;145;p24"/>
           <p:cNvPicPr/>
           <p:nvPr/>
         </p:nvPicPr>
@@ -6796,8 +6987,8 @@
         </p:blipFill>
         <p:spPr>
           <a:xfrm>
-            <a:off x="6126480" y="4061520"/>
-            <a:ext cx="2620080" cy="510480"/>
+            <a:off x="1005840" y="1126950"/>
+            <a:ext cx="7022470" cy="1960315"/>
           </a:xfrm>
           <a:prstGeom prst="rect">
             <a:avLst/>
@@ -6807,24 +6998,50 @@
           </a:ln>
         </p:spPr>
       </p:pic>
+      <p:pic>
+        <p:nvPicPr>
+          <p:cNvPr id="161" name="Google Shape;146;p24"/>
+          <p:cNvPicPr/>
+          <p:nvPr/>
+        </p:nvPicPr>
+        <p:blipFill>
+          <a:blip r:embed="rId3"/>
+          <a:stretch/>
+        </p:blipFill>
+        <p:spPr>
+          <a:xfrm>
+            <a:off x="6126480" y="4061520"/>
+            <a:ext cx="2620080" cy="510480"/>
+          </a:xfrm>
+          <a:prstGeom prst="rect">
+            <a:avLst/>
+          </a:prstGeom>
+          <a:ln>
+            <a:noFill/>
+          </a:ln>
+        </p:spPr>
+      </p:pic>
     </p:spTree>
   </p:cSld>
+  <p:clrMapOvr>
+    <a:masterClrMapping/>
+  </p:clrMapOvr>
   <p:timing>
     <p:tnLst>
       <p:par>
-        <p:cTn id="23" dur="indefinite" restart="never" nodeType="tmRoot">
+        <p:cTn xmlns:p14="http://schemas.microsoft.com/office/powerpoint/2010/main" id="1" dur="indefinite" restart="never" nodeType="tmRoot">
           <p:childTnLst>
             <p:seq>
-              <p:cTn id="24" dur="indefinite" nodeType="mainSeq"/>
+              <p:cTn id="2" dur="indefinite" nodeType="mainSeq"/>
               <p:prevCondLst>
-                <p:cond delay="0" evt="onPrev">
+                <p:cond evt="onPrev" delay="0">
                   <p:tgtEl>
                     <p:sldTgt/>
                   </p:tgtEl>
                 </p:cond>
               </p:prevCondLst>
               <p:nextCondLst>
-                <p:cond delay="0" evt="onNext">
+                <p:cond evt="onNext" delay="0">
                   <p:tgtEl>
                     <p:sldTgt/>
                   </p:tgtEl>
@@ -6840,7 +7057,7 @@
 </file>
 
 <file path=ppt/slides/slide13.xml><?xml version="1.0" encoding="utf-8"?>
-<p:sld xmlns:a="http://schemas.openxmlformats.org/drawingml/2006/main" xmlns:p="http://schemas.openxmlformats.org/presentationml/2006/main" xmlns:r="http://schemas.openxmlformats.org/officeDocument/2006/relationships" xmlns:p14="http://schemas.microsoft.com/office/powerpoint/2010/main" xmlns:p15="http://schemas.microsoft.com/office/powerpoint/2012/main" xmlns:mc="http://schemas.openxmlformats.org/markup-compatibility/2006">
+<p:sld xmlns:a="http://schemas.openxmlformats.org/drawingml/2006/main" xmlns:r="http://schemas.openxmlformats.org/officeDocument/2006/relationships" xmlns:p="http://schemas.openxmlformats.org/presentationml/2006/main">
   <p:cSld>
     <p:spTree>
       <p:nvGrpSpPr>
@@ -6877,6 +7094,7 @@
         </p:spPr>
         <p:txBody>
           <a:bodyPr tIns="91440" bIns="91440" anchor="b"/>
+          <a:lstStyle/>
           <a:p>
             <a:pPr>
               <a:lnSpc>
@@ -6884,7 +7102,7 @@
               </a:lnSpc>
             </a:pPr>
             <a:r>
-              <a:rPr b="0" lang="en-US" sz="4200" spc="-1" strike="noStrike">
+              <a:rPr lang="en-US" sz="4200" b="0" strike="noStrike" spc="-1">
                 <a:solidFill>
                   <a:srgbClr val="000000"/>
                 </a:solidFill>
@@ -6893,7 +7111,7 @@
               </a:rPr>
               <a:t>XGBoost Algorithm Summary</a:t>
             </a:r>
-            <a:endParaRPr b="0" lang="en-US" sz="4200" spc="-1" strike="noStrike">
+            <a:endParaRPr lang="en-US" sz="4200" b="0" strike="noStrike" spc="-1">
               <a:solidFill>
                 <a:srgbClr val="000000"/>
               </a:solidFill>
@@ -6923,6 +7141,7 @@
         </p:spPr>
         <p:txBody>
           <a:bodyPr tIns="91440" bIns="91440"/>
+          <a:lstStyle/>
           <a:p>
             <a:pPr marL="457200" indent="-380520">
               <a:lnSpc>
@@ -6935,7 +7154,7 @@
               <a:buChar char="-"/>
             </a:pPr>
             <a:r>
-              <a:rPr b="0" lang="en-US" sz="2000" spc="-1" strike="noStrike">
+              <a:rPr lang="en-US" sz="2000" b="0" strike="noStrike" spc="-1">
                 <a:solidFill>
                   <a:srgbClr val="000000"/>
                 </a:solidFill>
@@ -6944,7 +7163,7 @@
               </a:rPr>
               <a:t>Fixing the structure of the tree, the optimal weights of the leaves can be computed using the previous eqns.</a:t>
             </a:r>
-            <a:endParaRPr b="0" lang="en-US" sz="2000" spc="-1" strike="noStrike">
+            <a:endParaRPr lang="en-US" sz="2000" b="0" strike="noStrike" spc="-1">
               <a:solidFill>
                 <a:srgbClr val="000000"/>
               </a:solidFill>
@@ -6963,7 +7182,7 @@
               <a:buChar char="-"/>
             </a:pPr>
             <a:r>
-              <a:rPr b="0" lang="en-US" sz="2000" spc="-1" strike="noStrike">
+              <a:rPr lang="en-US" sz="2000" b="0" strike="noStrike" spc="-1">
                 <a:solidFill>
                   <a:srgbClr val="000000"/>
                 </a:solidFill>
@@ -6972,15 +7191,15 @@
               </a:rPr>
               <a:t>Each iteration</a:t>
             </a:r>
-            <a:endParaRPr b="0" lang="en-US" sz="2000" spc="-1" strike="noStrike">
-              <a:solidFill>
-                <a:srgbClr val="000000"/>
-              </a:solidFill>
-              <a:latin typeface="Arial"/>
-            </a:endParaRPr>
-          </a:p>
-          <a:p>
-            <a:pPr lvl="1" marL="1371600" indent="-380520">
+            <a:endParaRPr lang="en-US" sz="2000" b="0" strike="noStrike" spc="-1">
+              <a:solidFill>
+                <a:srgbClr val="000000"/>
+              </a:solidFill>
+              <a:latin typeface="Arial"/>
+            </a:endParaRPr>
+          </a:p>
+          <a:p>
+            <a:pPr marL="1371600" lvl="1" indent="-380520">
               <a:lnSpc>
                 <a:spcPct val="115000"/>
               </a:lnSpc>
@@ -6991,7 +7210,7 @@
               <a:buChar char="-"/>
             </a:pPr>
             <a:r>
-              <a:rPr b="0" lang="en-US" sz="2000" spc="-1" strike="noStrike">
+              <a:rPr lang="en-US" sz="2000" b="0" strike="noStrike" spc="-1">
                 <a:solidFill>
                   <a:srgbClr val="000000"/>
                 </a:solidFill>
@@ -7000,15 +7219,15 @@
               </a:rPr>
               <a:t>First compute gradient and hessian</a:t>
             </a:r>
-            <a:endParaRPr b="0" lang="en-US" sz="2000" spc="-1" strike="noStrike">
-              <a:solidFill>
-                <a:srgbClr val="000000"/>
-              </a:solidFill>
-              <a:latin typeface="Arial"/>
-            </a:endParaRPr>
-          </a:p>
-          <a:p>
-            <a:pPr lvl="1" marL="1371600" indent="-380520">
+            <a:endParaRPr lang="en-US" sz="2000" b="0" strike="noStrike" spc="-1">
+              <a:solidFill>
+                <a:srgbClr val="000000"/>
+              </a:solidFill>
+              <a:latin typeface="Arial"/>
+            </a:endParaRPr>
+          </a:p>
+          <a:p>
+            <a:pPr marL="1371600" lvl="1" indent="-380520">
               <a:lnSpc>
                 <a:spcPct val="115000"/>
               </a:lnSpc>
@@ -7019,7 +7238,7 @@
               <a:buChar char="-"/>
             </a:pPr>
             <a:r>
-              <a:rPr b="0" lang="en-US" sz="2000" spc="-1" strike="noStrike">
+              <a:rPr lang="en-US" sz="2000" b="0" strike="noStrike" spc="-1">
                 <a:solidFill>
                   <a:srgbClr val="000000"/>
                 </a:solidFill>
@@ -7028,15 +7247,15 @@
               </a:rPr>
               <a:t>Greedily grow a tree by splitting each node using optimal weights (this is steepest descent)</a:t>
             </a:r>
-            <a:endParaRPr b="0" lang="en-US" sz="2000" spc="-1" strike="noStrike">
-              <a:solidFill>
-                <a:srgbClr val="000000"/>
-              </a:solidFill>
-              <a:latin typeface="Arial"/>
-            </a:endParaRPr>
-          </a:p>
-          <a:p>
-            <a:pPr lvl="1" marL="1371600" indent="-380520">
+            <a:endParaRPr lang="en-US" sz="2000" b="0" strike="noStrike" spc="-1">
+              <a:solidFill>
+                <a:srgbClr val="000000"/>
+              </a:solidFill>
+              <a:latin typeface="Arial"/>
+            </a:endParaRPr>
+          </a:p>
+          <a:p>
+            <a:pPr marL="1371600" lvl="1" indent="-380520">
               <a:lnSpc>
                 <a:spcPct val="115000"/>
               </a:lnSpc>
@@ -7047,7 +7266,7 @@
               <a:buChar char="-"/>
             </a:pPr>
             <a:r>
-              <a:rPr b="0" lang="en-US" sz="2000" spc="-1" strike="noStrike">
+              <a:rPr lang="en-US" sz="2000" b="0" strike="noStrike" spc="-1">
                 <a:solidFill>
                   <a:srgbClr val="000000"/>
                 </a:solidFill>
@@ -7056,15 +7275,15 @@
               </a:rPr>
               <a:t>Add new tree to model * learning rate (shrinkage)</a:t>
             </a:r>
-            <a:endParaRPr b="0" lang="en-US" sz="2000" spc="-1" strike="noStrike">
-              <a:solidFill>
-                <a:srgbClr val="000000"/>
-              </a:solidFill>
-              <a:latin typeface="Arial"/>
-            </a:endParaRPr>
-          </a:p>
-          <a:p>
-            <a:pPr lvl="1" marL="1371600" indent="-380520">
+            <a:endParaRPr lang="en-US" sz="2000" b="0" strike="noStrike" spc="-1">
+              <a:solidFill>
+                <a:srgbClr val="000000"/>
+              </a:solidFill>
+              <a:latin typeface="Arial"/>
+            </a:endParaRPr>
+          </a:p>
+          <a:p>
+            <a:pPr marL="1371600" lvl="1" indent="-380520">
               <a:lnSpc>
                 <a:spcPct val="115000"/>
               </a:lnSpc>
@@ -7075,7 +7294,7 @@
               <a:buChar char="-"/>
             </a:pPr>
             <a:r>
-              <a:rPr b="0" lang="en-US" sz="2000" spc="-1" strike="noStrike">
+              <a:rPr lang="en-US" sz="2000" b="0" strike="noStrike" spc="-1">
                 <a:solidFill>
                   <a:srgbClr val="000000"/>
                 </a:solidFill>
@@ -7084,7 +7303,7 @@
               </a:rPr>
               <a:t>The learning rate slows down optimization and prevents overfitting</a:t>
             </a:r>
-            <a:endParaRPr b="0" lang="en-US" sz="2000" spc="-1" strike="noStrike">
+            <a:endParaRPr lang="en-US" sz="2000" b="0" strike="noStrike" spc="-1">
               <a:solidFill>
                 <a:srgbClr val="000000"/>
               </a:solidFill>
@@ -7095,22 +7314,25 @@
       </p:sp>
     </p:spTree>
   </p:cSld>
+  <p:clrMapOvr>
+    <a:masterClrMapping/>
+  </p:clrMapOvr>
   <p:timing>
     <p:tnLst>
       <p:par>
-        <p:cTn id="25" dur="indefinite" restart="never" nodeType="tmRoot">
+        <p:cTn xmlns:p14="http://schemas.microsoft.com/office/powerpoint/2010/main" id="1" dur="indefinite" restart="never" nodeType="tmRoot">
           <p:childTnLst>
             <p:seq>
-              <p:cTn id="26" dur="indefinite" nodeType="mainSeq"/>
+              <p:cTn id="2" dur="indefinite" nodeType="mainSeq"/>
               <p:prevCondLst>
-                <p:cond delay="0" evt="onPrev">
+                <p:cond evt="onPrev" delay="0">
                   <p:tgtEl>
                     <p:sldTgt/>
                   </p:tgtEl>
                 </p:cond>
               </p:prevCondLst>
               <p:nextCondLst>
-                <p:cond delay="0" evt="onNext">
+                <p:cond evt="onNext" delay="0">
                   <p:tgtEl>
                     <p:sldTgt/>
                   </p:tgtEl>
@@ -7126,7 +7348,7 @@
 </file>
 
 <file path=ppt/slides/slide14.xml><?xml version="1.0" encoding="utf-8"?>
-<p:sld xmlns:a="http://schemas.openxmlformats.org/drawingml/2006/main" xmlns:p="http://schemas.openxmlformats.org/presentationml/2006/main" xmlns:r="http://schemas.openxmlformats.org/officeDocument/2006/relationships" xmlns:p14="http://schemas.microsoft.com/office/powerpoint/2010/main" xmlns:p15="http://schemas.microsoft.com/office/powerpoint/2012/main" xmlns:mc="http://schemas.openxmlformats.org/markup-compatibility/2006">
+<p:sld xmlns:a="http://schemas.openxmlformats.org/drawingml/2006/main" xmlns:r="http://schemas.openxmlformats.org/officeDocument/2006/relationships" xmlns:p="http://schemas.openxmlformats.org/presentationml/2006/main">
   <p:cSld>
     <p:spTree>
       <p:nvGrpSpPr>
@@ -7163,6 +7385,7 @@
         </p:spPr>
         <p:txBody>
           <a:bodyPr tIns="91440" bIns="91440" anchor="b"/>
+          <a:lstStyle/>
           <a:p>
             <a:pPr>
               <a:lnSpc>
@@ -7170,7 +7393,7 @@
               </a:lnSpc>
             </a:pPr>
             <a:r>
-              <a:rPr b="0" lang="en-US" sz="4200" spc="-1" strike="noStrike">
+              <a:rPr lang="en-US" sz="4200" b="0" strike="noStrike" spc="-1">
                 <a:solidFill>
                   <a:srgbClr val="000000"/>
                 </a:solidFill>
@@ -7179,7 +7402,7 @@
               </a:rPr>
               <a:t>Boosting Benefits</a:t>
             </a:r>
-            <a:endParaRPr b="0" lang="en-US" sz="4200" spc="-1" strike="noStrike">
+            <a:endParaRPr lang="en-US" sz="4200" b="0" strike="noStrike" spc="-1">
               <a:solidFill>
                 <a:srgbClr val="000000"/>
               </a:solidFill>
@@ -7209,6 +7432,7 @@
         </p:spPr>
         <p:txBody>
           <a:bodyPr tIns="91440" bIns="91440"/>
+          <a:lstStyle/>
           <a:p>
             <a:pPr marL="457200" indent="-342720">
               <a:lnSpc>
@@ -7221,7 +7445,7 @@
               <a:buChar char="●"/>
             </a:pPr>
             <a:r>
-              <a:rPr b="0" lang="en-US" sz="1800" spc="-1" strike="noStrike">
+              <a:rPr lang="en-US" sz="1800" b="0" strike="noStrike" spc="-1">
                 <a:solidFill>
                   <a:srgbClr val="000000"/>
                 </a:solidFill>
@@ -7230,7 +7454,7 @@
               </a:rPr>
               <a:t>Better predictions</a:t>
             </a:r>
-            <a:endParaRPr b="0" lang="en-US" sz="1800" spc="-1" strike="noStrike">
+            <a:endParaRPr lang="en-US" sz="1800" b="0" strike="noStrike" spc="-1">
               <a:solidFill>
                 <a:srgbClr val="000000"/>
               </a:solidFill>
@@ -7249,7 +7473,7 @@
               <a:buChar char="●"/>
             </a:pPr>
             <a:r>
-              <a:rPr b="0" lang="en-US" sz="1800" spc="-1" strike="noStrike">
+              <a:rPr lang="en-US" sz="1800" b="0" strike="noStrike" spc="-1">
                 <a:solidFill>
                   <a:srgbClr val="000000"/>
                 </a:solidFill>
@@ -7258,7 +7482,7 @@
               </a:rPr>
               <a:t>Robust - invariant under monotone transformations of input variables, eg. xi, log(xi), sqrt(xi), yield same results</a:t>
             </a:r>
-            <a:endParaRPr b="0" lang="en-US" sz="1800" spc="-1" strike="noStrike">
+            <a:endParaRPr lang="en-US" sz="1800" b="0" strike="noStrike" spc="-1">
               <a:solidFill>
                 <a:srgbClr val="000000"/>
               </a:solidFill>
@@ -7277,7 +7501,7 @@
               <a:buChar char="●"/>
             </a:pPr>
             <a:r>
-              <a:rPr b="0" lang="en-US" sz="1800" spc="-1" strike="noStrike">
+              <a:rPr lang="en-US" sz="1800" b="0" strike="noStrike" spc="-1">
                 <a:solidFill>
                   <a:srgbClr val="000000"/>
                 </a:solidFill>
@@ -7286,7 +7510,7 @@
               </a:rPr>
               <a:t>So, consequently, robust to long-tailed distributions and outliers</a:t>
             </a:r>
-            <a:endParaRPr b="0" lang="en-US" sz="1800" spc="-1" strike="noStrike">
+            <a:endParaRPr lang="en-US" sz="1800" b="0" strike="noStrike" spc="-1">
               <a:solidFill>
                 <a:srgbClr val="000000"/>
               </a:solidFill>
@@ -7305,7 +7529,7 @@
               <a:buChar char="●"/>
             </a:pPr>
             <a:r>
-              <a:rPr b="0" lang="en-US" sz="1800" spc="-1" strike="noStrike">
+              <a:rPr lang="en-US" sz="1800" b="0" strike="noStrike" spc="-1">
                 <a:solidFill>
                   <a:srgbClr val="000000"/>
                 </a:solidFill>
@@ -7314,7 +7538,7 @@
               </a:rPr>
               <a:t>Handle missing values well, no need for imputation</a:t>
             </a:r>
-            <a:endParaRPr b="0" lang="en-US" sz="1800" spc="-1" strike="noStrike">
+            <a:endParaRPr lang="en-US" sz="1800" b="0" strike="noStrike" spc="-1">
               <a:solidFill>
                 <a:srgbClr val="000000"/>
               </a:solidFill>
@@ -7333,7 +7557,7 @@
               <a:buChar char="●"/>
             </a:pPr>
             <a:r>
-              <a:rPr b="0" lang="en-US" sz="1800" spc="-1" strike="noStrike">
+              <a:rPr lang="en-US" sz="1800" b="0" strike="noStrike" spc="-1">
                 <a:solidFill>
                   <a:srgbClr val="000000"/>
                 </a:solidFill>
@@ -7342,7 +7566,7 @@
               </a:rPr>
               <a:t>Ignore redundant variables</a:t>
             </a:r>
-            <a:endParaRPr b="0" lang="en-US" sz="1800" spc="-1" strike="noStrike">
+            <a:endParaRPr lang="en-US" sz="1800" b="0" strike="noStrike" spc="-1">
               <a:solidFill>
                 <a:srgbClr val="000000"/>
               </a:solidFill>
@@ -7361,7 +7585,7 @@
               <a:buChar char="●"/>
             </a:pPr>
             <a:r>
-              <a:rPr b="0" lang="en-US" sz="1800" spc="-1" strike="noStrike">
+              <a:rPr lang="en-US" sz="1800" b="0" strike="noStrike" spc="-1">
                 <a:solidFill>
                   <a:srgbClr val="000000"/>
                 </a:solidFill>
@@ -7370,7 +7594,7 @@
               </a:rPr>
               <a:t>Scales well, after sorting inputs, linear in #obs, #iterations, ~log(tree depth). Classification linear in #classes or better</a:t>
             </a:r>
-            <a:endParaRPr b="0" lang="en-US" sz="1800" spc="-1" strike="noStrike">
+            <a:endParaRPr lang="en-US" sz="1800" b="0" strike="noStrike" spc="-1">
               <a:solidFill>
                 <a:srgbClr val="000000"/>
               </a:solidFill>
@@ -7389,7 +7613,7 @@
               <a:buChar char="●"/>
             </a:pPr>
             <a:r>
-              <a:rPr b="0" lang="en-US" sz="1800" spc="-1" strike="noStrike">
+              <a:rPr lang="en-US" sz="1800" b="0" strike="noStrike" spc="-1">
                 <a:solidFill>
                   <a:srgbClr val="000000"/>
                 </a:solidFill>
@@ -7398,7 +7622,7 @@
               </a:rPr>
               <a:t>Small trees are better - usually depth 2-3</a:t>
             </a:r>
-            <a:endParaRPr b="0" lang="en-US" sz="1800" spc="-1" strike="noStrike">
+            <a:endParaRPr lang="en-US" sz="1800" b="0" strike="noStrike" spc="-1">
               <a:solidFill>
                 <a:srgbClr val="000000"/>
               </a:solidFill>
@@ -7417,7 +7641,7 @@
               <a:buChar char="●"/>
             </a:pPr>
             <a:r>
-              <a:rPr b="0" lang="en-US" sz="1800" spc="-1" strike="noStrike">
+              <a:rPr lang="en-US" sz="1800" b="0" strike="noStrike" spc="-1">
                 <a:solidFill>
                   <a:srgbClr val="000000"/>
                 </a:solidFill>
@@ -7426,7 +7650,7 @@
               </a:rPr>
               <a:t>Depth of trees corresponds to interactions between predictors</a:t>
             </a:r>
-            <a:endParaRPr b="0" lang="en-US" sz="1800" spc="-1" strike="noStrike">
+            <a:endParaRPr lang="en-US" sz="1800" b="0" strike="noStrike" spc="-1">
               <a:solidFill>
                 <a:srgbClr val="000000"/>
               </a:solidFill>
@@ -7445,7 +7669,7 @@
               <a:buChar char="●"/>
             </a:pPr>
             <a:r>
-              <a:rPr b="0" lang="en-US" sz="1800" spc="-1" strike="noStrike">
+              <a:rPr lang="en-US" sz="1800" b="0" strike="noStrike" spc="-1">
                 <a:solidFill>
                   <a:srgbClr val="000000"/>
                 </a:solidFill>
@@ -7454,7 +7678,7 @@
               </a:rPr>
               <a:t>XGBoost does tree-building in parallel, however the algorithm is inherently iterative, so can’t be fully parallelized like random forests’</a:t>
             </a:r>
-            <a:endParaRPr b="0" lang="en-US" sz="1800" spc="-1" strike="noStrike">
+            <a:endParaRPr lang="en-US" sz="1800" b="0" strike="noStrike" spc="-1">
               <a:solidFill>
                 <a:srgbClr val="000000"/>
               </a:solidFill>
@@ -7473,7 +7697,7 @@
               <a:buChar char="●"/>
             </a:pPr>
             <a:r>
-              <a:rPr b="0" lang="en-US" sz="1800" spc="-1" strike="noStrike">
+              <a:rPr lang="en-US" sz="1800" b="0" strike="noStrike" spc="-1">
                 <a:solidFill>
                   <a:srgbClr val="000000"/>
                 </a:solidFill>
@@ -7482,7 +7706,7 @@
               </a:rPr>
               <a:t>XGBoost models can be updated with new data any time</a:t>
             </a:r>
-            <a:endParaRPr b="0" lang="en-US" sz="1800" spc="-1" strike="noStrike">
+            <a:endParaRPr lang="en-US" sz="1800" b="0" strike="noStrike" spc="-1">
               <a:solidFill>
                 <a:srgbClr val="000000"/>
               </a:solidFill>
@@ -7493,22 +7717,25 @@
       </p:sp>
     </p:spTree>
   </p:cSld>
+  <p:clrMapOvr>
+    <a:masterClrMapping/>
+  </p:clrMapOvr>
   <p:timing>
     <p:tnLst>
       <p:par>
-        <p:cTn id="27" dur="indefinite" restart="never" nodeType="tmRoot">
+        <p:cTn xmlns:p14="http://schemas.microsoft.com/office/powerpoint/2010/main" id="1" dur="indefinite" restart="never" nodeType="tmRoot">
           <p:childTnLst>
             <p:seq>
-              <p:cTn id="28" dur="indefinite" nodeType="mainSeq"/>
+              <p:cTn id="2" dur="indefinite" nodeType="mainSeq"/>
               <p:prevCondLst>
-                <p:cond delay="0" evt="onPrev">
+                <p:cond evt="onPrev" delay="0">
                   <p:tgtEl>
                     <p:sldTgt/>
                   </p:tgtEl>
                 </p:cond>
               </p:prevCondLst>
               <p:nextCondLst>
-                <p:cond delay="0" evt="onNext">
+                <p:cond evt="onNext" delay="0">
                   <p:tgtEl>
                     <p:sldTgt/>
                   </p:tgtEl>
@@ -7524,7 +7751,7 @@
 </file>
 
 <file path=ppt/slides/slide15.xml><?xml version="1.0" encoding="utf-8"?>
-<p:sld xmlns:a="http://schemas.openxmlformats.org/drawingml/2006/main" xmlns:p="http://schemas.openxmlformats.org/presentationml/2006/main" xmlns:r="http://schemas.openxmlformats.org/officeDocument/2006/relationships" xmlns:p14="http://schemas.microsoft.com/office/powerpoint/2010/main" xmlns:p15="http://schemas.microsoft.com/office/powerpoint/2012/main" xmlns:mc="http://schemas.openxmlformats.org/markup-compatibility/2006">
+<p:sld xmlns:a="http://schemas.openxmlformats.org/drawingml/2006/main" xmlns:r="http://schemas.openxmlformats.org/officeDocument/2006/relationships" xmlns:p="http://schemas.openxmlformats.org/presentationml/2006/main">
   <p:cSld>
     <p:spTree>
       <p:nvGrpSpPr>
@@ -7561,6 +7788,7 @@
         </p:spPr>
         <p:txBody>
           <a:bodyPr tIns="91440" bIns="91440" anchor="b"/>
+          <a:lstStyle/>
           <a:p>
             <a:pPr>
               <a:lnSpc>
@@ -7568,7 +7796,7 @@
               </a:lnSpc>
             </a:pPr>
             <a:r>
-              <a:rPr b="0" lang="en-US" sz="4200" spc="-1" strike="noStrike">
+              <a:rPr lang="en-US" sz="4200" b="0" strike="noStrike" spc="-1">
                 <a:solidFill>
                   <a:srgbClr val="000000"/>
                 </a:solidFill>
@@ -7577,7 +7805,7 @@
               </a:rPr>
               <a:t>XGBoost Validation</a:t>
             </a:r>
-            <a:endParaRPr b="0" lang="en-US" sz="4200" spc="-1" strike="noStrike">
+            <a:endParaRPr lang="en-US" sz="4200" b="0" strike="noStrike" spc="-1">
               <a:solidFill>
                 <a:srgbClr val="000000"/>
               </a:solidFill>
@@ -7607,6 +7835,7 @@
         </p:spPr>
         <p:txBody>
           <a:bodyPr tIns="91440" bIns="91440"/>
+          <a:lstStyle/>
           <a:p>
             <a:pPr marL="457200" indent="-342720">
               <a:lnSpc>
@@ -7619,7 +7848,7 @@
               <a:buChar char="●"/>
             </a:pPr>
             <a:r>
-              <a:rPr b="0" lang="en-US" sz="1800" spc="-1" strike="noStrike">
+              <a:rPr lang="en-US" sz="1800" b="0" strike="noStrike" spc="-1">
                 <a:solidFill>
                   <a:srgbClr val="000000"/>
                 </a:solidFill>
@@ -7628,7 +7857,7 @@
               </a:rPr>
               <a:t>Can watch validation metrics as model is being fitted</a:t>
             </a:r>
-            <a:endParaRPr b="0" lang="en-US" sz="1800" spc="-1" strike="noStrike">
+            <a:endParaRPr lang="en-US" sz="1800" b="0" strike="noStrike" spc="-1">
               <a:solidFill>
                 <a:srgbClr val="000000"/>
               </a:solidFill>
@@ -7639,12 +7868,12 @@
       </p:sp>
       <p:pic>
         <p:nvPicPr>
-          <p:cNvPr id="168" name="Google Shape;165;p27" descr=""/>
+          <p:cNvPr id="168" name="Google Shape;165;p27"/>
           <p:cNvPicPr/>
           <p:nvPr/>
         </p:nvPicPr>
         <p:blipFill>
-          <a:blip r:embed="rId1"/>
+          <a:blip r:embed="rId2"/>
           <a:stretch/>
         </p:blipFill>
         <p:spPr>
@@ -7662,22 +7891,25 @@
       </p:pic>
     </p:spTree>
   </p:cSld>
+  <p:clrMapOvr>
+    <a:masterClrMapping/>
+  </p:clrMapOvr>
   <p:timing>
     <p:tnLst>
       <p:par>
-        <p:cTn id="29" dur="indefinite" restart="never" nodeType="tmRoot">
+        <p:cTn xmlns:p14="http://schemas.microsoft.com/office/powerpoint/2010/main" id="1" dur="indefinite" restart="never" nodeType="tmRoot">
           <p:childTnLst>
             <p:seq>
-              <p:cTn id="30" dur="indefinite" nodeType="mainSeq"/>
+              <p:cTn id="2" dur="indefinite" nodeType="mainSeq"/>
               <p:prevCondLst>
-                <p:cond delay="0" evt="onPrev">
+                <p:cond evt="onPrev" delay="0">
                   <p:tgtEl>
                     <p:sldTgt/>
                   </p:tgtEl>
                 </p:cond>
               </p:prevCondLst>
               <p:nextCondLst>
-                <p:cond delay="0" evt="onNext">
+                <p:cond evt="onNext" delay="0">
                   <p:tgtEl>
                     <p:sldTgt/>
                   </p:tgtEl>
@@ -7693,7 +7925,7 @@
 </file>
 
 <file path=ppt/slides/slide16.xml><?xml version="1.0" encoding="utf-8"?>
-<p:sld xmlns:a="http://schemas.openxmlformats.org/drawingml/2006/main" xmlns:p="http://schemas.openxmlformats.org/presentationml/2006/main" xmlns:r="http://schemas.openxmlformats.org/officeDocument/2006/relationships" xmlns:p14="http://schemas.microsoft.com/office/powerpoint/2010/main" xmlns:p15="http://schemas.microsoft.com/office/powerpoint/2012/main" xmlns:mc="http://schemas.openxmlformats.org/markup-compatibility/2006">
+<p:sld xmlns:a="http://schemas.openxmlformats.org/drawingml/2006/main" xmlns:r="http://schemas.openxmlformats.org/officeDocument/2006/relationships" xmlns:p="http://schemas.openxmlformats.org/presentationml/2006/main">
   <p:cSld>
     <p:spTree>
       <p:nvGrpSpPr>
@@ -7730,6 +7962,7 @@
         </p:spPr>
         <p:txBody>
           <a:bodyPr tIns="91440" bIns="91440" anchor="b"/>
+          <a:lstStyle/>
           <a:p>
             <a:pPr>
               <a:lnSpc>
@@ -7737,7 +7970,7 @@
               </a:lnSpc>
             </a:pPr>
             <a:r>
-              <a:rPr b="0" lang="en-US" sz="4200" spc="-1" strike="noStrike">
+              <a:rPr lang="en-US" sz="4200" b="0" strike="noStrike" spc="-1">
                 <a:solidFill>
                   <a:srgbClr val="000000"/>
                 </a:solidFill>
@@ -7746,7 +7979,7 @@
               </a:rPr>
               <a:t>XGBoost Parameters</a:t>
             </a:r>
-            <a:endParaRPr b="0" lang="en-US" sz="4200" spc="-1" strike="noStrike">
+            <a:endParaRPr lang="en-US" sz="4200" b="0" strike="noStrike" spc="-1">
               <a:solidFill>
                 <a:srgbClr val="000000"/>
               </a:solidFill>
@@ -7776,6 +8009,7 @@
         </p:spPr>
         <p:txBody>
           <a:bodyPr tIns="91440" bIns="91440"/>
+          <a:lstStyle/>
           <a:p>
             <a:pPr marL="457200" indent="-355320">
               <a:lnSpc>
@@ -7788,7 +8022,7 @@
               <a:buChar char="●"/>
             </a:pPr>
             <a:r>
-              <a:rPr b="0" lang="en-US" sz="2000" spc="-1" strike="noStrike">
+              <a:rPr lang="en-US" sz="2000" b="0" strike="noStrike" spc="-1">
                 <a:solidFill>
                   <a:srgbClr val="000000"/>
                 </a:solidFill>
@@ -7797,7 +8031,7 @@
               </a:rPr>
               <a:t>Loss function: function to be minimized to determine splits</a:t>
             </a:r>
-            <a:endParaRPr b="0" lang="en-US" sz="2000" spc="-1" strike="noStrike">
+            <a:endParaRPr lang="en-US" sz="2000" b="0" strike="noStrike" spc="-1">
               <a:solidFill>
                 <a:srgbClr val="000000"/>
               </a:solidFill>
@@ -7816,7 +8050,7 @@
               <a:buChar char="●"/>
             </a:pPr>
             <a:r>
-              <a:rPr b="0" lang="en-US" sz="2000" spc="-1" strike="noStrike">
+              <a:rPr lang="en-US" sz="2000" b="0" strike="noStrike" spc="-1">
                 <a:solidFill>
                   <a:srgbClr val="000000"/>
                 </a:solidFill>
@@ -7825,7 +8059,7 @@
               </a:rPr>
               <a:t>Objective function: function to maximize + regularization</a:t>
             </a:r>
-            <a:endParaRPr b="0" lang="en-US" sz="2000" spc="-1" strike="noStrike">
+            <a:endParaRPr lang="en-US" sz="2000" b="0" strike="noStrike" spc="-1">
               <a:solidFill>
                 <a:srgbClr val="000000"/>
               </a:solidFill>
@@ -7844,7 +8078,7 @@
               <a:buChar char="●"/>
             </a:pPr>
             <a:r>
-              <a:rPr b="0" lang="en-US" sz="2000" spc="-1" strike="noStrike">
+              <a:rPr lang="en-US" sz="2000" b="0" strike="noStrike" spc="-1">
                 <a:solidFill>
                   <a:srgbClr val="000000"/>
                 </a:solidFill>
@@ -7853,7 +8087,7 @@
               </a:rPr>
               <a:t>With XGBoost, these are both customizable</a:t>
             </a:r>
-            <a:endParaRPr b="0" lang="en-US" sz="2000" spc="-1" strike="noStrike">
+            <a:endParaRPr lang="en-US" sz="2000" b="0" strike="noStrike" spc="-1">
               <a:solidFill>
                 <a:srgbClr val="000000"/>
               </a:solidFill>
@@ -7872,7 +8106,7 @@
               <a:buChar char="●"/>
             </a:pPr>
             <a:r>
-              <a:rPr b="0" lang="en-US" sz="2000" spc="-1" strike="noStrike">
+              <a:rPr lang="en-US" sz="2000" b="0" strike="noStrike" spc="-1">
                 <a:solidFill>
                   <a:srgbClr val="000000"/>
                 </a:solidFill>
@@ -7881,7 +8115,7 @@
               </a:rPr>
               <a:t>Learning rate - the shrinkage parameter</a:t>
             </a:r>
-            <a:endParaRPr b="0" lang="en-US" sz="2000" spc="-1" strike="noStrike">
+            <a:endParaRPr lang="en-US" sz="2000" b="0" strike="noStrike" spc="-1">
               <a:solidFill>
                 <a:srgbClr val="000000"/>
               </a:solidFill>
@@ -7900,7 +8134,7 @@
               <a:buChar char="●"/>
             </a:pPr>
             <a:r>
-              <a:rPr b="0" lang="en-US" sz="2000" spc="-1" strike="noStrike">
+              <a:rPr lang="en-US" sz="2000" b="0" strike="noStrike" spc="-1">
                 <a:solidFill>
                   <a:srgbClr val="000000"/>
                 </a:solidFill>
@@ -7909,7 +8143,7 @@
               </a:rPr>
               <a:t>Number of rounds of boosting</a:t>
             </a:r>
-            <a:endParaRPr b="0" lang="en-US" sz="2000" spc="-1" strike="noStrike">
+            <a:endParaRPr lang="en-US" sz="2000" b="0" strike="noStrike" spc="-1">
               <a:solidFill>
                 <a:srgbClr val="000000"/>
               </a:solidFill>
@@ -7928,7 +8162,7 @@
               <a:buChar char="●"/>
             </a:pPr>
             <a:r>
-              <a:rPr b="0" lang="en-US" sz="2000" spc="-1" strike="noStrike">
+              <a:rPr lang="en-US" sz="2000" b="0" strike="noStrike" spc="-1">
                 <a:solidFill>
                   <a:srgbClr val="000000"/>
                 </a:solidFill>
@@ -7937,7 +8171,7 @@
               </a:rPr>
               <a:t>Parameters to the weak learner, eg. trees or linear models</a:t>
             </a:r>
-            <a:endParaRPr b="0" lang="en-US" sz="2000" spc="-1" strike="noStrike">
+            <a:endParaRPr lang="en-US" sz="2000" b="0" strike="noStrike" spc="-1">
               <a:solidFill>
                 <a:srgbClr val="000000"/>
               </a:solidFill>
@@ -7956,7 +8190,7 @@
               <a:buChar char="●"/>
             </a:pPr>
             <a:r>
-              <a:rPr b="0" lang="en-US" sz="2000" spc="-1" strike="noStrike">
+              <a:rPr lang="en-US" sz="2000" b="0" strike="noStrike" spc="-1">
                 <a:solidFill>
                   <a:srgbClr val="000000"/>
                 </a:solidFill>
@@ -7965,7 +8199,7 @@
               </a:rPr>
               <a:t>Callback functions - customizable functions that are called either before or after an iteration. These can be used for early-stopping, eg. the error hasn’t decreased for a while, or for resetting the learning rate, etc.</a:t>
             </a:r>
-            <a:endParaRPr b="0" lang="en-US" sz="2000" spc="-1" strike="noStrike">
+            <a:endParaRPr lang="en-US" sz="2000" b="0" strike="noStrike" spc="-1">
               <a:solidFill>
                 <a:srgbClr val="000000"/>
               </a:solidFill>
@@ -7984,7 +8218,7 @@
               <a:buChar char="●"/>
             </a:pPr>
             <a:r>
-              <a:rPr b="0" lang="en-US" sz="2000" spc="-1" strike="noStrike">
+              <a:rPr lang="en-US" sz="2000" b="0" strike="noStrike" spc="-1">
                 <a:solidFill>
                   <a:srgbClr val="000000"/>
                 </a:solidFill>
@@ -7993,7 +8227,7 @@
               </a:rPr>
               <a:t>Lots of additional customization parameters.</a:t>
             </a:r>
-            <a:endParaRPr b="0" lang="en-US" sz="2000" spc="-1" strike="noStrike">
+            <a:endParaRPr lang="en-US" sz="2000" b="0" strike="noStrike" spc="-1">
               <a:solidFill>
                 <a:srgbClr val="000000"/>
               </a:solidFill>
@@ -8004,22 +8238,25 @@
       </p:sp>
     </p:spTree>
   </p:cSld>
+  <p:clrMapOvr>
+    <a:masterClrMapping/>
+  </p:clrMapOvr>
   <p:timing>
     <p:tnLst>
       <p:par>
-        <p:cTn id="31" dur="indefinite" restart="never" nodeType="tmRoot">
+        <p:cTn xmlns:p14="http://schemas.microsoft.com/office/powerpoint/2010/main" id="1" dur="indefinite" restart="never" nodeType="tmRoot">
           <p:childTnLst>
             <p:seq>
-              <p:cTn id="32" dur="indefinite" nodeType="mainSeq"/>
+              <p:cTn id="2" dur="indefinite" nodeType="mainSeq"/>
               <p:prevCondLst>
-                <p:cond delay="0" evt="onPrev">
+                <p:cond evt="onPrev" delay="0">
                   <p:tgtEl>
                     <p:sldTgt/>
                   </p:tgtEl>
                 </p:cond>
               </p:prevCondLst>
               <p:nextCondLst>
-                <p:cond delay="0" evt="onNext">
+                <p:cond evt="onNext" delay="0">
                   <p:tgtEl>
                     <p:sldTgt/>
                   </p:tgtEl>
@@ -8035,7 +8272,7 @@
 </file>
 
 <file path=ppt/slides/slide17.xml><?xml version="1.0" encoding="utf-8"?>
-<p:sld xmlns:a="http://schemas.openxmlformats.org/drawingml/2006/main" xmlns:p="http://schemas.openxmlformats.org/presentationml/2006/main" xmlns:r="http://schemas.openxmlformats.org/officeDocument/2006/relationships" xmlns:p14="http://schemas.microsoft.com/office/powerpoint/2010/main" xmlns:p15="http://schemas.microsoft.com/office/powerpoint/2012/main" xmlns:mc="http://schemas.openxmlformats.org/markup-compatibility/2006">
+<p:sld xmlns:a="http://schemas.openxmlformats.org/drawingml/2006/main" xmlns:r="http://schemas.openxmlformats.org/officeDocument/2006/relationships" xmlns:p="http://schemas.openxmlformats.org/presentationml/2006/main">
   <p:cSld>
     <p:spTree>
       <p:nvGrpSpPr>
@@ -8072,6 +8309,7 @@
         </p:spPr>
         <p:txBody>
           <a:bodyPr tIns="91440" bIns="91440" anchor="b"/>
+          <a:lstStyle/>
           <a:p>
             <a:pPr>
               <a:lnSpc>
@@ -8079,7 +8317,7 @@
               </a:lnSpc>
             </a:pPr>
             <a:r>
-              <a:rPr b="0" lang="en-US" sz="4200" spc="-1" strike="noStrike">
+              <a:rPr lang="en-US" sz="4200" b="0" strike="noStrike" spc="-1">
                 <a:solidFill>
                   <a:srgbClr val="000000"/>
                 </a:solidFill>
@@ -8088,7 +8326,7 @@
               </a:rPr>
               <a:t>Interpreting Results</a:t>
             </a:r>
-            <a:endParaRPr b="0" lang="en-US" sz="4200" spc="-1" strike="noStrike">
+            <a:endParaRPr lang="en-US" sz="4200" b="0" strike="noStrike" spc="-1">
               <a:solidFill>
                 <a:srgbClr val="000000"/>
               </a:solidFill>
@@ -8118,6 +8356,7 @@
         </p:spPr>
         <p:txBody>
           <a:bodyPr tIns="91440" bIns="91440"/>
+          <a:lstStyle/>
           <a:p>
             <a:pPr marL="457200" indent="-355320">
               <a:lnSpc>
@@ -8130,7 +8369,7 @@
               <a:buChar char="●"/>
             </a:pPr>
             <a:r>
-              <a:rPr b="0" lang="en-US" sz="2000" spc="-1" strike="noStrike">
+              <a:rPr lang="en-US" sz="2000" b="0" strike="noStrike" spc="-1">
                 <a:solidFill>
                   <a:srgbClr val="000000"/>
                 </a:solidFill>
@@ -8139,15 +8378,15 @@
               </a:rPr>
               <a:t>Variable Importance Plot: </a:t>
             </a:r>
-            <a:endParaRPr b="0" lang="en-US" sz="2000" spc="-1" strike="noStrike">
-              <a:solidFill>
-                <a:srgbClr val="000000"/>
-              </a:solidFill>
-              <a:latin typeface="Arial"/>
-            </a:endParaRPr>
-          </a:p>
-          <a:p>
-            <a:pPr lvl="1" marL="914400" indent="-355320">
+            <a:endParaRPr lang="en-US" sz="2000" b="0" strike="noStrike" spc="-1">
+              <a:solidFill>
+                <a:srgbClr val="000000"/>
+              </a:solidFill>
+              <a:latin typeface="Arial"/>
+            </a:endParaRPr>
+          </a:p>
+          <a:p>
+            <a:pPr marL="914400" lvl="1" indent="-355320">
               <a:lnSpc>
                 <a:spcPct val="115000"/>
               </a:lnSpc>
@@ -8158,44 +8397,24 @@
               <a:buChar char="○"/>
             </a:pPr>
             <a:r>
-              <a:rPr b="0" lang="en-US" sz="2000" spc="-1" strike="noStrike">
+              <a:rPr lang="en-US" sz="2000" b="0" strike="noStrike" spc="-1">
                 <a:solidFill>
                   <a:srgbClr val="000000"/>
                 </a:solidFill>
                 <a:latin typeface="Open Sans"/>
                 <a:ea typeface="Open Sans"/>
               </a:rPr>
-              <a:t>Meant to deal with interpretability problem of </a:t>
-            </a:r>
-            <a:r>
-              <a:rPr b="0" lang="en-US" sz="2000" spc="-1" strike="noStrike">
-                <a:solidFill>
-                  <a:srgbClr val="000000"/>
-                </a:solidFill>
-                <a:latin typeface="Open Sans"/>
-                <a:ea typeface="Open Sans"/>
-              </a:rPr>
-              <a:t>agglomerative model =&gt; the bagged model is no longer a </a:t>
-            </a:r>
-            <a:r>
-              <a:rPr b="0" lang="en-US" sz="2000" spc="-1" strike="noStrike">
-                <a:solidFill>
-                  <a:srgbClr val="000000"/>
-                </a:solidFill>
-                <a:latin typeface="Open Sans"/>
-                <a:ea typeface="Open Sans"/>
-              </a:rPr>
-              <a:t>single tree with easy to interpret splits</a:t>
-            </a:r>
-            <a:endParaRPr b="0" lang="en-US" sz="2000" spc="-1" strike="noStrike">
-              <a:solidFill>
-                <a:srgbClr val="000000"/>
-              </a:solidFill>
-              <a:latin typeface="Arial"/>
-            </a:endParaRPr>
-          </a:p>
-          <a:p>
-            <a:pPr lvl="1" marL="914400" indent="-355320">
+              <a:t>Meant to deal with interpretability problem of agglomerative model =&gt; the bagged model is no longer a single tree with easy to interpret splits</a:t>
+            </a:r>
+            <a:endParaRPr lang="en-US" sz="2000" b="0" strike="noStrike" spc="-1">
+              <a:solidFill>
+                <a:srgbClr val="000000"/>
+              </a:solidFill>
+              <a:latin typeface="Arial"/>
+            </a:endParaRPr>
+          </a:p>
+          <a:p>
+            <a:pPr marL="914400" lvl="1" indent="-355320">
               <a:lnSpc>
                 <a:spcPct val="115000"/>
               </a:lnSpc>
@@ -8206,44 +8425,24 @@
               <a:buChar char="○"/>
             </a:pPr>
             <a:r>
-              <a:rPr b="0" lang="en-US" sz="2000" spc="-1" strike="noStrike">
+              <a:rPr lang="en-US" sz="2000" b="0" strike="noStrike" spc="-1">
                 <a:solidFill>
                   <a:srgbClr val="000000"/>
                 </a:solidFill>
                 <a:latin typeface="Open Sans"/>
                 <a:ea typeface="Open Sans"/>
               </a:rPr>
-              <a:t>Summarizes the importance of each predictor on the </a:t>
-            </a:r>
-            <a:r>
-              <a:rPr b="0" lang="en-US" sz="2000" spc="-1" strike="noStrike">
-                <a:solidFill>
-                  <a:srgbClr val="000000"/>
-                </a:solidFill>
-                <a:latin typeface="Open Sans"/>
-                <a:ea typeface="Open Sans"/>
-              </a:rPr>
-              <a:t>outcome by the reduction in loss function when splitting on </a:t>
-            </a:r>
-            <a:r>
-              <a:rPr b="0" lang="en-US" sz="2000" spc="-1" strike="noStrike">
-                <a:solidFill>
-                  <a:srgbClr val="000000"/>
-                </a:solidFill>
-                <a:latin typeface="Open Sans"/>
-                <a:ea typeface="Open Sans"/>
-              </a:rPr>
-              <a:t>the predictor</a:t>
-            </a:r>
-            <a:endParaRPr b="0" lang="en-US" sz="2000" spc="-1" strike="noStrike">
-              <a:solidFill>
-                <a:srgbClr val="000000"/>
-              </a:solidFill>
-              <a:latin typeface="Arial"/>
-            </a:endParaRPr>
-          </a:p>
-          <a:p>
-            <a:pPr lvl="1" marL="914400" indent="-355320">
+              <a:t>Summarizes the importance of each predictor on the outcome by the reduction in loss function when splitting on the predictor</a:t>
+            </a:r>
+            <a:endParaRPr lang="en-US" sz="2000" b="0" strike="noStrike" spc="-1">
+              <a:solidFill>
+                <a:srgbClr val="000000"/>
+              </a:solidFill>
+              <a:latin typeface="Arial"/>
+            </a:endParaRPr>
+          </a:p>
+          <a:p>
+            <a:pPr marL="914400" lvl="1" indent="-355320">
               <a:lnSpc>
                 <a:spcPct val="115000"/>
               </a:lnSpc>
@@ -8254,7 +8453,7 @@
               <a:buChar char="○"/>
             </a:pPr>
             <a:r>
-              <a:rPr b="0" lang="en-US" sz="2000" spc="-1" strike="noStrike">
+              <a:rPr lang="en-US" sz="2000" b="0" strike="noStrike" spc="-1">
                 <a:solidFill>
                   <a:srgbClr val="000000"/>
                 </a:solidFill>
@@ -8263,15 +8462,15 @@
               </a:rPr>
               <a:t>Reductions are averaged over all trees</a:t>
             </a:r>
-            <a:endParaRPr b="0" lang="en-US" sz="2000" spc="-1" strike="noStrike">
-              <a:solidFill>
-                <a:srgbClr val="000000"/>
-              </a:solidFill>
-              <a:latin typeface="Arial"/>
-            </a:endParaRPr>
-          </a:p>
-          <a:p>
-            <a:pPr lvl="1" marL="914400" indent="-355320">
+            <a:endParaRPr lang="en-US" sz="2000" b="0" strike="noStrike" spc="-1">
+              <a:solidFill>
+                <a:srgbClr val="000000"/>
+              </a:solidFill>
+              <a:latin typeface="Arial"/>
+            </a:endParaRPr>
+          </a:p>
+          <a:p>
+            <a:pPr marL="914400" lvl="1" indent="-355320">
               <a:lnSpc>
                 <a:spcPct val="115000"/>
               </a:lnSpc>
@@ -8282,26 +8481,16 @@
               <a:buChar char="○"/>
             </a:pPr>
             <a:r>
-              <a:rPr b="0" lang="en-US" sz="2000" spc="-1" strike="noStrike">
+              <a:rPr lang="en-US" sz="2000" b="0" strike="noStrike" spc="-1">
                 <a:solidFill>
                   <a:srgbClr val="000000"/>
                 </a:solidFill>
                 <a:latin typeface="Open Sans"/>
                 <a:ea typeface="Open Sans"/>
               </a:rPr>
-              <a:t>For regression this could be reduction in RSS/RMSE, for </a:t>
-            </a:r>
-            <a:r>
-              <a:rPr b="0" lang="en-US" sz="2000" spc="-1" strike="noStrike">
-                <a:solidFill>
-                  <a:srgbClr val="000000"/>
-                </a:solidFill>
-                <a:latin typeface="Open Sans"/>
-                <a:ea typeface="Open Sans"/>
-              </a:rPr>
-              <a:t>classification reduction in Gini index</a:t>
-            </a:r>
-            <a:endParaRPr b="0" lang="en-US" sz="2000" spc="-1" strike="noStrike">
+              <a:t>For regression this could be reduction in RSS/RMSE, for classification reduction in Gini index</a:t>
+            </a:r>
+            <a:endParaRPr lang="en-US" sz="2000" b="0" strike="noStrike" spc="-1">
               <a:solidFill>
                 <a:srgbClr val="000000"/>
               </a:solidFill>
@@ -8312,22 +8501,25 @@
       </p:sp>
     </p:spTree>
   </p:cSld>
+  <p:clrMapOvr>
+    <a:masterClrMapping/>
+  </p:clrMapOvr>
   <p:timing>
     <p:tnLst>
       <p:par>
-        <p:cTn id="33" dur="indefinite" restart="never" nodeType="tmRoot">
+        <p:cTn xmlns:p14="http://schemas.microsoft.com/office/powerpoint/2010/main" id="1" dur="indefinite" restart="never" nodeType="tmRoot">
           <p:childTnLst>
             <p:seq>
-              <p:cTn id="34" dur="indefinite" nodeType="mainSeq"/>
+              <p:cTn id="2" dur="indefinite" nodeType="mainSeq"/>
               <p:prevCondLst>
-                <p:cond delay="0" evt="onPrev">
+                <p:cond evt="onPrev" delay="0">
                   <p:tgtEl>
                     <p:sldTgt/>
                   </p:tgtEl>
                 </p:cond>
               </p:prevCondLst>
               <p:nextCondLst>
-                <p:cond delay="0" evt="onNext">
+                <p:cond evt="onNext" delay="0">
                   <p:tgtEl>
                     <p:sldTgt/>
                   </p:tgtEl>
@@ -8343,7 +8535,7 @@
 </file>
 
 <file path=ppt/slides/slide18.xml><?xml version="1.0" encoding="utf-8"?>
-<p:sld xmlns:a="http://schemas.openxmlformats.org/drawingml/2006/main" xmlns:p="http://schemas.openxmlformats.org/presentationml/2006/main" xmlns:r="http://schemas.openxmlformats.org/officeDocument/2006/relationships" xmlns:p14="http://schemas.microsoft.com/office/powerpoint/2010/main" xmlns:p15="http://schemas.microsoft.com/office/powerpoint/2012/main" xmlns:mc="http://schemas.openxmlformats.org/markup-compatibility/2006">
+<p:sld xmlns:a="http://schemas.openxmlformats.org/drawingml/2006/main" xmlns:r="http://schemas.openxmlformats.org/officeDocument/2006/relationships" xmlns:p="http://schemas.openxmlformats.org/presentationml/2006/main">
   <p:cSld>
     <p:spTree>
       <p:nvGrpSpPr>
@@ -8380,6 +8572,7 @@
         </p:spPr>
         <p:txBody>
           <a:bodyPr tIns="91440" bIns="91440" anchor="b"/>
+          <a:lstStyle/>
           <a:p>
             <a:pPr>
               <a:lnSpc>
@@ -8387,7 +8580,7 @@
               </a:lnSpc>
             </a:pPr>
             <a:r>
-              <a:rPr b="0" lang="en-US" sz="4200" spc="-1" strike="noStrike">
+              <a:rPr lang="en-US" sz="4200" b="0" strike="noStrike" spc="-1">
                 <a:solidFill>
                   <a:srgbClr val="000000"/>
                 </a:solidFill>
@@ -8396,7 +8589,7 @@
               </a:rPr>
               <a:t>Python XGBoost Interface</a:t>
             </a:r>
-            <a:endParaRPr b="0" lang="en-US" sz="4200" spc="-1" strike="noStrike">
+            <a:endParaRPr lang="en-US" sz="4200" b="0" strike="noStrike" spc="-1">
               <a:solidFill>
                 <a:srgbClr val="000000"/>
               </a:solidFill>
@@ -8426,6 +8619,7 @@
         </p:spPr>
         <p:txBody>
           <a:bodyPr tIns="91440" bIns="91440"/>
+          <a:lstStyle/>
           <a:p>
             <a:pPr marL="457200" indent="-355320">
               <a:lnSpc>
@@ -8438,7 +8632,7 @@
               <a:buChar char="●"/>
             </a:pPr>
             <a:r>
-              <a:rPr b="0" lang="en-US" sz="1800" spc="-1" strike="noStrike">
+              <a:rPr lang="en-US" sz="1800" b="0" strike="noStrike" spc="-1">
                 <a:solidFill>
                   <a:srgbClr val="000000"/>
                 </a:solidFill>
@@ -8448,19 +8642,19 @@
               <a:t>XGBoost uses its own optimized data structure called a DMatrix to store features and labels. These can be created from Pandas DataFrames or from scipy.sparse types - see </a:t>
             </a:r>
             <a:r>
-              <a:rPr b="0" lang="en-US" sz="1800" spc="-1" strike="noStrike" u="sng">
-                <a:solidFill>
-                  <a:srgbClr val="57bb8a"/>
+              <a:rPr lang="en-US" sz="1800" b="0" u="sng" strike="noStrike" spc="-1">
+                <a:solidFill>
+                  <a:srgbClr val="57BB8A"/>
                 </a:solidFill>
                 <a:uFillTx/>
                 <a:latin typeface="Open Sans"/>
                 <a:ea typeface="Open Sans"/>
-                <a:hlinkClick r:id="rId1"/>
+                <a:hlinkClick r:id="rId2"/>
               </a:rPr>
               <a:t>conversion example</a:t>
             </a:r>
             <a:r>
-              <a:rPr b="0" lang="en-US" sz="1800" spc="-1" strike="noStrike">
+              <a:rPr lang="en-US" sz="1800" b="0" strike="noStrike" spc="-1">
                 <a:solidFill>
                   <a:srgbClr val="000000"/>
                 </a:solidFill>
@@ -8469,7 +8663,7 @@
               </a:rPr>
               <a:t>.</a:t>
             </a:r>
-            <a:endParaRPr b="0" lang="en-US" sz="1800" spc="-1" strike="noStrike">
+            <a:endParaRPr lang="en-US" sz="1800" b="0" strike="noStrike" spc="-1">
               <a:solidFill>
                 <a:srgbClr val="000000"/>
               </a:solidFill>
@@ -8488,7 +8682,7 @@
               <a:buChar char="●"/>
             </a:pPr>
             <a:r>
-              <a:rPr b="0" lang="en-US" sz="1800" spc="-1" strike="noStrike">
+              <a:rPr lang="en-US" sz="1800" b="0" strike="noStrike" spc="-1">
                 <a:solidFill>
                   <a:srgbClr val="000000"/>
                 </a:solidFill>
@@ -8497,7 +8691,7 @@
               </a:rPr>
               <a:t>Very general interface: many builtin objective functions, metric evaluation functions.</a:t>
             </a:r>
-            <a:endParaRPr b="0" lang="en-US" sz="1800" spc="-1" strike="noStrike">
+            <a:endParaRPr lang="en-US" sz="1800" b="0" strike="noStrike" spc="-1">
               <a:solidFill>
                 <a:srgbClr val="000000"/>
               </a:solidFill>
@@ -8516,7 +8710,7 @@
               <a:buChar char="●"/>
             </a:pPr>
             <a:r>
-              <a:rPr b="0" lang="en-US" sz="1800" spc="-1" strike="noStrike">
+              <a:rPr lang="en-US" sz="1800" b="0" strike="noStrike" spc="-1">
                 <a:solidFill>
                   <a:srgbClr val="000000"/>
                 </a:solidFill>
@@ -8525,7 +8719,7 @@
               </a:rPr>
               <a:t>Allows user customize objective/loss functions (need to define the gradient / hessian)</a:t>
             </a:r>
-            <a:endParaRPr b="0" lang="en-US" sz="1800" spc="-1" strike="noStrike">
+            <a:endParaRPr lang="en-US" sz="1800" b="0" strike="noStrike" spc="-1">
               <a:solidFill>
                 <a:srgbClr val="000000"/>
               </a:solidFill>
@@ -8544,7 +8738,7 @@
               <a:buChar char="●"/>
             </a:pPr>
             <a:r>
-              <a:rPr b="0" lang="en-US" sz="1800" spc="-1" strike="noStrike">
+              <a:rPr lang="en-US" sz="1800" b="0" strike="noStrike" spc="-1">
                 <a:solidFill>
                   <a:srgbClr val="000000"/>
                 </a:solidFill>
@@ -8553,7 +8747,7 @@
               </a:rPr>
               <a:t>There is an interface that implements scikit-learn API - XGBModel, although it doesn’t support all the same functionality. For example, custom validation functions, `feval` are passed to the booster object, so it appears they must be implemented at the C level.</a:t>
             </a:r>
-            <a:endParaRPr b="0" lang="en-US" sz="1800" spc="-1" strike="noStrike">
+            <a:endParaRPr lang="en-US" sz="1800" b="0" strike="noStrike" spc="-1">
               <a:solidFill>
                 <a:srgbClr val="000000"/>
               </a:solidFill>
@@ -8564,22 +8758,25 @@
       </p:sp>
     </p:spTree>
   </p:cSld>
+  <p:clrMapOvr>
+    <a:masterClrMapping/>
+  </p:clrMapOvr>
   <p:timing>
     <p:tnLst>
       <p:par>
-        <p:cTn id="35" dur="indefinite" restart="never" nodeType="tmRoot">
+        <p:cTn xmlns:p14="http://schemas.microsoft.com/office/powerpoint/2010/main" id="1" dur="indefinite" restart="never" nodeType="tmRoot">
           <p:childTnLst>
             <p:seq>
-              <p:cTn id="36" dur="indefinite" nodeType="mainSeq"/>
+              <p:cTn id="2" dur="indefinite" nodeType="mainSeq"/>
               <p:prevCondLst>
-                <p:cond delay="0" evt="onPrev">
+                <p:cond evt="onPrev" delay="0">
                   <p:tgtEl>
                     <p:sldTgt/>
                   </p:tgtEl>
                 </p:cond>
               </p:prevCondLst>
               <p:nextCondLst>
-                <p:cond delay="0" evt="onNext">
+                <p:cond evt="onNext" delay="0">
                   <p:tgtEl>
                     <p:sldTgt/>
                   </p:tgtEl>
@@ -8595,7 +8792,7 @@
 </file>
 
 <file path=ppt/slides/slide19.xml><?xml version="1.0" encoding="utf-8"?>
-<p:sld xmlns:a="http://schemas.openxmlformats.org/drawingml/2006/main" xmlns:p="http://schemas.openxmlformats.org/presentationml/2006/main" xmlns:r="http://schemas.openxmlformats.org/officeDocument/2006/relationships" xmlns:p14="http://schemas.microsoft.com/office/powerpoint/2010/main" xmlns:p15="http://schemas.microsoft.com/office/powerpoint/2012/main" xmlns:mc="http://schemas.openxmlformats.org/markup-compatibility/2006">
+<p:sld xmlns:a="http://schemas.openxmlformats.org/drawingml/2006/main" xmlns:r="http://schemas.openxmlformats.org/officeDocument/2006/relationships" xmlns:p="http://schemas.openxmlformats.org/presentationml/2006/main">
   <p:cSld>
     <p:spTree>
       <p:nvGrpSpPr>
@@ -8632,6 +8829,7 @@
         </p:spPr>
         <p:txBody>
           <a:bodyPr tIns="91440" bIns="91440" anchor="b"/>
+          <a:lstStyle/>
           <a:p>
             <a:pPr>
               <a:lnSpc>
@@ -8639,7 +8837,7 @@
               </a:lnSpc>
             </a:pPr>
             <a:r>
-              <a:rPr b="0" lang="en-US" sz="4200" spc="-1" strike="noStrike">
+              <a:rPr lang="en-US" sz="4200" b="0" strike="noStrike" spc="-1">
                 <a:solidFill>
                   <a:srgbClr val="000000"/>
                 </a:solidFill>
@@ -8648,7 +8846,7 @@
               </a:rPr>
               <a:t>References</a:t>
             </a:r>
-            <a:endParaRPr b="0" lang="en-US" sz="4200" spc="-1" strike="noStrike">
+            <a:endParaRPr lang="en-US" sz="4200" b="0" strike="noStrike" spc="-1">
               <a:solidFill>
                 <a:srgbClr val="000000"/>
               </a:solidFill>
@@ -8678,6 +8876,7 @@
         </p:spPr>
         <p:txBody>
           <a:bodyPr tIns="91440" bIns="91440"/>
+          <a:lstStyle/>
           <a:p>
             <a:pPr marL="457200" indent="-342720">
               <a:lnSpc>
@@ -8690,48 +8889,18 @@
               <a:buChar char="●"/>
             </a:pPr>
             <a:r>
-              <a:rPr b="0" lang="en-US" sz="1800" spc="-1" strike="noStrike" u="sng">
-                <a:solidFill>
-                  <a:srgbClr val="57bb8a"/>
-                </a:solidFill>
-                <a:uFillTx/>
-                <a:latin typeface="Open Sans"/>
-                <a:ea typeface="Open Sans"/>
-                <a:hlinkClick r:id="rId1"/>
-              </a:rPr>
-              <a:t>Chen, Tianqi. Introduction to Boosted Trees</a:t>
-            </a:r>
-            <a:endParaRPr b="0" lang="en-US" sz="1800" spc="-1" strike="noStrike">
-              <a:solidFill>
-                <a:srgbClr val="000000"/>
-              </a:solidFill>
-              <a:latin typeface="Arial"/>
-            </a:endParaRPr>
-          </a:p>
-          <a:p>
-            <a:pPr marL="457200" indent="-342720">
-              <a:lnSpc>
-                <a:spcPct val="115000"/>
-              </a:lnSpc>
-              <a:buClr>
-                <a:srgbClr val="000000"/>
-              </a:buClr>
-              <a:buFont typeface="Open Sans"/>
-              <a:buChar char="●"/>
-            </a:pPr>
-            <a:r>
-              <a:rPr b="0" lang="en-US" sz="1800" spc="-1" strike="noStrike" u="sng">
-                <a:solidFill>
-                  <a:srgbClr val="57bb8a"/>
+              <a:rPr lang="en-US" sz="1800" b="0" u="sng" strike="noStrike" spc="-1">
+                <a:solidFill>
+                  <a:srgbClr val="57BB8A"/>
                 </a:solidFill>
                 <a:uFillTx/>
                 <a:latin typeface="Open Sans"/>
                 <a:ea typeface="Open Sans"/>
                 <a:hlinkClick r:id="rId2"/>
               </a:rPr>
-              <a:t>XGBoost docs</a:t>
-            </a:r>
-            <a:endParaRPr b="0" lang="en-US" sz="1800" spc="-1" strike="noStrike">
+              <a:t>Chen, Tianqi. Introduction to Boosted Trees</a:t>
+            </a:r>
+            <a:endParaRPr lang="en-US" sz="1800" b="0" strike="noStrike" spc="-1">
               <a:solidFill>
                 <a:srgbClr val="000000"/>
               </a:solidFill>
@@ -8750,18 +8919,18 @@
               <a:buChar char="●"/>
             </a:pPr>
             <a:r>
-              <a:rPr b="0" lang="en-US" sz="1800" spc="-1" strike="noStrike" u="sng">
-                <a:solidFill>
-                  <a:srgbClr val="57bb8a"/>
+              <a:rPr lang="en-US" sz="1800" b="0" u="sng" strike="noStrike" spc="-1">
+                <a:solidFill>
+                  <a:srgbClr val="57BB8A"/>
                 </a:solidFill>
                 <a:uFillTx/>
                 <a:latin typeface="Open Sans"/>
                 <a:ea typeface="Open Sans"/>
                 <a:hlinkClick r:id="rId3"/>
               </a:rPr>
-              <a:t>Friedman, Jerome. Greedy Function Approximation: Gradient Boosting Machines</a:t>
-            </a:r>
-            <a:endParaRPr b="0" lang="en-US" sz="1800" spc="-1" strike="noStrike">
+              <a:t>XGBoost docs</a:t>
+            </a:r>
+            <a:endParaRPr lang="en-US" sz="1800" b="0" strike="noStrike" spc="-1">
               <a:solidFill>
                 <a:srgbClr val="000000"/>
               </a:solidFill>
@@ -8780,18 +8949,18 @@
               <a:buChar char="●"/>
             </a:pPr>
             <a:r>
-              <a:rPr b="0" lang="en-US" sz="1800" spc="-1" strike="noStrike" u="sng">
-                <a:solidFill>
-                  <a:srgbClr val="57bb8a"/>
+              <a:rPr lang="en-US" sz="1800" b="0" u="sng" strike="noStrike" spc="-1">
+                <a:solidFill>
+                  <a:srgbClr val="57BB8A"/>
                 </a:solidFill>
                 <a:uFillTx/>
                 <a:latin typeface="Open Sans"/>
                 <a:ea typeface="Open Sans"/>
                 <a:hlinkClick r:id="rId4"/>
               </a:rPr>
-              <a:t>https://www.slideshare.net/ShangxuanZhang/xgboost</a:t>
-            </a:r>
-            <a:endParaRPr b="0" lang="en-US" sz="1800" spc="-1" strike="noStrike">
+              <a:t>Friedman, Jerome. Greedy Function Approximation: Gradient Boosting Machines</a:t>
+            </a:r>
+            <a:endParaRPr lang="en-US" sz="1800" b="0" strike="noStrike" spc="-1">
               <a:solidFill>
                 <a:srgbClr val="000000"/>
               </a:solidFill>
@@ -8810,18 +8979,48 @@
               <a:buChar char="●"/>
             </a:pPr>
             <a:r>
-              <a:rPr b="0" lang="en-US" sz="1800" spc="-1" strike="noStrike" u="sng">
-                <a:solidFill>
-                  <a:srgbClr val="57bb8a"/>
+              <a:rPr lang="en-US" sz="1800" b="0" u="sng" strike="noStrike" spc="-1">
+                <a:solidFill>
+                  <a:srgbClr val="57BB8A"/>
+                </a:solidFill>
+                <a:uFillTx/>
+                <a:latin typeface="Open Sans"/>
+                <a:ea typeface="Open Sans"/>
+                <a:hlinkClick r:id="rId5"/>
+              </a:rPr>
+              <a:t>https://www.slideshare.net/ShangxuanZhang/xgboost</a:t>
+            </a:r>
+            <a:endParaRPr lang="en-US" sz="1800" b="0" strike="noStrike" spc="-1">
+              <a:solidFill>
+                <a:srgbClr val="000000"/>
+              </a:solidFill>
+              <a:latin typeface="Arial"/>
+            </a:endParaRPr>
+          </a:p>
+          <a:p>
+            <a:pPr marL="457200" indent="-342720">
+              <a:lnSpc>
+                <a:spcPct val="115000"/>
+              </a:lnSpc>
+              <a:buClr>
+                <a:srgbClr val="000000"/>
+              </a:buClr>
+              <a:buFont typeface="Open Sans"/>
+              <a:buChar char="●"/>
+            </a:pPr>
+            <a:r>
+              <a:rPr lang="en-US" sz="1800" b="0" u="sng" strike="noStrike" spc="-1">
+                <a:solidFill>
+                  <a:srgbClr val="57BB8A"/>
                 </a:solidFill>
                 <a:uFillTx/>
                 <a:latin typeface="Arial"/>
                 <a:ea typeface="Arial"/>
-                <a:hlinkClick r:id="rId5"/>
+                <a:hlinkClick r:id="rId6"/>
               </a:rPr>
               <a:t>https://www.analyticsvidhya.com/blog/2015/11/quick-introduction-boosting-algorithms-machine-learning</a:t>
             </a:r>
-            <a:endParaRPr b="0" lang="en-US" sz="1800" spc="-1" strike="noStrike">
+            <a:endParaRPr lang="en-US" sz="1800" b="0" strike="noStrike" spc="-1">
               <a:solidFill>
                 <a:srgbClr val="000000"/>
               </a:solidFill>
@@ -8832,22 +9031,25 @@
       </p:sp>
     </p:spTree>
   </p:cSld>
+  <p:clrMapOvr>
+    <a:masterClrMapping/>
+  </p:clrMapOvr>
   <p:timing>
     <p:tnLst>
       <p:par>
-        <p:cTn id="37" dur="indefinite" restart="never" nodeType="tmRoot">
+        <p:cTn xmlns:p14="http://schemas.microsoft.com/office/powerpoint/2010/main" id="1" dur="indefinite" restart="never" nodeType="tmRoot">
           <p:childTnLst>
             <p:seq>
-              <p:cTn id="38" dur="indefinite" nodeType="mainSeq"/>
+              <p:cTn id="2" dur="indefinite" nodeType="mainSeq"/>
               <p:prevCondLst>
-                <p:cond delay="0" evt="onPrev">
+                <p:cond evt="onPrev" delay="0">
                   <p:tgtEl>
                     <p:sldTgt/>
                   </p:tgtEl>
                 </p:cond>
               </p:prevCondLst>
               <p:nextCondLst>
-                <p:cond delay="0" evt="onNext">
+                <p:cond evt="onNext" delay="0">
                   <p:tgtEl>
                     <p:sldTgt/>
                   </p:tgtEl>
@@ -8863,7 +9065,7 @@
 </file>
 
 <file path=ppt/slides/slide2.xml><?xml version="1.0" encoding="utf-8"?>
-<p:sld xmlns:a="http://schemas.openxmlformats.org/drawingml/2006/main" xmlns:p="http://schemas.openxmlformats.org/presentationml/2006/main" xmlns:r="http://schemas.openxmlformats.org/officeDocument/2006/relationships" xmlns:p14="http://schemas.microsoft.com/office/powerpoint/2010/main" xmlns:p15="http://schemas.microsoft.com/office/powerpoint/2012/main" xmlns:mc="http://schemas.openxmlformats.org/markup-compatibility/2006">
+<p:sld xmlns:a="http://schemas.openxmlformats.org/drawingml/2006/main" xmlns:r="http://schemas.openxmlformats.org/officeDocument/2006/relationships" xmlns:p="http://schemas.openxmlformats.org/presentationml/2006/main">
   <p:cSld>
     <p:spTree>
       <p:nvGrpSpPr>
@@ -8900,6 +9102,7 @@
         </p:spPr>
         <p:txBody>
           <a:bodyPr tIns="91440" bIns="91440" anchor="b"/>
+          <a:lstStyle/>
           <a:p>
             <a:pPr>
               <a:lnSpc>
@@ -8907,7 +9110,7 @@
               </a:lnSpc>
             </a:pPr>
             <a:r>
-              <a:rPr b="0" lang="en-US" sz="4200" spc="-1" strike="noStrike">
+              <a:rPr lang="en-US" sz="4200" b="0" strike="noStrike" spc="-1">
                 <a:solidFill>
                   <a:srgbClr val="000000"/>
                 </a:solidFill>
@@ -8916,7 +9119,7 @@
               </a:rPr>
               <a:t>What is XGBoost</a:t>
             </a:r>
-            <a:endParaRPr b="0" lang="en-US" sz="4200" spc="-1" strike="noStrike">
+            <a:endParaRPr lang="en-US" sz="4200" b="0" strike="noStrike" spc="-1">
               <a:solidFill>
                 <a:srgbClr val="000000"/>
               </a:solidFill>
@@ -8946,6 +9149,7 @@
         </p:spPr>
         <p:txBody>
           <a:bodyPr tIns="91440" bIns="91440"/>
+          <a:lstStyle/>
           <a:p>
             <a:pPr marL="457200" indent="-361440">
               <a:lnSpc>
@@ -8958,7 +9162,7 @@
               <a:buChar char="●"/>
             </a:pPr>
             <a:r>
-              <a:rPr b="0" lang="en-US" sz="2100" spc="-1" strike="noStrike">
+              <a:rPr lang="en-US" sz="2100" b="0" strike="noStrike" spc="-1">
                 <a:solidFill>
                   <a:srgbClr val="000000"/>
                 </a:solidFill>
@@ -8967,7 +9171,7 @@
               </a:rPr>
               <a:t>Supervised learning</a:t>
             </a:r>
-            <a:endParaRPr b="0" lang="en-US" sz="2100" spc="-1" strike="noStrike">
+            <a:endParaRPr lang="en-US" sz="2100" b="0" strike="noStrike" spc="-1">
               <a:solidFill>
                 <a:srgbClr val="000000"/>
               </a:solidFill>
@@ -8986,7 +9190,7 @@
               <a:buChar char="●"/>
             </a:pPr>
             <a:r>
-              <a:rPr b="0" lang="en-US" sz="2100" spc="-1" strike="noStrike">
+              <a:rPr lang="en-US" sz="2100" b="0" strike="noStrike" spc="-1">
                 <a:solidFill>
                   <a:srgbClr val="000000"/>
                 </a:solidFill>
@@ -8995,7 +9199,7 @@
               </a:rPr>
               <a:t>Ensemble method for decision trees</a:t>
             </a:r>
-            <a:endParaRPr b="0" lang="en-US" sz="2100" spc="-1" strike="noStrike">
+            <a:endParaRPr lang="en-US" sz="2100" b="0" strike="noStrike" spc="-1">
               <a:solidFill>
                 <a:srgbClr val="000000"/>
               </a:solidFill>
@@ -9014,7 +9218,7 @@
               <a:buChar char="●"/>
             </a:pPr>
             <a:r>
-              <a:rPr b="0" lang="en-US" sz="2100" spc="-1" strike="noStrike">
+              <a:rPr lang="en-US" sz="2100" b="0" strike="noStrike" spc="-1">
                 <a:solidFill>
                   <a:srgbClr val="000000"/>
                 </a:solidFill>
@@ -9023,7 +9227,7 @@
               </a:rPr>
               <a:t>Classification / Regression - operates on structured data with known outcomes</a:t>
             </a:r>
-            <a:endParaRPr b="0" lang="en-US" sz="2100" spc="-1" strike="noStrike">
+            <a:endParaRPr lang="en-US" sz="2100" b="0" strike="noStrike" spc="-1">
               <a:solidFill>
                 <a:srgbClr val="000000"/>
               </a:solidFill>
@@ -9042,7 +9246,7 @@
               <a:buChar char="●"/>
             </a:pPr>
             <a:r>
-              <a:rPr b="0" lang="en-US" sz="2100" spc="-1" strike="noStrike">
+              <a:rPr lang="en-US" sz="2100" b="0" strike="noStrike" spc="-1">
                 <a:solidFill>
                   <a:srgbClr val="000000"/>
                 </a:solidFill>
@@ -9051,7 +9255,7 @@
               </a:rPr>
               <a:t>Can have very good performance - commonly used by large companies, eg. Uber, Amazon, etc.</a:t>
             </a:r>
-            <a:endParaRPr b="0" lang="en-US" sz="2100" spc="-1" strike="noStrike">
+            <a:endParaRPr lang="en-US" sz="2100" b="0" strike="noStrike" spc="-1">
               <a:solidFill>
                 <a:srgbClr val="000000"/>
               </a:solidFill>
@@ -9070,7 +9274,7 @@
               <a:buChar char="●"/>
             </a:pPr>
             <a:r>
-              <a:rPr b="0" lang="en-US" sz="2100" spc="-1" strike="noStrike">
+              <a:rPr lang="en-US" sz="2100" b="0" strike="noStrike" spc="-1">
                 <a:solidFill>
                   <a:srgbClr val="000000"/>
                 </a:solidFill>
@@ -9080,80 +9284,80 @@
               <a:t>Used to win a number of recent </a:t>
             </a:r>
             <a:r>
-              <a:rPr b="0" lang="en-US" sz="2100" spc="-1" strike="noStrike" u="sng">
-                <a:solidFill>
-                  <a:srgbClr val="57bb8a"/>
-                </a:solidFill>
-                <a:uFillTx/>
-                <a:latin typeface="Open Sans"/>
-                <a:ea typeface="Open Sans"/>
-                <a:hlinkClick r:id="rId1"/>
-              </a:rPr>
-              <a:t>Kaggle competitions</a:t>
-            </a:r>
-            <a:endParaRPr b="0" lang="en-US" sz="2100" spc="-1" strike="noStrike">
-              <a:solidFill>
-                <a:srgbClr val="000000"/>
-              </a:solidFill>
-              <a:latin typeface="Arial"/>
-            </a:endParaRPr>
-          </a:p>
-          <a:p>
-            <a:pPr marL="457200" indent="-361440">
-              <a:lnSpc>
-                <a:spcPct val="115000"/>
-              </a:lnSpc>
-              <a:buClr>
-                <a:srgbClr val="000000"/>
-              </a:buClr>
-              <a:buFont typeface="Open Sans"/>
-              <a:buChar char="●"/>
-            </a:pPr>
-            <a:r>
-              <a:rPr b="0" lang="en-US" sz="2100" spc="-1" strike="noStrike">
-                <a:solidFill>
-                  <a:srgbClr val="000000"/>
-                </a:solidFill>
-                <a:latin typeface="Open Sans"/>
-                <a:ea typeface="Open Sans"/>
-              </a:rPr>
-              <a:t>Created by </a:t>
-            </a:r>
-            <a:r>
-              <a:rPr b="0" lang="en-US" sz="2100" spc="-1" strike="noStrike" u="sng">
-                <a:solidFill>
-                  <a:srgbClr val="57bb8a"/>
+              <a:rPr lang="en-US" sz="2100" b="0" u="sng" strike="noStrike" spc="-1">
+                <a:solidFill>
+                  <a:srgbClr val="57BB8A"/>
                 </a:solidFill>
                 <a:uFillTx/>
                 <a:latin typeface="Open Sans"/>
                 <a:ea typeface="Open Sans"/>
                 <a:hlinkClick r:id="rId2"/>
               </a:rPr>
-              <a:t>Tianqi Chen</a:t>
-            </a:r>
-            <a:r>
-              <a:rPr b="0" lang="en-US" sz="2100" spc="-1" strike="noStrike">
+              <a:t>Kaggle competitions</a:t>
+            </a:r>
+            <a:endParaRPr lang="en-US" sz="2100" b="0" strike="noStrike" spc="-1">
+              <a:solidFill>
+                <a:srgbClr val="000000"/>
+              </a:solidFill>
+              <a:latin typeface="Arial"/>
+            </a:endParaRPr>
+          </a:p>
+          <a:p>
+            <a:pPr marL="457200" indent="-361440">
+              <a:lnSpc>
+                <a:spcPct val="115000"/>
+              </a:lnSpc>
+              <a:buClr>
+                <a:srgbClr val="000000"/>
+              </a:buClr>
+              <a:buFont typeface="Open Sans"/>
+              <a:buChar char="●"/>
+            </a:pPr>
+            <a:r>
+              <a:rPr lang="en-US" sz="2100" b="0" strike="noStrike" spc="-1">
                 <a:solidFill>
                   <a:srgbClr val="000000"/>
                 </a:solidFill>
                 <a:latin typeface="Open Sans"/>
                 <a:ea typeface="Open Sans"/>
               </a:rPr>
-              <a:t>, open source on </a:t>
-            </a:r>
-            <a:r>
-              <a:rPr b="0" lang="en-US" sz="2100" spc="-1" strike="noStrike" u="sng">
-                <a:solidFill>
-                  <a:srgbClr val="57bb8a"/>
+              <a:t>Created by </a:t>
+            </a:r>
+            <a:r>
+              <a:rPr lang="en-US" sz="2100" b="0" u="sng" strike="noStrike" spc="-1">
+                <a:solidFill>
+                  <a:srgbClr val="57BB8A"/>
                 </a:solidFill>
                 <a:uFillTx/>
                 <a:latin typeface="Open Sans"/>
                 <a:ea typeface="Open Sans"/>
                 <a:hlinkClick r:id="rId3"/>
               </a:rPr>
+              <a:t>Tianqi Chen</a:t>
+            </a:r>
+            <a:r>
+              <a:rPr lang="en-US" sz="2100" b="0" strike="noStrike" spc="-1">
+                <a:solidFill>
+                  <a:srgbClr val="000000"/>
+                </a:solidFill>
+                <a:latin typeface="Open Sans"/>
+                <a:ea typeface="Open Sans"/>
+              </a:rPr>
+              <a:t>, open source on </a:t>
+            </a:r>
+            <a:r>
+              <a:rPr lang="en-US" sz="2100" b="0" u="sng" strike="noStrike" spc="-1">
+                <a:solidFill>
+                  <a:srgbClr val="57BB8A"/>
+                </a:solidFill>
+                <a:uFillTx/>
+                <a:latin typeface="Open Sans"/>
+                <a:ea typeface="Open Sans"/>
+                <a:hlinkClick r:id="rId4"/>
+              </a:rPr>
               <a:t>github</a:t>
             </a:r>
-            <a:endParaRPr b="0" lang="en-US" sz="2100" spc="-1" strike="noStrike">
+            <a:endParaRPr lang="en-US" sz="2100" b="0" strike="noStrike" spc="-1">
               <a:solidFill>
                 <a:srgbClr val="000000"/>
               </a:solidFill>
@@ -9172,7 +9376,7 @@
               <a:buChar char="●"/>
             </a:pPr>
             <a:r>
-              <a:rPr b="0" lang="en-US" sz="2100" spc="-1" strike="noStrike">
+              <a:rPr lang="en-US" sz="2100" b="0" strike="noStrike" spc="-1">
                 <a:solidFill>
                   <a:srgbClr val="000000"/>
                 </a:solidFill>
@@ -9181,7 +9385,7 @@
               </a:rPr>
               <a:t>Bindings for many languages: C++, Python, R, Julia, etc.</a:t>
             </a:r>
-            <a:endParaRPr b="0" lang="en-US" sz="2100" spc="-1" strike="noStrike">
+            <a:endParaRPr lang="en-US" sz="2100" b="0" strike="noStrike" spc="-1">
               <a:solidFill>
                 <a:srgbClr val="000000"/>
               </a:solidFill>
@@ -9192,22 +9396,25 @@
       </p:sp>
     </p:spTree>
   </p:cSld>
+  <p:clrMapOvr>
+    <a:masterClrMapping/>
+  </p:clrMapOvr>
   <p:timing>
     <p:tnLst>
       <p:par>
-        <p:cTn id="3" dur="indefinite" restart="never" nodeType="tmRoot">
+        <p:cTn xmlns:p14="http://schemas.microsoft.com/office/powerpoint/2010/main" id="1" dur="indefinite" restart="never" nodeType="tmRoot">
           <p:childTnLst>
             <p:seq>
-              <p:cTn id="4" dur="indefinite" nodeType="mainSeq"/>
+              <p:cTn id="2" dur="indefinite" nodeType="mainSeq"/>
               <p:prevCondLst>
-                <p:cond delay="0" evt="onPrev">
+                <p:cond evt="onPrev" delay="0">
                   <p:tgtEl>
                     <p:sldTgt/>
                   </p:tgtEl>
                 </p:cond>
               </p:prevCondLst>
               <p:nextCondLst>
-                <p:cond delay="0" evt="onNext">
+                <p:cond evt="onNext" delay="0">
                   <p:tgtEl>
                     <p:sldTgt/>
                   </p:tgtEl>
@@ -9223,7 +9430,7 @@
 </file>
 
 <file path=ppt/slides/slide3.xml><?xml version="1.0" encoding="utf-8"?>
-<p:sld xmlns:a="http://schemas.openxmlformats.org/drawingml/2006/main" xmlns:p="http://schemas.openxmlformats.org/presentationml/2006/main" xmlns:r="http://schemas.openxmlformats.org/officeDocument/2006/relationships" xmlns:p14="http://schemas.microsoft.com/office/powerpoint/2010/main" xmlns:p15="http://schemas.microsoft.com/office/powerpoint/2012/main" xmlns:mc="http://schemas.openxmlformats.org/markup-compatibility/2006">
+<p:sld xmlns:a="http://schemas.openxmlformats.org/drawingml/2006/main" xmlns:r="http://schemas.openxmlformats.org/officeDocument/2006/relationships" xmlns:p="http://schemas.openxmlformats.org/presentationml/2006/main">
   <p:cSld>
     <p:spTree>
       <p:nvGrpSpPr>
@@ -9260,6 +9467,7 @@
         </p:spPr>
         <p:txBody>
           <a:bodyPr tIns="91440" bIns="91440" anchor="b"/>
+          <a:lstStyle/>
           <a:p>
             <a:pPr>
               <a:lnSpc>
@@ -9267,7 +9475,7 @@
               </a:lnSpc>
             </a:pPr>
             <a:r>
-              <a:rPr b="0" lang="en-US" sz="4200" spc="-1" strike="noStrike">
+              <a:rPr lang="en-US" sz="4200" b="0" strike="noStrike" spc="-1">
                 <a:solidFill>
                   <a:srgbClr val="000000"/>
                 </a:solidFill>
@@ -9276,7 +9484,7 @@
               </a:rPr>
               <a:t>Ensemble Learning with Trees</a:t>
             </a:r>
-            <a:endParaRPr b="0" lang="en-US" sz="4200" spc="-1" strike="noStrike">
+            <a:endParaRPr lang="en-US" sz="4200" b="0" strike="noStrike" spc="-1">
               <a:solidFill>
                 <a:srgbClr val="000000"/>
               </a:solidFill>
@@ -9305,13 +9513,20 @@
           </a:ln>
         </p:spPr>
         <p:style>
-          <a:lnRef idx="0"/>
-          <a:fillRef idx="0"/>
-          <a:effectRef idx="0"/>
+          <a:lnRef idx="0">
+            <a:scrgbClr r="0" g="0" b="0"/>
+          </a:lnRef>
+          <a:fillRef idx="0">
+            <a:scrgbClr r="0" g="0" b="0"/>
+          </a:fillRef>
+          <a:effectRef idx="0">
+            <a:scrgbClr r="0" g="0" b="0"/>
+          </a:effectRef>
           <a:fontRef idx="minor"/>
         </p:style>
         <p:txBody>
           <a:bodyPr tIns="91440" bIns="91440" anchor="ctr"/>
+          <a:lstStyle/>
           <a:p>
             <a:pPr marL="457200" indent="-355320">
               <a:lnSpc>
@@ -9324,7 +9539,7 @@
               <a:buChar char="●"/>
             </a:pPr>
             <a:r>
-              <a:rPr b="0" lang="en-US" sz="1900" spc="-1" strike="noStrike">
+              <a:rPr lang="en-US" sz="1900" b="0" strike="noStrike" spc="-1">
                 <a:solidFill>
                   <a:srgbClr val="000000"/>
                 </a:solidFill>
@@ -9333,7 +9548,7 @@
               </a:rPr>
               <a:t>Like ensemble methods discussed last week for clustering</a:t>
             </a:r>
-            <a:endParaRPr b="0" lang="en-US" sz="1900" spc="-1" strike="noStrike">
+            <a:endParaRPr lang="en-US" sz="1900" b="0" strike="noStrike" spc="-1">
               <a:latin typeface="Arial"/>
             </a:endParaRPr>
           </a:p>
@@ -9349,7 +9564,7 @@
               <a:buChar char="●"/>
             </a:pPr>
             <a:r>
-              <a:rPr b="0" lang="en-US" sz="1900" spc="-1" strike="noStrike">
+              <a:rPr lang="en-US" sz="1900" b="0" strike="noStrike" spc="-1">
                 <a:solidFill>
                   <a:srgbClr val="000000"/>
                 </a:solidFill>
@@ -9358,7 +9573,7 @@
               </a:rPr>
               <a:t>Take a bunch of ‘weak’ learning algorithms, eg. Classification trees and find clever ways to combine lots of them to getter better results.</a:t>
             </a:r>
-            <a:endParaRPr b="0" lang="en-US" sz="1900" spc="-1" strike="noStrike">
+            <a:endParaRPr lang="en-US" sz="1900" b="0" strike="noStrike" spc="-1">
               <a:latin typeface="Arial"/>
             </a:endParaRPr>
           </a:p>
@@ -9374,7 +9589,7 @@
               <a:buChar char="●"/>
             </a:pPr>
             <a:r>
-              <a:rPr b="0" lang="en-US" sz="1900" spc="-1" strike="noStrike">
+              <a:rPr lang="en-US" sz="1900" b="0" strike="noStrike" spc="-1">
                 <a:solidFill>
                   <a:srgbClr val="000000"/>
                 </a:solidFill>
@@ -9383,7 +9598,7 @@
               </a:rPr>
               <a:t>Classification/Regression decision trees have all the good, bad, and ugly features that were discussed in lecture</a:t>
             </a:r>
-            <a:endParaRPr b="0" lang="en-US" sz="1900" spc="-1" strike="noStrike">
+            <a:endParaRPr lang="en-US" sz="1900" b="0" strike="noStrike" spc="-1">
               <a:latin typeface="Arial"/>
             </a:endParaRPr>
           </a:p>
@@ -9399,7 +9614,7 @@
               <a:buChar char="●"/>
             </a:pPr>
             <a:r>
-              <a:rPr b="0" lang="en-US" sz="1900" spc="-1" strike="noStrike">
+              <a:rPr lang="en-US" sz="1900" b="0" strike="noStrike" spc="-1">
                 <a:solidFill>
                   <a:srgbClr val="000000"/>
                 </a:solidFill>
@@ -9408,7 +9623,7 @@
               </a:rPr>
               <a:t>They don’t tend to make great predictions and are prone to overfitting, aren’t robust - small change in data =&gt; big change in tree, etc.</a:t>
             </a:r>
-            <a:endParaRPr b="0" lang="en-US" sz="1900" spc="-1" strike="noStrike">
+            <a:endParaRPr lang="en-US" sz="1900" b="0" strike="noStrike" spc="-1">
               <a:latin typeface="Arial"/>
             </a:endParaRPr>
           </a:p>
@@ -9424,7 +9639,7 @@
               <a:buChar char="●"/>
             </a:pPr>
             <a:r>
-              <a:rPr b="0" lang="en-US" sz="1900" spc="-1" strike="noStrike">
+              <a:rPr lang="en-US" sz="1900" b="0" strike="noStrike" spc="-1">
                 <a:solidFill>
                   <a:srgbClr val="000000"/>
                 </a:solidFill>
@@ -9433,7 +9648,7 @@
               </a:rPr>
               <a:t>Various ensemble techniques to remedy tree classification: bagging, boosting, and random forests</a:t>
             </a:r>
-            <a:endParaRPr b="0" lang="en-US" sz="1900" spc="-1" strike="noStrike">
+            <a:endParaRPr lang="en-US" sz="1900" b="0" strike="noStrike" spc="-1">
               <a:latin typeface="Arial"/>
             </a:endParaRPr>
           </a:p>
@@ -9449,7 +9664,7 @@
               <a:buChar char="●"/>
             </a:pPr>
             <a:r>
-              <a:rPr b="0" lang="en-US" sz="1900" spc="-1" strike="noStrike">
+              <a:rPr lang="en-US" sz="1900" b="0" strike="noStrike" spc="-1">
                 <a:solidFill>
                   <a:srgbClr val="000000"/>
                 </a:solidFill>
@@ -9458,7 +9673,7 @@
               </a:rPr>
               <a:t>All ways of averaging the results of many trees to come to a consensus</a:t>
             </a:r>
-            <a:endParaRPr b="0" lang="en-US" sz="1900" spc="-1" strike="noStrike">
+            <a:endParaRPr lang="en-US" sz="1900" b="0" strike="noStrike" spc="-1">
               <a:latin typeface="Arial"/>
             </a:endParaRPr>
           </a:p>
@@ -9474,7 +9689,7 @@
                 <a:spcPts val="1599"/>
               </a:spcAft>
             </a:pPr>
-            <a:endParaRPr b="0" lang="en-US" sz="1900" spc="-1" strike="noStrike">
+            <a:endParaRPr lang="en-US" sz="1900" b="0" strike="noStrike" spc="-1">
               <a:latin typeface="Arial"/>
             </a:endParaRPr>
           </a:p>
@@ -9482,22 +9697,25 @@
       </p:sp>
     </p:spTree>
   </p:cSld>
+  <p:clrMapOvr>
+    <a:masterClrMapping/>
+  </p:clrMapOvr>
   <p:timing>
     <p:tnLst>
       <p:par>
-        <p:cTn id="5" dur="indefinite" restart="never" nodeType="tmRoot">
+        <p:cTn xmlns:p14="http://schemas.microsoft.com/office/powerpoint/2010/main" id="1" dur="indefinite" restart="never" nodeType="tmRoot">
           <p:childTnLst>
             <p:seq>
-              <p:cTn id="6" dur="indefinite" nodeType="mainSeq"/>
+              <p:cTn id="2" dur="indefinite" nodeType="mainSeq"/>
               <p:prevCondLst>
-                <p:cond delay="0" evt="onPrev">
+                <p:cond evt="onPrev" delay="0">
                   <p:tgtEl>
                     <p:sldTgt/>
                   </p:tgtEl>
                 </p:cond>
               </p:prevCondLst>
               <p:nextCondLst>
-                <p:cond delay="0" evt="onNext">
+                <p:cond evt="onNext" delay="0">
                   <p:tgtEl>
                     <p:sldTgt/>
                   </p:tgtEl>
@@ -9513,7 +9731,7 @@
 </file>
 
 <file path=ppt/slides/slide4.xml><?xml version="1.0" encoding="utf-8"?>
-<p:sld xmlns:a="http://schemas.openxmlformats.org/drawingml/2006/main" xmlns:p="http://schemas.openxmlformats.org/presentationml/2006/main" xmlns:r="http://schemas.openxmlformats.org/officeDocument/2006/relationships" xmlns:p14="http://schemas.microsoft.com/office/powerpoint/2010/main" xmlns:p15="http://schemas.microsoft.com/office/powerpoint/2012/main" xmlns:mc="http://schemas.openxmlformats.org/markup-compatibility/2006">
+<p:sld xmlns:a="http://schemas.openxmlformats.org/drawingml/2006/main" xmlns:r="http://schemas.openxmlformats.org/officeDocument/2006/relationships" xmlns:p="http://schemas.openxmlformats.org/presentationml/2006/main">
   <p:cSld>
     <p:spTree>
       <p:nvGrpSpPr>
@@ -9550,6 +9768,7 @@
         </p:spPr>
         <p:txBody>
           <a:bodyPr tIns="91440" bIns="91440" anchor="b"/>
+          <a:lstStyle/>
           <a:p>
             <a:pPr>
               <a:lnSpc>
@@ -9557,36 +9776,16 @@
               </a:lnSpc>
             </a:pPr>
             <a:r>
-              <a:rPr b="0" lang="en-US" sz="4200" spc="-1" strike="noStrike">
+              <a:rPr lang="en-US" sz="4200" b="0" strike="noStrike" spc="-1">
                 <a:solidFill>
                   <a:srgbClr val="000000"/>
                 </a:solidFill>
                 <a:latin typeface="Impact"/>
                 <a:ea typeface="Impact"/>
               </a:rPr>
-              <a:t>Ba</a:t>
-            </a:r>
-            <a:r>
-              <a:rPr b="0" lang="en-US" sz="4200" spc="-1" strike="noStrike">
-                <a:solidFill>
-                  <a:srgbClr val="000000"/>
-                </a:solidFill>
-                <a:latin typeface="Impact"/>
-                <a:ea typeface="Impact"/>
-              </a:rPr>
-              <a:t>ggi</a:t>
-            </a:r>
-            <a:r>
-              <a:rPr b="0" lang="en-US" sz="4200" spc="-1" strike="noStrike">
-                <a:solidFill>
-                  <a:srgbClr val="000000"/>
-                </a:solidFill>
-                <a:latin typeface="Impact"/>
-                <a:ea typeface="Impact"/>
-              </a:rPr>
-              <a:t>ng</a:t>
-            </a:r>
-            <a:endParaRPr b="0" lang="en-US" sz="4200" spc="-1" strike="noStrike">
+              <a:t>Bagging</a:t>
+            </a:r>
+            <a:endParaRPr lang="en-US" sz="4200" b="0" strike="noStrike" spc="-1">
               <a:solidFill>
                 <a:srgbClr val="000000"/>
               </a:solidFill>
@@ -9616,6 +9815,7 @@
         </p:spPr>
         <p:txBody>
           <a:bodyPr tIns="91440" bIns="91440"/>
+          <a:lstStyle/>
           <a:p>
             <a:pPr marL="457200" indent="-355320">
               <a:lnSpc>
@@ -9628,7 +9828,7 @@
               <a:buChar char="●"/>
             </a:pPr>
             <a:r>
-              <a:rPr b="0" lang="en-US" sz="2000" spc="-1" strike="noStrike">
+              <a:rPr lang="en-US" sz="2000" b="0" strike="noStrike" spc="-1">
                 <a:solidFill>
                   <a:srgbClr val="000000"/>
                 </a:solidFill>
@@ -9637,7 +9837,7 @@
               </a:rPr>
               <a:t>Bagging is a method of addressing the high variance problem associated with decision trees</a:t>
             </a:r>
-            <a:endParaRPr b="0" lang="en-US" sz="2000" spc="-1" strike="noStrike">
+            <a:endParaRPr lang="en-US" sz="2000" b="0" strike="noStrike" spc="-1">
               <a:solidFill>
                 <a:srgbClr val="000000"/>
               </a:solidFill>
@@ -9656,7 +9856,7 @@
               <a:buChar char="●"/>
             </a:pPr>
             <a:r>
-              <a:rPr b="0" lang="en-US" sz="2000" spc="-1" strike="noStrike">
+              <a:rPr lang="en-US" sz="2000" b="0" strike="noStrike" spc="-1">
                 <a:solidFill>
                   <a:srgbClr val="000000"/>
                 </a:solidFill>
@@ -9665,7 +9865,7 @@
               </a:rPr>
               <a:t>Given a bunch of  independent random variables,</a:t>
             </a:r>
-            <a:endParaRPr b="0" lang="en-US" sz="2000" spc="-1" strike="noStrike">
+            <a:endParaRPr lang="en-US" sz="2000" b="0" strike="noStrike" spc="-1">
               <a:solidFill>
                 <a:srgbClr val="000000"/>
               </a:solidFill>
@@ -9682,26 +9882,16 @@
               </a:spcBef>
             </a:pPr>
             <a:r>
-              <a:rPr b="0" lang="en-US" sz="2000" spc="-1" strike="noStrike">
+              <a:rPr lang="en-US" sz="2000" b="0" strike="noStrike" spc="-1">
                 <a:solidFill>
                   <a:srgbClr val="000000"/>
                 </a:solidFill>
                 <a:latin typeface="Open Sans"/>
                 <a:ea typeface="Open Sans"/>
               </a:rPr>
-              <a:t> </a:t>
-            </a:r>
-            <a:r>
-              <a:rPr b="0" lang="en-US" sz="2000" spc="-1" strike="noStrike">
-                <a:solidFill>
-                  <a:srgbClr val="000000"/>
-                </a:solidFill>
-                <a:latin typeface="Open Sans"/>
-                <a:ea typeface="Open Sans"/>
-              </a:rPr>
-              <a:t>each with a variance      , variance of mean is</a:t>
-            </a:r>
-            <a:endParaRPr b="0" lang="en-US" sz="2000" spc="-1" strike="noStrike">
+              <a:t> each with a variance      , variance of mean is</a:t>
+            </a:r>
+            <a:endParaRPr lang="en-US" sz="2000" b="0" strike="noStrike" spc="-1">
               <a:solidFill>
                 <a:srgbClr val="000000"/>
               </a:solidFill>
@@ -9723,7 +9913,7 @@
               <a:buChar char="●"/>
             </a:pPr>
             <a:r>
-              <a:rPr b="0" lang="en-US" sz="2000" spc="-1" strike="noStrike">
+              <a:rPr lang="en-US" sz="2000" b="0" strike="noStrike" spc="-1">
                 <a:solidFill>
                   <a:srgbClr val="000000"/>
                 </a:solidFill>
@@ -9732,7 +9922,7 @@
               </a:rPr>
               <a:t>Same idea with averaging a bunch of trees =&gt; reduce the variance of the model, the more uncorrelated the trees the better</a:t>
             </a:r>
-            <a:endParaRPr b="0" lang="en-US" sz="2000" spc="-1" strike="noStrike">
+            <a:endParaRPr lang="en-US" sz="2000" b="0" strike="noStrike" spc="-1">
               <a:solidFill>
                 <a:srgbClr val="000000"/>
               </a:solidFill>
@@ -9751,7 +9941,7 @@
               <a:buChar char="●"/>
             </a:pPr>
             <a:r>
-              <a:rPr b="0" lang="en-US" sz="2000" spc="-1" strike="noStrike">
+              <a:rPr lang="en-US" sz="2000" b="0" strike="noStrike" spc="-1">
                 <a:solidFill>
                   <a:srgbClr val="000000"/>
                 </a:solidFill>
@@ -9760,7 +9950,7 @@
               </a:rPr>
               <a:t>Need multiple training datasets =&gt; bootstrap data, train decision tree on each set, growing deep high variance trees w/o pruning</a:t>
             </a:r>
-            <a:endParaRPr b="0" lang="en-US" sz="2000" spc="-1" strike="noStrike">
+            <a:endParaRPr lang="en-US" sz="2000" b="0" strike="noStrike" spc="-1">
               <a:solidFill>
                 <a:srgbClr val="000000"/>
               </a:solidFill>
@@ -9779,7 +9969,7 @@
                 <a:spcPts val="1599"/>
               </a:spcAft>
             </a:pPr>
-            <a:endParaRPr b="0" lang="en-US" sz="2000" spc="-1" strike="noStrike">
+            <a:endParaRPr lang="en-US" sz="2000" b="0" strike="noStrike" spc="-1">
               <a:solidFill>
                 <a:srgbClr val="000000"/>
               </a:solidFill>
@@ -9790,30 +9980,7 @@
       </p:sp>
       <p:pic>
         <p:nvPicPr>
-          <p:cNvPr id="129" name="Google Shape;82;p16" descr=""/>
-          <p:cNvPicPr/>
-          <p:nvPr/>
-        </p:nvPicPr>
-        <p:blipFill>
-          <a:blip r:embed="rId1"/>
-          <a:stretch/>
-        </p:blipFill>
-        <p:spPr>
-          <a:xfrm>
-            <a:off x="7199280" y="1555200"/>
-            <a:ext cx="1578960" cy="365040"/>
-          </a:xfrm>
-          <a:prstGeom prst="rect">
-            <a:avLst/>
-          </a:prstGeom>
-          <a:ln>
-            <a:noFill/>
-          </a:ln>
-        </p:spPr>
-      </p:pic>
-      <p:pic>
-        <p:nvPicPr>
-          <p:cNvPr id="130" name="Google Shape;83;p16" descr=""/>
+          <p:cNvPr id="129" name="Google Shape;82;p16"/>
           <p:cNvPicPr/>
           <p:nvPr/>
         </p:nvPicPr>
@@ -9823,8 +9990,8 @@
         </p:blipFill>
         <p:spPr>
           <a:xfrm>
-            <a:off x="3657600" y="2055240"/>
-            <a:ext cx="354240" cy="365040"/>
+            <a:off x="7199280" y="1555200"/>
+            <a:ext cx="1578960" cy="365040"/>
           </a:xfrm>
           <a:prstGeom prst="rect">
             <a:avLst/>
@@ -9836,7 +10003,7 @@
       </p:pic>
       <p:pic>
         <p:nvPicPr>
-          <p:cNvPr id="131" name="Google Shape;84;p16" descr=""/>
+          <p:cNvPr id="130" name="Google Shape;83;p16"/>
           <p:cNvPicPr/>
           <p:nvPr/>
         </p:nvPicPr>
@@ -9846,8 +10013,8 @@
         </p:blipFill>
         <p:spPr>
           <a:xfrm>
-            <a:off x="6770160" y="1920240"/>
-            <a:ext cx="453600" cy="662400"/>
+            <a:off x="3657600" y="2055240"/>
+            <a:ext cx="354240" cy="365040"/>
           </a:xfrm>
           <a:prstGeom prst="rect">
             <a:avLst/>
@@ -9857,24 +10024,50 @@
           </a:ln>
         </p:spPr>
       </p:pic>
+      <p:pic>
+        <p:nvPicPr>
+          <p:cNvPr id="131" name="Google Shape;84;p16"/>
+          <p:cNvPicPr/>
+          <p:nvPr/>
+        </p:nvPicPr>
+        <p:blipFill>
+          <a:blip r:embed="rId4"/>
+          <a:stretch/>
+        </p:blipFill>
+        <p:spPr>
+          <a:xfrm>
+            <a:off x="6770160" y="1920240"/>
+            <a:ext cx="453600" cy="662400"/>
+          </a:xfrm>
+          <a:prstGeom prst="rect">
+            <a:avLst/>
+          </a:prstGeom>
+          <a:ln>
+            <a:noFill/>
+          </a:ln>
+        </p:spPr>
+      </p:pic>
     </p:spTree>
   </p:cSld>
+  <p:clrMapOvr>
+    <a:masterClrMapping/>
+  </p:clrMapOvr>
   <p:timing>
     <p:tnLst>
       <p:par>
-        <p:cTn id="7" dur="indefinite" restart="never" nodeType="tmRoot">
+        <p:cTn xmlns:p14="http://schemas.microsoft.com/office/powerpoint/2010/main" id="1" dur="indefinite" restart="never" nodeType="tmRoot">
           <p:childTnLst>
             <p:seq>
-              <p:cTn id="8" dur="indefinite" nodeType="mainSeq"/>
+              <p:cTn id="2" dur="indefinite" nodeType="mainSeq"/>
               <p:prevCondLst>
-                <p:cond delay="0" evt="onPrev">
+                <p:cond evt="onPrev" delay="0">
                   <p:tgtEl>
                     <p:sldTgt/>
                   </p:tgtEl>
                 </p:cond>
               </p:prevCondLst>
               <p:nextCondLst>
-                <p:cond delay="0" evt="onNext">
+                <p:cond evt="onNext" delay="0">
                   <p:tgtEl>
                     <p:sldTgt/>
                   </p:tgtEl>
@@ -9890,7 +10083,7 @@
 </file>
 
 <file path=ppt/slides/slide5.xml><?xml version="1.0" encoding="utf-8"?>
-<p:sld xmlns:a="http://schemas.openxmlformats.org/drawingml/2006/main" xmlns:p="http://schemas.openxmlformats.org/presentationml/2006/main" xmlns:r="http://schemas.openxmlformats.org/officeDocument/2006/relationships" xmlns:p14="http://schemas.microsoft.com/office/powerpoint/2010/main" xmlns:p15="http://schemas.microsoft.com/office/powerpoint/2012/main" xmlns:mc="http://schemas.openxmlformats.org/markup-compatibility/2006">
+<p:sld xmlns:a="http://schemas.openxmlformats.org/drawingml/2006/main" xmlns:r="http://schemas.openxmlformats.org/officeDocument/2006/relationships" xmlns:p="http://schemas.openxmlformats.org/presentationml/2006/main">
   <p:cSld>
     <p:spTree>
       <p:nvGrpSpPr>
@@ -9914,7 +10107,7 @@
         </p:nvSpPr>
         <p:spPr>
           <a:xfrm>
-            <a:off x="822960" y="548640"/>
+            <a:off x="822960" y="133200"/>
             <a:ext cx="4637880" cy="830880"/>
           </a:xfrm>
           <a:prstGeom prst="rect">
@@ -9927,6 +10120,7 @@
         </p:spPr>
         <p:txBody>
           <a:bodyPr tIns="91440" bIns="91440" anchor="b"/>
+          <a:lstStyle/>
           <a:p>
             <a:pPr>
               <a:lnSpc>
@@ -9934,7 +10128,7 @@
               </a:lnSpc>
             </a:pPr>
             <a:r>
-              <a:rPr b="0" lang="en-US" sz="4200" spc="-1" strike="noStrike">
+              <a:rPr lang="en-US" sz="4200" b="0" strike="noStrike" spc="-1" dirty="0">
                 <a:solidFill>
                   <a:srgbClr val="000000"/>
                 </a:solidFill>
@@ -9943,7 +10137,7 @@
               </a:rPr>
               <a:t>Bootstrapping Trees</a:t>
             </a:r>
-            <a:endParaRPr b="0" lang="en-US" sz="4200" spc="-1" strike="noStrike">
+            <a:endParaRPr lang="en-US" sz="4200" b="0" strike="noStrike" spc="-1" dirty="0">
               <a:solidFill>
                 <a:srgbClr val="000000"/>
               </a:solidFill>
@@ -9973,6 +10167,7 @@
         </p:spPr>
         <p:txBody>
           <a:bodyPr tIns="91440" bIns="91440"/>
+          <a:lstStyle/>
           <a:p>
             <a:pPr marL="457200" indent="-355320">
               <a:lnSpc>
@@ -9985,7 +10180,7 @@
               <a:buChar char="●"/>
             </a:pPr>
             <a:r>
-              <a:rPr b="0" lang="en-US" sz="2000" spc="-1" strike="noStrike">
+              <a:rPr lang="en-US" sz="2000" b="0" strike="noStrike" spc="-1">
                 <a:solidFill>
                   <a:srgbClr val="000000"/>
                 </a:solidFill>
@@ -9994,7 +10189,7 @@
               </a:rPr>
               <a:t>Example: bootstrapping a bunch of trees in R</a:t>
             </a:r>
-            <a:endParaRPr b="0" lang="en-US" sz="2000" spc="-1" strike="noStrike">
+            <a:endParaRPr lang="en-US" sz="2000" b="0" strike="noStrike" spc="-1">
               <a:solidFill>
                 <a:srgbClr val="000000"/>
               </a:solidFill>
@@ -10013,7 +10208,7 @@
               <a:buChar char="●"/>
             </a:pPr>
             <a:r>
-              <a:rPr b="0" lang="en-US" sz="2000" spc="-1" strike="noStrike">
+              <a:rPr lang="en-US" sz="2000" b="0" strike="noStrike" spc="-1">
                 <a:solidFill>
                   <a:srgbClr val="000000"/>
                 </a:solidFill>
@@ -10023,7 +10218,7 @@
               <a:t>Bootstrap sample </a:t>
             </a:r>
             <a:r>
-              <a:rPr b="0" i="1" lang="en-US" sz="2000" spc="-1" strike="noStrike">
+              <a:rPr lang="en-US" sz="2000" b="0" i="1" strike="noStrike" spc="-1">
                 <a:solidFill>
                   <a:srgbClr val="000000"/>
                 </a:solidFill>
@@ -10033,7 +10228,7 @@
               <a:t>WITH</a:t>
             </a:r>
             <a:r>
-              <a:rPr b="0" lang="en-US" sz="2000" spc="-1" strike="noStrike">
+              <a:rPr lang="en-US" sz="2000" b="0" strike="noStrike" spc="-1">
                 <a:solidFill>
                   <a:srgbClr val="000000"/>
                 </a:solidFill>
@@ -10042,7 +10237,7 @@
               </a:rPr>
               <a:t> replacement</a:t>
             </a:r>
-            <a:endParaRPr b="0" lang="en-US" sz="2000" spc="-1" strike="noStrike">
+            <a:endParaRPr lang="en-US" sz="2000" b="0" strike="noStrike" spc="-1">
               <a:solidFill>
                 <a:srgbClr val="000000"/>
               </a:solidFill>
@@ -10061,7 +10256,7 @@
               <a:buChar char="●"/>
             </a:pPr>
             <a:r>
-              <a:rPr b="0" lang="en-US" sz="2000" spc="-1" strike="noStrike">
+              <a:rPr lang="en-US" sz="2000" b="0" strike="noStrike" spc="-1">
                 <a:solidFill>
                   <a:srgbClr val="000000"/>
                 </a:solidFill>
@@ -10070,7 +10265,7 @@
               </a:rPr>
               <a:t>Each tree ends up using ~⅔ of the data</a:t>
             </a:r>
-            <a:endParaRPr b="0" lang="en-US" sz="2000" spc="-1" strike="noStrike">
+            <a:endParaRPr lang="en-US" sz="2000" b="0" strike="noStrike" spc="-1">
               <a:solidFill>
                 <a:srgbClr val="000000"/>
               </a:solidFill>
@@ -10081,17 +10276,17 @@
       </p:sp>
       <p:pic>
         <p:nvPicPr>
-          <p:cNvPr id="134" name="Google Shape;91;p17" descr=""/>
+          <p:cNvPr id="134" name="Google Shape;91;p17"/>
           <p:cNvPicPr/>
           <p:nvPr/>
         </p:nvPicPr>
         <p:blipFill>
-          <a:blip r:embed="rId1"/>
+          <a:blip r:embed="rId2"/>
           <a:stretch/>
         </p:blipFill>
         <p:spPr>
           <a:xfrm>
-            <a:off x="4572000" y="697320"/>
+            <a:off x="4572000" y="1026540"/>
             <a:ext cx="4116960" cy="4116960"/>
           </a:xfrm>
           <a:prstGeom prst="rect">
@@ -10104,22 +10299,25 @@
       </p:pic>
     </p:spTree>
   </p:cSld>
+  <p:clrMapOvr>
+    <a:masterClrMapping/>
+  </p:clrMapOvr>
   <p:timing>
     <p:tnLst>
       <p:par>
-        <p:cTn id="9" dur="indefinite" restart="never" nodeType="tmRoot">
+        <p:cTn xmlns:p14="http://schemas.microsoft.com/office/powerpoint/2010/main" id="1" dur="indefinite" restart="never" nodeType="tmRoot">
           <p:childTnLst>
             <p:seq>
-              <p:cTn id="10" dur="indefinite" nodeType="mainSeq"/>
+              <p:cTn id="2" dur="indefinite" nodeType="mainSeq"/>
               <p:prevCondLst>
-                <p:cond delay="0" evt="onPrev">
+                <p:cond evt="onPrev" delay="0">
                   <p:tgtEl>
                     <p:sldTgt/>
                   </p:tgtEl>
                 </p:cond>
               </p:prevCondLst>
               <p:nextCondLst>
-                <p:cond delay="0" evt="onNext">
+                <p:cond evt="onNext" delay="0">
                   <p:tgtEl>
                     <p:sldTgt/>
                   </p:tgtEl>
@@ -10135,7 +10333,7 @@
 </file>
 
 <file path=ppt/slides/slide6.xml><?xml version="1.0" encoding="utf-8"?>
-<p:sld xmlns:a="http://schemas.openxmlformats.org/drawingml/2006/main" xmlns:p="http://schemas.openxmlformats.org/presentationml/2006/main" xmlns:r="http://schemas.openxmlformats.org/officeDocument/2006/relationships" xmlns:p14="http://schemas.microsoft.com/office/powerpoint/2010/main" xmlns:p15="http://schemas.microsoft.com/office/powerpoint/2012/main" xmlns:mc="http://schemas.openxmlformats.org/markup-compatibility/2006">
+<p:sld xmlns:a="http://schemas.openxmlformats.org/drawingml/2006/main" xmlns:r="http://schemas.openxmlformats.org/officeDocument/2006/relationships" xmlns:p="http://schemas.openxmlformats.org/presentationml/2006/main">
   <p:cSld>
     <p:spTree>
       <p:nvGrpSpPr>
@@ -10172,6 +10370,7 @@
         </p:spPr>
         <p:txBody>
           <a:bodyPr tIns="91440" bIns="91440" anchor="b"/>
+          <a:lstStyle/>
           <a:p>
             <a:pPr>
               <a:lnSpc>
@@ -10179,7 +10378,7 @@
               </a:lnSpc>
             </a:pPr>
             <a:r>
-              <a:rPr b="0" lang="en-US" sz="4200" spc="-1" strike="noStrike">
+              <a:rPr lang="en-US" sz="4200" b="0" strike="noStrike" spc="-1">
                 <a:solidFill>
                   <a:srgbClr val="000000"/>
                 </a:solidFill>
@@ -10188,7 +10387,7 @@
               </a:rPr>
               <a:t>Combine Trees</a:t>
             </a:r>
-            <a:endParaRPr b="0" lang="en-US" sz="4200" spc="-1" strike="noStrike">
+            <a:endParaRPr lang="en-US" sz="4200" b="0" strike="noStrike" spc="-1">
               <a:solidFill>
                 <a:srgbClr val="000000"/>
               </a:solidFill>
@@ -10218,6 +10417,7 @@
         </p:spPr>
         <p:txBody>
           <a:bodyPr tIns="91440" bIns="91440"/>
+          <a:lstStyle/>
           <a:p>
             <a:pPr>
               <a:lnSpc>
@@ -10225,7 +10425,7 @@
               </a:lnSpc>
             </a:pPr>
             <a:r>
-              <a:rPr b="0" lang="en-US" sz="2000" spc="-1" strike="noStrike">
+              <a:rPr lang="en-US" sz="2000" b="0" strike="noStrike" spc="-1">
                 <a:solidFill>
                   <a:srgbClr val="000000"/>
                 </a:solidFill>
@@ -10234,7 +10434,7 @@
               </a:rPr>
               <a:t>Regression: average predictions (each leaf’s prediction is its mean for a continuous variable) probabilities</a:t>
             </a:r>
-            <a:endParaRPr b="0" lang="en-US" sz="2000" spc="-1" strike="noStrike">
+            <a:endParaRPr lang="en-US" sz="2000" b="0" strike="noStrike" spc="-1">
               <a:solidFill>
                 <a:srgbClr val="000000"/>
               </a:solidFill>
@@ -10253,7 +10453,7 @@
                 <a:spcPts val="1599"/>
               </a:spcAft>
             </a:pPr>
-            <a:endParaRPr b="0" lang="en-US" sz="2000" spc="-1" strike="noStrike">
+            <a:endParaRPr lang="en-US" sz="2000" b="0" strike="noStrike" spc="-1">
               <a:solidFill>
                 <a:srgbClr val="000000"/>
               </a:solidFill>
@@ -10283,6 +10483,7 @@
         </p:spPr>
         <p:txBody>
           <a:bodyPr tIns="91440" bIns="91440"/>
+          <a:lstStyle/>
           <a:p>
             <a:pPr>
               <a:lnSpc>
@@ -10290,7 +10491,7 @@
               </a:lnSpc>
             </a:pPr>
             <a:r>
-              <a:rPr b="0" lang="en-US" sz="2000" spc="-1" strike="noStrike">
+              <a:rPr lang="en-US" sz="2000" b="0" strike="noStrike" spc="-1">
                 <a:solidFill>
                   <a:srgbClr val="000000"/>
                 </a:solidFill>
@@ -10299,7 +10500,7 @@
               </a:rPr>
               <a:t>Classification: take majority vote for each data point or average class probabilities</a:t>
             </a:r>
-            <a:endParaRPr b="0" lang="en-US" sz="2000" spc="-1" strike="noStrike">
+            <a:endParaRPr lang="en-US" sz="2000" b="0" strike="noStrike" spc="-1">
               <a:solidFill>
                 <a:srgbClr val="000000"/>
               </a:solidFill>
@@ -10318,7 +10519,7 @@
                 <a:spcPts val="1599"/>
               </a:spcAft>
             </a:pPr>
-            <a:endParaRPr b="0" lang="en-US" sz="2000" spc="-1" strike="noStrike">
+            <a:endParaRPr lang="en-US" sz="2000" b="0" strike="noStrike" spc="-1">
               <a:solidFill>
                 <a:srgbClr val="000000"/>
               </a:solidFill>
@@ -10329,30 +10530,7 @@
       </p:sp>
       <p:pic>
         <p:nvPicPr>
-          <p:cNvPr id="138" name="Google Shape;99;p18" descr=""/>
-          <p:cNvPicPr/>
-          <p:nvPr/>
-        </p:nvPicPr>
-        <p:blipFill>
-          <a:blip r:embed="rId1"/>
-          <a:stretch/>
-        </p:blipFill>
-        <p:spPr>
-          <a:xfrm>
-            <a:off x="4483800" y="1889640"/>
-            <a:ext cx="4044600" cy="3076920"/>
-          </a:xfrm>
-          <a:prstGeom prst="rect">
-            <a:avLst/>
-          </a:prstGeom>
-          <a:ln>
-            <a:noFill/>
-          </a:ln>
-        </p:spPr>
-      </p:pic>
-      <p:pic>
-        <p:nvPicPr>
-          <p:cNvPr id="139" name="Google Shape;100;p18" descr=""/>
+          <p:cNvPr id="138" name="Google Shape;99;p18"/>
           <p:cNvPicPr/>
           <p:nvPr/>
         </p:nvPicPr>
@@ -10362,8 +10540,8 @@
         </p:blipFill>
         <p:spPr>
           <a:xfrm>
-            <a:off x="303480" y="2224080"/>
-            <a:ext cx="3546000" cy="2742480"/>
+            <a:off x="4483800" y="1889640"/>
+            <a:ext cx="4044600" cy="3076920"/>
           </a:xfrm>
           <a:prstGeom prst="rect">
             <a:avLst/>
@@ -10373,24 +10551,50 @@
           </a:ln>
         </p:spPr>
       </p:pic>
+      <p:pic>
+        <p:nvPicPr>
+          <p:cNvPr id="139" name="Google Shape;100;p18"/>
+          <p:cNvPicPr/>
+          <p:nvPr/>
+        </p:nvPicPr>
+        <p:blipFill>
+          <a:blip r:embed="rId3"/>
+          <a:stretch/>
+        </p:blipFill>
+        <p:spPr>
+          <a:xfrm>
+            <a:off x="303480" y="2224080"/>
+            <a:ext cx="3546000" cy="2742480"/>
+          </a:xfrm>
+          <a:prstGeom prst="rect">
+            <a:avLst/>
+          </a:prstGeom>
+          <a:ln>
+            <a:noFill/>
+          </a:ln>
+        </p:spPr>
+      </p:pic>
     </p:spTree>
   </p:cSld>
+  <p:clrMapOvr>
+    <a:masterClrMapping/>
+  </p:clrMapOvr>
   <p:timing>
     <p:tnLst>
       <p:par>
-        <p:cTn id="11" dur="indefinite" restart="never" nodeType="tmRoot">
+        <p:cTn xmlns:p14="http://schemas.microsoft.com/office/powerpoint/2010/main" id="1" dur="indefinite" restart="never" nodeType="tmRoot">
           <p:childTnLst>
             <p:seq>
-              <p:cTn id="12" dur="indefinite" nodeType="mainSeq"/>
+              <p:cTn id="2" dur="indefinite" nodeType="mainSeq"/>
               <p:prevCondLst>
-                <p:cond delay="0" evt="onPrev">
+                <p:cond evt="onPrev" delay="0">
                   <p:tgtEl>
                     <p:sldTgt/>
                   </p:tgtEl>
                 </p:cond>
               </p:prevCondLst>
               <p:nextCondLst>
-                <p:cond delay="0" evt="onNext">
+                <p:cond evt="onNext" delay="0">
                   <p:tgtEl>
                     <p:sldTgt/>
                   </p:tgtEl>
@@ -10406,7 +10610,7 @@
 </file>
 
 <file path=ppt/slides/slide7.xml><?xml version="1.0" encoding="utf-8"?>
-<p:sld xmlns:a="http://schemas.openxmlformats.org/drawingml/2006/main" xmlns:p="http://schemas.openxmlformats.org/presentationml/2006/main" xmlns:r="http://schemas.openxmlformats.org/officeDocument/2006/relationships" xmlns:p14="http://schemas.microsoft.com/office/powerpoint/2010/main" xmlns:p15="http://schemas.microsoft.com/office/powerpoint/2012/main" xmlns:mc="http://schemas.openxmlformats.org/markup-compatibility/2006">
+<p:sld xmlns:a="http://schemas.openxmlformats.org/drawingml/2006/main" xmlns:r="http://schemas.openxmlformats.org/officeDocument/2006/relationships" xmlns:p="http://schemas.openxmlformats.org/presentationml/2006/main">
   <p:cSld>
     <p:spTree>
       <p:nvGrpSpPr>
@@ -10443,6 +10647,7 @@
         </p:spPr>
         <p:txBody>
           <a:bodyPr tIns="91440" bIns="91440" anchor="b"/>
+          <a:lstStyle/>
           <a:p>
             <a:pPr>
               <a:lnSpc>
@@ -10450,7 +10655,7 @@
               </a:lnSpc>
             </a:pPr>
             <a:r>
-              <a:rPr b="0" lang="en-US" sz="4200" spc="-1" strike="noStrike">
+              <a:rPr lang="en-US" sz="4200" b="0" strike="noStrike" spc="-1">
                 <a:solidFill>
                   <a:srgbClr val="000000"/>
                 </a:solidFill>
@@ -10459,7 +10664,7 @@
               </a:rPr>
               <a:t>Random Forests</a:t>
             </a:r>
-            <a:endParaRPr b="0" lang="en-US" sz="4200" spc="-1" strike="noStrike">
+            <a:endParaRPr lang="en-US" sz="4200" b="0" strike="noStrike" spc="-1">
               <a:solidFill>
                 <a:srgbClr val="000000"/>
               </a:solidFill>
@@ -10489,6 +10694,7 @@
         </p:spPr>
         <p:txBody>
           <a:bodyPr tIns="91440" bIns="91440"/>
+          <a:lstStyle/>
           <a:p>
             <a:pPr marL="457200" indent="-355320">
               <a:lnSpc>
@@ -10501,7 +10707,7 @@
               <a:buChar char="●"/>
             </a:pPr>
             <a:r>
-              <a:rPr b="0" lang="en-US" sz="2000" spc="-1" strike="noStrike">
+              <a:rPr lang="en-US" sz="2000" b="0" strike="noStrike" spc="-1">
                 <a:solidFill>
                   <a:srgbClr val="000000"/>
                 </a:solidFill>
@@ -10510,7 +10716,7 @@
               </a:rPr>
               <a:t>Simple improvement on bagging</a:t>
             </a:r>
-            <a:endParaRPr b="0" lang="en-US" sz="2000" spc="-1" strike="noStrike">
+            <a:endParaRPr lang="en-US" sz="2000" b="0" strike="noStrike" spc="-1">
               <a:solidFill>
                 <a:srgbClr val="000000"/>
               </a:solidFill>
@@ -10529,7 +10735,7 @@
               <a:buChar char="●"/>
             </a:pPr>
             <a:r>
-              <a:rPr b="0" lang="en-US" sz="2000" spc="-1" strike="noStrike">
+              <a:rPr lang="en-US" sz="2000" b="0" strike="noStrike" spc="-1">
                 <a:solidFill>
                   <a:srgbClr val="000000"/>
                 </a:solidFill>
@@ -10538,7 +10744,7 @@
               </a:rPr>
               <a:t>Instead of considering all predictors for splitting each tree, consider only a subset -- this is the main difference b/w RF and Bagging</a:t>
             </a:r>
-            <a:endParaRPr b="0" lang="en-US" sz="2000" spc="-1" strike="noStrike">
+            <a:endParaRPr lang="en-US" sz="2000" b="0" strike="noStrike" spc="-1">
               <a:solidFill>
                 <a:srgbClr val="000000"/>
               </a:solidFill>
@@ -10557,7 +10763,7 @@
               <a:buChar char="●"/>
             </a:pPr>
             <a:r>
-              <a:rPr b="0" lang="en-US" sz="2000" spc="-1" strike="noStrike">
+              <a:rPr lang="en-US" sz="2000" b="0" strike="noStrike" spc="-1">
                 <a:solidFill>
                   <a:srgbClr val="000000"/>
                 </a:solidFill>
@@ -10566,7 +10772,7 @@
               </a:rPr>
               <a:t>Why is this a good idea?</a:t>
             </a:r>
-            <a:endParaRPr b="0" lang="en-US" sz="2000" spc="-1" strike="noStrike">
+            <a:endParaRPr lang="en-US" sz="2000" b="0" strike="noStrike" spc="-1">
               <a:solidFill>
                 <a:srgbClr val="000000"/>
               </a:solidFill>
@@ -10585,7 +10791,7 @@
               <a:buChar char="●"/>
             </a:pPr>
             <a:r>
-              <a:rPr b="0" lang="en-US" sz="2000" spc="-1" strike="noStrike">
+              <a:rPr lang="en-US" sz="2000" b="0" strike="noStrike" spc="-1">
                 <a:solidFill>
                   <a:srgbClr val="000000"/>
                 </a:solidFill>
@@ -10594,7 +10800,7 @@
               </a:rPr>
               <a:t>If there is a strong predictor, all the trees will look the same, eg. be highly correlated and thus lead to smaller reduction in the variance of the final model.</a:t>
             </a:r>
-            <a:endParaRPr b="0" lang="en-US" sz="2000" spc="-1" strike="noStrike">
+            <a:endParaRPr lang="en-US" sz="2000" b="0" strike="noStrike" spc="-1">
               <a:solidFill>
                 <a:srgbClr val="000000"/>
               </a:solidFill>
@@ -10613,7 +10819,7 @@
               <a:buChar char="●"/>
             </a:pPr>
             <a:r>
-              <a:rPr b="0" lang="en-US" sz="2000" spc="-1" strike="noStrike">
+              <a:rPr lang="en-US" sz="2000" b="0" strike="noStrike" spc="-1">
                 <a:solidFill>
                   <a:srgbClr val="000000"/>
                 </a:solidFill>
@@ -10622,7 +10828,7 @@
               </a:rPr>
               <a:t>Allows for more varied trees, so other predictors that weren’t quite as strong will also get some representation</a:t>
             </a:r>
-            <a:endParaRPr b="0" lang="en-US" sz="2000" spc="-1" strike="noStrike">
+            <a:endParaRPr lang="en-US" sz="2000" b="0" strike="noStrike" spc="-1">
               <a:solidFill>
                 <a:srgbClr val="000000"/>
               </a:solidFill>
@@ -10633,22 +10839,25 @@
       </p:sp>
     </p:spTree>
   </p:cSld>
+  <p:clrMapOvr>
+    <a:masterClrMapping/>
+  </p:clrMapOvr>
   <p:timing>
     <p:tnLst>
       <p:par>
-        <p:cTn id="13" dur="indefinite" restart="never" nodeType="tmRoot">
+        <p:cTn xmlns:p14="http://schemas.microsoft.com/office/powerpoint/2010/main" id="1" dur="indefinite" restart="never" nodeType="tmRoot">
           <p:childTnLst>
             <p:seq>
-              <p:cTn id="14" dur="indefinite" nodeType="mainSeq"/>
+              <p:cTn id="2" dur="indefinite" nodeType="mainSeq"/>
               <p:prevCondLst>
-                <p:cond delay="0" evt="onPrev">
+                <p:cond evt="onPrev" delay="0">
                   <p:tgtEl>
                     <p:sldTgt/>
                   </p:tgtEl>
                 </p:cond>
               </p:prevCondLst>
               <p:nextCondLst>
-                <p:cond delay="0" evt="onNext">
+                <p:cond evt="onNext" delay="0">
                   <p:tgtEl>
                     <p:sldTgt/>
                   </p:tgtEl>
@@ -10664,7 +10873,7 @@
 </file>
 
 <file path=ppt/slides/slide8.xml><?xml version="1.0" encoding="utf-8"?>
-<p:sld xmlns:a="http://schemas.openxmlformats.org/drawingml/2006/main" xmlns:p="http://schemas.openxmlformats.org/presentationml/2006/main" xmlns:r="http://schemas.openxmlformats.org/officeDocument/2006/relationships" xmlns:p14="http://schemas.microsoft.com/office/powerpoint/2010/main" xmlns:p15="http://schemas.microsoft.com/office/powerpoint/2012/main" xmlns:mc="http://schemas.openxmlformats.org/markup-compatibility/2006">
+<p:sld xmlns:a="http://schemas.openxmlformats.org/drawingml/2006/main" xmlns:r="http://schemas.openxmlformats.org/officeDocument/2006/relationships" xmlns:p="http://schemas.openxmlformats.org/presentationml/2006/main">
   <p:cSld>
     <p:spTree>
       <p:nvGrpSpPr>
@@ -10701,6 +10910,7 @@
         </p:spPr>
         <p:txBody>
           <a:bodyPr tIns="91440" bIns="91440" anchor="b"/>
+          <a:lstStyle/>
           <a:p>
             <a:pPr>
               <a:lnSpc>
@@ -10708,7 +10918,7 @@
               </a:lnSpc>
             </a:pPr>
             <a:r>
-              <a:rPr b="0" lang="en-US" sz="4200" spc="-1" strike="noStrike">
+              <a:rPr lang="en-US" sz="4200" b="0" strike="noStrike" spc="-1">
                 <a:solidFill>
                   <a:srgbClr val="000000"/>
                 </a:solidFill>
@@ -10717,7 +10927,7 @@
               </a:rPr>
               <a:t>Bagging/RF Good and Bad</a:t>
             </a:r>
-            <a:endParaRPr b="0" lang="en-US" sz="4200" spc="-1" strike="noStrike">
+            <a:endParaRPr lang="en-US" sz="4200" b="0" strike="noStrike" spc="-1">
               <a:solidFill>
                 <a:srgbClr val="000000"/>
               </a:solidFill>
@@ -10747,6 +10957,7 @@
         </p:spPr>
         <p:txBody>
           <a:bodyPr tIns="91440" bIns="91440"/>
+          <a:lstStyle/>
           <a:p>
             <a:pPr marL="457200" indent="-355320">
               <a:lnSpc>
@@ -10759,7 +10970,7 @@
               <a:buChar char="●"/>
             </a:pPr>
             <a:r>
-              <a:rPr b="0" lang="en-US" sz="2000" spc="-1" strike="noStrike">
+              <a:rPr lang="en-US" sz="2000" b="0" strike="noStrike" spc="-1">
                 <a:solidFill>
                   <a:srgbClr val="000000"/>
                 </a:solidFill>
@@ -10768,15 +10979,15 @@
               </a:rPr>
               <a:t>Good</a:t>
             </a:r>
-            <a:endParaRPr b="0" lang="en-US" sz="2000" spc="-1" strike="noStrike">
-              <a:solidFill>
-                <a:srgbClr val="000000"/>
-              </a:solidFill>
-              <a:latin typeface="Arial"/>
-            </a:endParaRPr>
-          </a:p>
-          <a:p>
-            <a:pPr lvl="1" marL="914400" indent="-355320">
+            <a:endParaRPr lang="en-US" sz="2000" b="0" strike="noStrike" spc="-1">
+              <a:solidFill>
+                <a:srgbClr val="000000"/>
+              </a:solidFill>
+              <a:latin typeface="Arial"/>
+            </a:endParaRPr>
+          </a:p>
+          <a:p>
+            <a:pPr marL="914400" lvl="1" indent="-355320">
               <a:lnSpc>
                 <a:spcPct val="115000"/>
               </a:lnSpc>
@@ -10787,7 +10998,7 @@
               <a:buChar char="○"/>
             </a:pPr>
             <a:r>
-              <a:rPr b="0" lang="en-US" sz="2000" spc="-1" strike="noStrike">
+              <a:rPr lang="en-US" sz="2000" b="0" strike="noStrike" spc="-1">
                 <a:solidFill>
                   <a:srgbClr val="000000"/>
                 </a:solidFill>
@@ -10796,15 +11007,15 @@
               </a:rPr>
               <a:t>Better predictions than decision trees</a:t>
             </a:r>
-            <a:endParaRPr b="0" lang="en-US" sz="2000" spc="-1" strike="noStrike">
-              <a:solidFill>
-                <a:srgbClr val="000000"/>
-              </a:solidFill>
-              <a:latin typeface="Arial"/>
-            </a:endParaRPr>
-          </a:p>
-          <a:p>
-            <a:pPr lvl="1" marL="914400" indent="-355320">
+            <a:endParaRPr lang="en-US" sz="2000" b="0" strike="noStrike" spc="-1">
+              <a:solidFill>
+                <a:srgbClr val="000000"/>
+              </a:solidFill>
+              <a:latin typeface="Arial"/>
+            </a:endParaRPr>
+          </a:p>
+          <a:p>
+            <a:pPr marL="914400" lvl="1" indent="-355320">
               <a:lnSpc>
                 <a:spcPct val="115000"/>
               </a:lnSpc>
@@ -10815,7 +11026,7 @@
               <a:buChar char="○"/>
             </a:pPr>
             <a:r>
-              <a:rPr b="0" lang="en-US" sz="2000" spc="-1" strike="noStrike">
+              <a:rPr lang="en-US" sz="2000" b="0" strike="noStrike" spc="-1">
                 <a:solidFill>
                   <a:srgbClr val="000000"/>
                 </a:solidFill>
@@ -10824,15 +11035,15 @@
               </a:rPr>
               <a:t>Reduced variance - more so with RF</a:t>
             </a:r>
-            <a:endParaRPr b="0" lang="en-US" sz="2000" spc="-1" strike="noStrike">
-              <a:solidFill>
-                <a:srgbClr val="000000"/>
-              </a:solidFill>
-              <a:latin typeface="Arial"/>
-            </a:endParaRPr>
-          </a:p>
-          <a:p>
-            <a:pPr lvl="1" marL="914400" indent="-355320">
+            <a:endParaRPr lang="en-US" sz="2000" b="0" strike="noStrike" spc="-1">
+              <a:solidFill>
+                <a:srgbClr val="000000"/>
+              </a:solidFill>
+              <a:latin typeface="Arial"/>
+            </a:endParaRPr>
+          </a:p>
+          <a:p>
+            <a:pPr marL="914400" lvl="1" indent="-355320">
               <a:lnSpc>
                 <a:spcPct val="115000"/>
               </a:lnSpc>
@@ -10843,7 +11054,7 @@
               <a:buChar char="○"/>
             </a:pPr>
             <a:r>
-              <a:rPr b="0" lang="en-US" sz="2000" spc="-1" strike="noStrike">
+              <a:rPr lang="en-US" sz="2000" b="0" strike="noStrike" spc="-1">
                 <a:solidFill>
                   <a:srgbClr val="000000"/>
                 </a:solidFill>
@@ -10852,15 +11063,15 @@
               </a:rPr>
               <a:t>More trees doesn’t lead to overfitting, so just need a sufficiently large number of trees to minimize test error</a:t>
             </a:r>
-            <a:endParaRPr b="0" lang="en-US" sz="2000" spc="-1" strike="noStrike">
-              <a:solidFill>
-                <a:srgbClr val="000000"/>
-              </a:solidFill>
-              <a:latin typeface="Arial"/>
-            </a:endParaRPr>
-          </a:p>
-          <a:p>
-            <a:pPr lvl="1" marL="914400" indent="-355320">
+            <a:endParaRPr lang="en-US" sz="2000" b="0" strike="noStrike" spc="-1">
+              <a:solidFill>
+                <a:srgbClr val="000000"/>
+              </a:solidFill>
+              <a:latin typeface="Arial"/>
+            </a:endParaRPr>
+          </a:p>
+          <a:p>
+            <a:pPr marL="914400" lvl="1" indent="-355320">
               <a:lnSpc>
                 <a:spcPct val="115000"/>
               </a:lnSpc>
@@ -10871,7 +11082,7 @@
               <a:buChar char="○"/>
             </a:pPr>
             <a:r>
-              <a:rPr b="0" lang="en-US" sz="2000" spc="-1" strike="noStrike">
+              <a:rPr lang="en-US" sz="2000" b="0" strike="noStrike" spc="-1">
                 <a:solidFill>
                   <a:srgbClr val="000000"/>
                 </a:solidFill>
@@ -10880,7 +11091,7 @@
               </a:rPr>
               <a:t>Get estimates of test error for free -- test errors can be computed on the left-out sets for each bootstrapped tree (aka. Out-Of-Bag (OOB) error)</a:t>
             </a:r>
-            <a:endParaRPr b="0" lang="en-US" sz="2000" spc="-1" strike="noStrike">
+            <a:endParaRPr lang="en-US" sz="2000" b="0" strike="noStrike" spc="-1">
               <a:solidFill>
                 <a:srgbClr val="000000"/>
               </a:solidFill>
@@ -10899,7 +11110,7 @@
               <a:buChar char="●"/>
             </a:pPr>
             <a:r>
-              <a:rPr b="0" lang="en-US" sz="2000" spc="-1" strike="noStrike">
+              <a:rPr lang="en-US" sz="2000" b="0" strike="noStrike" spc="-1">
                 <a:solidFill>
                   <a:srgbClr val="000000"/>
                 </a:solidFill>
@@ -10908,15 +11119,15 @@
               </a:rPr>
               <a:t>Bad</a:t>
             </a:r>
-            <a:endParaRPr b="0" lang="en-US" sz="2000" spc="-1" strike="noStrike">
-              <a:solidFill>
-                <a:srgbClr val="000000"/>
-              </a:solidFill>
-              <a:latin typeface="Arial"/>
-            </a:endParaRPr>
-          </a:p>
-          <a:p>
-            <a:pPr lvl="1" marL="914400" indent="-355320">
+            <a:endParaRPr lang="en-US" sz="2000" b="0" strike="noStrike" spc="-1">
+              <a:solidFill>
+                <a:srgbClr val="000000"/>
+              </a:solidFill>
+              <a:latin typeface="Arial"/>
+            </a:endParaRPr>
+          </a:p>
+          <a:p>
+            <a:pPr marL="914400" lvl="1" indent="-355320">
               <a:lnSpc>
                 <a:spcPct val="115000"/>
               </a:lnSpc>
@@ -10927,7 +11138,7 @@
               <a:buChar char="○"/>
             </a:pPr>
             <a:r>
-              <a:rPr b="0" lang="en-US" sz="2000" spc="-1" strike="noStrike">
+              <a:rPr lang="en-US" sz="2000" b="0" strike="noStrike" spc="-1">
                 <a:solidFill>
                   <a:srgbClr val="000000"/>
                 </a:solidFill>
@@ -10936,15 +11147,15 @@
               </a:rPr>
               <a:t>Harder to interpret than simple decision trees</a:t>
             </a:r>
-            <a:endParaRPr b="0" lang="en-US" sz="2000" spc="-1" strike="noStrike">
-              <a:solidFill>
-                <a:srgbClr val="000000"/>
-              </a:solidFill>
-              <a:latin typeface="Arial"/>
-            </a:endParaRPr>
-          </a:p>
-          <a:p>
-            <a:pPr lvl="1" marL="914400" indent="-355320">
+            <a:endParaRPr lang="en-US" sz="2000" b="0" strike="noStrike" spc="-1">
+              <a:solidFill>
+                <a:srgbClr val="000000"/>
+              </a:solidFill>
+              <a:latin typeface="Arial"/>
+            </a:endParaRPr>
+          </a:p>
+          <a:p>
+            <a:pPr marL="914400" lvl="1" indent="-355320">
               <a:lnSpc>
                 <a:spcPct val="115000"/>
               </a:lnSpc>
@@ -10955,7 +11166,7 @@
               <a:buChar char="○"/>
             </a:pPr>
             <a:r>
-              <a:rPr b="0" lang="en-US" sz="2000" spc="-1" strike="noStrike">
+              <a:rPr lang="en-US" sz="2000" b="0" strike="noStrike" spc="-1">
                 <a:solidFill>
                   <a:srgbClr val="000000"/>
                 </a:solidFill>
@@ -10964,15 +11175,15 @@
               </a:rPr>
               <a:t>Slower - have to compute a tree for each bootstrap</a:t>
             </a:r>
-            <a:endParaRPr b="0" lang="en-US" sz="2000" spc="-1" strike="noStrike">
-              <a:solidFill>
-                <a:srgbClr val="000000"/>
-              </a:solidFill>
-              <a:latin typeface="Arial"/>
-            </a:endParaRPr>
-          </a:p>
-          <a:p>
-            <a:pPr lvl="1" marL="914400" indent="-355320">
+            <a:endParaRPr lang="en-US" sz="2000" b="0" strike="noStrike" spc="-1">
+              <a:solidFill>
+                <a:srgbClr val="000000"/>
+              </a:solidFill>
+              <a:latin typeface="Arial"/>
+            </a:endParaRPr>
+          </a:p>
+          <a:p>
+            <a:pPr marL="914400" lvl="1" indent="-355320">
               <a:lnSpc>
                 <a:spcPct val="115000"/>
               </a:lnSpc>
@@ -10983,7 +11194,7 @@
               <a:buChar char="○"/>
             </a:pPr>
             <a:r>
-              <a:rPr b="0" lang="en-US" sz="2000" spc="-1" strike="noStrike">
+              <a:rPr lang="en-US" sz="2000" b="0" strike="noStrike" spc="-1">
                 <a:solidFill>
                   <a:srgbClr val="000000"/>
                 </a:solidFill>
@@ -10992,7 +11203,7 @@
               </a:rPr>
               <a:t>Overfitting resulting from tree depth</a:t>
             </a:r>
-            <a:endParaRPr b="0" lang="en-US" sz="2000" spc="-1" strike="noStrike">
+            <a:endParaRPr lang="en-US" sz="2000" b="0" strike="noStrike" spc="-1">
               <a:solidFill>
                 <a:srgbClr val="000000"/>
               </a:solidFill>
@@ -11003,22 +11214,25 @@
       </p:sp>
     </p:spTree>
   </p:cSld>
+  <p:clrMapOvr>
+    <a:masterClrMapping/>
+  </p:clrMapOvr>
   <p:timing>
     <p:tnLst>
       <p:par>
-        <p:cTn id="15" dur="indefinite" restart="never" nodeType="tmRoot">
+        <p:cTn xmlns:p14="http://schemas.microsoft.com/office/powerpoint/2010/main" id="1" dur="indefinite" restart="never" nodeType="tmRoot">
           <p:childTnLst>
             <p:seq>
-              <p:cTn id="16" dur="indefinite" nodeType="mainSeq"/>
+              <p:cTn id="2" dur="indefinite" nodeType="mainSeq"/>
               <p:prevCondLst>
-                <p:cond delay="0" evt="onPrev">
+                <p:cond evt="onPrev" delay="0">
                   <p:tgtEl>
                     <p:sldTgt/>
                   </p:tgtEl>
                 </p:cond>
               </p:prevCondLst>
               <p:nextCondLst>
-                <p:cond delay="0" evt="onNext">
+                <p:cond evt="onNext" delay="0">
                   <p:tgtEl>
                     <p:sldTgt/>
                   </p:tgtEl>
@@ -11034,7 +11248,7 @@
 </file>
 
 <file path=ppt/slides/slide9.xml><?xml version="1.0" encoding="utf-8"?>
-<p:sld xmlns:a="http://schemas.openxmlformats.org/drawingml/2006/main" xmlns:p="http://schemas.openxmlformats.org/presentationml/2006/main" xmlns:r="http://schemas.openxmlformats.org/officeDocument/2006/relationships" xmlns:p14="http://schemas.microsoft.com/office/powerpoint/2010/main" xmlns:p15="http://schemas.microsoft.com/office/powerpoint/2012/main" xmlns:mc="http://schemas.openxmlformats.org/markup-compatibility/2006">
+<p:sld xmlns:a="http://schemas.openxmlformats.org/drawingml/2006/main" xmlns:r="http://schemas.openxmlformats.org/officeDocument/2006/relationships" xmlns:p="http://schemas.openxmlformats.org/presentationml/2006/main">
   <p:cSld>
     <p:spTree>
       <p:nvGrpSpPr>
@@ -11071,6 +11285,7 @@
         </p:spPr>
         <p:txBody>
           <a:bodyPr tIns="91440" bIns="91440" anchor="b"/>
+          <a:lstStyle/>
           <a:p>
             <a:pPr>
               <a:lnSpc>
@@ -11078,7 +11293,7 @@
               </a:lnSpc>
             </a:pPr>
             <a:r>
-              <a:rPr b="0" lang="en-US" sz="4200" spc="-1" strike="noStrike">
+              <a:rPr lang="en-US" sz="4200" b="0" strike="noStrike" spc="-1">
                 <a:solidFill>
                   <a:srgbClr val="000000"/>
                 </a:solidFill>
@@ -11087,7 +11302,7 @@
               </a:rPr>
               <a:t>Boosting</a:t>
             </a:r>
-            <a:endParaRPr b="0" lang="en-US" sz="4200" spc="-1" strike="noStrike">
+            <a:endParaRPr lang="en-US" sz="4200" b="0" strike="noStrike" spc="-1">
               <a:solidFill>
                 <a:srgbClr val="000000"/>
               </a:solidFill>
@@ -11117,6 +11332,7 @@
         </p:spPr>
         <p:txBody>
           <a:bodyPr tIns="91440" bIns="91440"/>
+          <a:lstStyle/>
           <a:p>
             <a:pPr marL="457200" indent="-374400">
               <a:lnSpc>
@@ -11129,16 +11345,36 @@
               <a:buChar char="●"/>
             </a:pPr>
             <a:r>
-              <a:rPr b="0" lang="en-US" sz="1800" spc="-1" strike="noStrike">
+              <a:rPr lang="en-US" sz="1800" b="0" strike="noStrike" spc="-1" dirty="0">
                 <a:solidFill>
                   <a:srgbClr val="000000"/>
                 </a:solidFill>
                 <a:latin typeface="Open Sans"/>
                 <a:ea typeface="Open Sans"/>
               </a:rPr>
-              <a:t>Like bagging, fits a bunch of weak learners (eg. trees, linear models)</a:t>
-            </a:r>
-            <a:endParaRPr b="0" lang="en-US" sz="1800" spc="-1" strike="noStrike">
+              <a:t>Like bagging, fits a bunch of weak learners (</a:t>
+            </a:r>
+            <a:r>
+              <a:rPr lang="en-US" sz="1800" b="0" strike="noStrike" spc="-1" dirty="0" err="1">
+                <a:solidFill>
+                  <a:srgbClr val="000000"/>
+                </a:solidFill>
+                <a:latin typeface="Open Sans"/>
+                <a:ea typeface="Open Sans"/>
+              </a:rPr>
+              <a:t>eg</a:t>
+            </a:r>
+            <a:r>
+              <a:rPr lang="en-US" sz="1800" b="0" strike="noStrike" spc="-1" dirty="0">
+                <a:solidFill>
+                  <a:srgbClr val="000000"/>
+                </a:solidFill>
+                <a:latin typeface="Open Sans"/>
+                <a:ea typeface="Open Sans"/>
+              </a:rPr>
+              <a:t>. trees, linear models)</a:t>
+            </a:r>
+            <a:endParaRPr lang="en-US" sz="1800" b="0" strike="noStrike" spc="-1" dirty="0">
               <a:solidFill>
                 <a:srgbClr val="000000"/>
               </a:solidFill>
@@ -11157,7 +11393,7 @@
               <a:buChar char="●"/>
             </a:pPr>
             <a:r>
-              <a:rPr b="0" lang="en-US" sz="1800" spc="-1" strike="noStrike">
+              <a:rPr lang="en-US" sz="1800" b="0" strike="noStrike" spc="-1" dirty="0">
                 <a:solidFill>
                   <a:srgbClr val="000000"/>
                 </a:solidFill>
@@ -11166,7 +11402,7 @@
               </a:rPr>
               <a:t>However, each iteration is fit to reweighted versions of training data where the misclassified points are more heavily weighted.</a:t>
             </a:r>
-            <a:endParaRPr b="0" lang="en-US" sz="1800" spc="-1" strike="noStrike">
+            <a:endParaRPr lang="en-US" sz="1800" b="0" strike="noStrike" spc="-1" dirty="0">
               <a:solidFill>
                 <a:srgbClr val="000000"/>
               </a:solidFill>
@@ -11185,7 +11421,7 @@
               <a:buChar char="●"/>
             </a:pPr>
             <a:r>
-              <a:rPr b="0" lang="en-US" sz="1800" spc="-1" strike="noStrike">
+              <a:rPr lang="en-US" sz="1800" b="0" strike="noStrike" spc="-1" dirty="0">
                 <a:solidFill>
                   <a:srgbClr val="000000"/>
                 </a:solidFill>
@@ -11195,7 +11431,7 @@
               <a:t>Iterative, additive model, looks like a GAM, but model and parameters are not estimated </a:t>
             </a:r>
             <a:r>
-              <a:rPr b="0" i="1" lang="en-US" sz="1800" spc="-1" strike="noStrike">
+              <a:rPr lang="en-US" sz="1800" b="0" i="1" strike="noStrike" spc="-1" dirty="0" err="1">
                 <a:solidFill>
                   <a:srgbClr val="000000"/>
                 </a:solidFill>
@@ -11205,7 +11441,7 @@
               <a:t>simutaneuosly</a:t>
             </a:r>
             <a:r>
-              <a:rPr b="0" lang="en-US" sz="1800" spc="-1" strike="noStrike">
+              <a:rPr lang="en-US" sz="1800" b="0" strike="noStrike" spc="-1" dirty="0">
                 <a:solidFill>
                   <a:srgbClr val="000000"/>
                 </a:solidFill>
@@ -11214,7 +11450,7 @@
               </a:rPr>
               <a:t>: </a:t>
             </a:r>
-            <a:endParaRPr b="0" lang="en-US" sz="1800" spc="-1" strike="noStrike">
+            <a:endParaRPr lang="en-US" sz="1800" b="0" strike="noStrike" spc="-1" dirty="0">
               <a:solidFill>
                 <a:srgbClr val="000000"/>
               </a:solidFill>
@@ -11230,7 +11466,7 @@
                 <a:spcPts val="1599"/>
               </a:spcBef>
             </a:pPr>
-            <a:endParaRPr b="0" lang="en-US" sz="1800" spc="-1" strike="noStrike">
+            <a:endParaRPr lang="en-US" sz="1800" b="0" strike="noStrike" spc="-1" dirty="0">
               <a:solidFill>
                 <a:srgbClr val="000000"/>
               </a:solidFill>
@@ -11247,7 +11483,7 @@
               </a:spcBef>
             </a:pPr>
             <a:r>
-              <a:rPr b="0" lang="en-US" sz="1800" spc="-1" strike="noStrike">
+              <a:rPr lang="en-US" sz="1800" b="0" strike="noStrike" spc="-1" dirty="0">
                 <a:solidFill>
                   <a:srgbClr val="000000"/>
                 </a:solidFill>
@@ -11256,7 +11492,7 @@
               </a:rPr>
               <a:t>Where F*(x) is a family of parameterized functions and f_0(x) is the the initial guess, with each additive function referred to as a “boost”. </a:t>
             </a:r>
-            <a:endParaRPr b="0" lang="en-US" sz="1800" spc="-1" strike="noStrike">
+            <a:endParaRPr lang="en-US" sz="1800" b="0" strike="noStrike" spc="-1" dirty="0">
               <a:solidFill>
                 <a:srgbClr val="000000"/>
               </a:solidFill>
@@ -11278,7 +11514,7 @@
               <a:buChar char="●"/>
             </a:pPr>
             <a:r>
-              <a:rPr b="0" lang="en-US" sz="1800" spc="-1" strike="noStrike">
+              <a:rPr lang="en-US" sz="1800" b="0" strike="noStrike" spc="-1" dirty="0">
                 <a:solidFill>
                   <a:srgbClr val="000000"/>
                 </a:solidFill>
@@ -11288,7 +11524,7 @@
               <a:t>For trees,                                        where </a:t>
             </a:r>
             <a:r>
-              <a:rPr b="0" i="1" lang="en-US" sz="1800" spc="-1" strike="noStrike">
+              <a:rPr lang="en-US" sz="1800" b="0" i="1" strike="noStrike" spc="-1" dirty="0">
                 <a:solidFill>
                   <a:srgbClr val="000000"/>
                 </a:solidFill>
@@ -11298,7 +11534,7 @@
               <a:t>   </a:t>
             </a:r>
             <a:r>
-              <a:rPr b="0" lang="en-US" sz="1800" spc="-1" strike="noStrike">
+              <a:rPr lang="en-US" sz="1800" b="0" strike="noStrike" spc="-1" dirty="0">
                 <a:solidFill>
                   <a:srgbClr val="000000"/>
                 </a:solidFill>
@@ -11308,7 +11544,7 @@
               <a:t>                is a tree and the parameters, </a:t>
             </a:r>
             <a:r>
-              <a:rPr b="0" i="1" lang="en-US" sz="1800" spc="-1" strike="noStrike">
+              <a:rPr lang="en-US" sz="1800" b="0" i="1" strike="noStrike" spc="-1" dirty="0">
                 <a:solidFill>
                   <a:srgbClr val="000000"/>
                 </a:solidFill>
@@ -11318,29 +11554,49 @@
               <a:t>a</a:t>
             </a:r>
             <a:r>
-              <a:rPr b="0" lang="en-US" sz="1800" spc="-1" strike="noStrike">
+              <a:rPr lang="en-US" sz="1800" b="0" strike="noStrike" spc="-1" dirty="0">
                 <a:solidFill>
                   <a:srgbClr val="000000"/>
                 </a:solidFill>
                 <a:latin typeface="Open Sans"/>
                 <a:ea typeface="Open Sans"/>
               </a:rPr>
-              <a:t>, are those of a tree - eg, splitting features, locations, etc. See this paper on </a:t>
-            </a:r>
-            <a:r>
-              <a:rPr b="0" lang="en-US" sz="1800" spc="-1" strike="noStrike" u="sng">
-                <a:solidFill>
-                  <a:srgbClr val="57bb8a"/>
+              <a:t>, are those of a tree - </a:t>
+            </a:r>
+            <a:r>
+              <a:rPr lang="en-US" sz="1800" b="0" strike="noStrike" spc="-1" dirty="0" err="1">
+                <a:solidFill>
+                  <a:srgbClr val="000000"/>
+                </a:solidFill>
+                <a:latin typeface="Open Sans"/>
+                <a:ea typeface="Open Sans"/>
+              </a:rPr>
+              <a:t>eg</a:t>
+            </a:r>
+            <a:r>
+              <a:rPr lang="en-US" sz="1800" b="0" strike="noStrike" spc="-1" dirty="0">
+                <a:solidFill>
+                  <a:srgbClr val="000000"/>
+                </a:solidFill>
+                <a:latin typeface="Open Sans"/>
+                <a:ea typeface="Open Sans"/>
+              </a:rPr>
+              <a:t>, splitting features, locations, etc. See this paper on </a:t>
+            </a:r>
+            <a:r>
+              <a:rPr lang="en-US" sz="1800" b="0" u="sng" strike="noStrike" spc="-1" dirty="0">
+                <a:solidFill>
+                  <a:srgbClr val="57BB8A"/>
                 </a:solidFill>
                 <a:uFillTx/>
                 <a:latin typeface="Open Sans"/>
                 <a:ea typeface="Open Sans"/>
-                <a:hlinkClick r:id="rId1"/>
+                <a:hlinkClick r:id="rId2"/>
               </a:rPr>
               <a:t>gradient boosting machine</a:t>
             </a:r>
             <a:r>
-              <a:rPr b="0" lang="en-US" sz="1800" spc="-1" strike="noStrike">
+              <a:rPr lang="en-US" sz="1800" b="0" strike="noStrike" spc="-1" dirty="0">
                 <a:solidFill>
                   <a:srgbClr val="000000"/>
                 </a:solidFill>
@@ -11349,7 +11605,7 @@
               </a:rPr>
               <a:t> for gritty details.</a:t>
             </a:r>
-            <a:endParaRPr b="0" lang="en-US" sz="1800" spc="-1" strike="noStrike">
+            <a:endParaRPr lang="en-US" sz="1800" b="0" strike="noStrike" spc="-1" dirty="0">
               <a:solidFill>
                 <a:srgbClr val="000000"/>
               </a:solidFill>
@@ -11360,30 +11616,7 @@
       </p:sp>
       <p:pic>
         <p:nvPicPr>
-          <p:cNvPr id="146" name="Google Shape;119;p21" descr=""/>
-          <p:cNvPicPr/>
-          <p:nvPr/>
-        </p:nvPicPr>
-        <p:blipFill>
-          <a:blip r:embed="rId2"/>
-          <a:stretch/>
-        </p:blipFill>
-        <p:spPr>
-          <a:xfrm>
-            <a:off x="2520000" y="2209320"/>
-            <a:ext cx="3972240" cy="625320"/>
-          </a:xfrm>
-          <a:prstGeom prst="rect">
-            <a:avLst/>
-          </a:prstGeom>
-          <a:ln>
-            <a:noFill/>
-          </a:ln>
-        </p:spPr>
-      </p:pic>
-      <p:pic>
-        <p:nvPicPr>
-          <p:cNvPr id="147" name="Google Shape;120;p21" descr=""/>
+          <p:cNvPr id="146" name="Google Shape;119;p21"/>
           <p:cNvPicPr/>
           <p:nvPr/>
         </p:nvPicPr>
@@ -11393,8 +11626,8 @@
         </p:blipFill>
         <p:spPr>
           <a:xfrm>
-            <a:off x="2153160" y="3642840"/>
-            <a:ext cx="2418840" cy="380520"/>
+            <a:off x="2520000" y="2209320"/>
+            <a:ext cx="3972240" cy="625320"/>
           </a:xfrm>
           <a:prstGeom prst="rect">
             <a:avLst/>
@@ -11406,7 +11639,7 @@
       </p:pic>
       <p:pic>
         <p:nvPicPr>
-          <p:cNvPr id="148" name="Google Shape;121;p21" descr=""/>
+          <p:cNvPr id="147" name="Google Shape;120;p21"/>
           <p:cNvPicPr/>
           <p:nvPr/>
         </p:nvPicPr>
@@ -11416,8 +11649,8 @@
         </p:blipFill>
         <p:spPr>
           <a:xfrm>
-            <a:off x="5669280" y="3657600"/>
-            <a:ext cx="1176480" cy="380520"/>
+            <a:off x="1850205" y="3674162"/>
+            <a:ext cx="2418840" cy="380520"/>
           </a:xfrm>
           <a:prstGeom prst="rect">
             <a:avLst/>
@@ -11427,24 +11660,50 @@
           </a:ln>
         </p:spPr>
       </p:pic>
+      <p:pic>
+        <p:nvPicPr>
+          <p:cNvPr id="148" name="Google Shape;121;p21"/>
+          <p:cNvPicPr/>
+          <p:nvPr/>
+        </p:nvPicPr>
+        <p:blipFill>
+          <a:blip r:embed="rId5"/>
+          <a:stretch/>
+        </p:blipFill>
+        <p:spPr>
+          <a:xfrm>
+            <a:off x="4999476" y="3697462"/>
+            <a:ext cx="1176480" cy="380520"/>
+          </a:xfrm>
+          <a:prstGeom prst="rect">
+            <a:avLst/>
+          </a:prstGeom>
+          <a:ln>
+            <a:noFill/>
+          </a:ln>
+        </p:spPr>
+      </p:pic>
     </p:spTree>
   </p:cSld>
+  <p:clrMapOvr>
+    <a:masterClrMapping/>
+  </p:clrMapOvr>
   <p:timing>
     <p:tnLst>
       <p:par>
-        <p:cTn id="17" dur="indefinite" restart="never" nodeType="tmRoot">
+        <p:cTn xmlns:p14="http://schemas.microsoft.com/office/powerpoint/2010/main" id="1" dur="indefinite" restart="never" nodeType="tmRoot">
           <p:childTnLst>
             <p:seq>
-              <p:cTn id="18" dur="indefinite" nodeType="mainSeq"/>
+              <p:cTn id="2" dur="indefinite" nodeType="mainSeq"/>
               <p:prevCondLst>
-                <p:cond delay="0" evt="onPrev">
+                <p:cond evt="onPrev" delay="0">
                   <p:tgtEl>
                     <p:sldTgt/>
                   </p:tgtEl>
                 </p:cond>
               </p:prevCondLst>
               <p:nextCondLst>
-                <p:cond delay="0" evt="onNext">
+                <p:cond evt="onNext" delay="0">
                   <p:tgtEl>
                     <p:sldTgt/>
                   </p:tgtEl>
@@ -11470,34 +11729,34 @@
         <a:sysClr val="window" lastClr="FFFFFF"/>
       </a:lt1>
       <a:dk2>
-        <a:srgbClr val="b7b7b7"/>
+        <a:srgbClr val="B7B7B7"/>
       </a:dk2>
       <a:lt2>
-        <a:srgbClr val="cca677"/>
+        <a:srgbClr val="CCA677"/>
       </a:lt2>
       <a:accent1>
-        <a:srgbClr val="5d4037"/>
+        <a:srgbClr val="5D4037"/>
       </a:accent1>
       <a:accent2>
-        <a:srgbClr val="455a64"/>
+        <a:srgbClr val="455A64"/>
       </a:accent2>
       <a:accent3>
-        <a:srgbClr val="607d8b"/>
+        <a:srgbClr val="607D8B"/>
       </a:accent3>
       <a:accent4>
-        <a:srgbClr val="78909c"/>
+        <a:srgbClr val="78909C"/>
       </a:accent4>
       <a:accent5>
-        <a:srgbClr val="57bb8a"/>
+        <a:srgbClr val="57BB8A"/>
       </a:accent5>
       <a:accent6>
-        <a:srgbClr val="dce755"/>
+        <a:srgbClr val="DCE755"/>
       </a:accent6>
       <a:hlink>
-        <a:srgbClr val="57bb8a"/>
+        <a:srgbClr val="57BB8A"/>
       </a:hlink>
       <a:folHlink>
-        <a:srgbClr val="57bb8a"/>
+        <a:srgbClr val="57BB8A"/>
       </a:folHlink>
     </a:clrScheme>
     <a:fontScheme name="Office">
@@ -11679,6 +11938,8 @@
       </a:bgFillStyleLst>
     </a:fmtScheme>
   </a:themeElements>
+  <a:objectDefaults/>
+  <a:extraClrSchemeLst/>
 </a:theme>
 </file>
 
@@ -11693,34 +11954,34 @@
         <a:sysClr val="window" lastClr="FFFFFF"/>
       </a:lt1>
       <a:dk2>
-        <a:srgbClr val="b7b7b7"/>
+        <a:srgbClr val="B7B7B7"/>
       </a:dk2>
       <a:lt2>
-        <a:srgbClr val="cca677"/>
+        <a:srgbClr val="CCA677"/>
       </a:lt2>
       <a:accent1>
-        <a:srgbClr val="5d4037"/>
+        <a:srgbClr val="5D4037"/>
       </a:accent1>
       <a:accent2>
-        <a:srgbClr val="455a64"/>
+        <a:srgbClr val="455A64"/>
       </a:accent2>
       <a:accent3>
-        <a:srgbClr val="607d8b"/>
+        <a:srgbClr val="607D8B"/>
       </a:accent3>
       <a:accent4>
-        <a:srgbClr val="78909c"/>
+        <a:srgbClr val="78909C"/>
       </a:accent4>
       <a:accent5>
-        <a:srgbClr val="57bb8a"/>
+        <a:srgbClr val="57BB8A"/>
       </a:accent5>
       <a:accent6>
-        <a:srgbClr val="dce755"/>
+        <a:srgbClr val="DCE755"/>
       </a:accent6>
       <a:hlink>
-        <a:srgbClr val="57bb8a"/>
+        <a:srgbClr val="57BB8A"/>
       </a:hlink>
       <a:folHlink>
-        <a:srgbClr val="57bb8a"/>
+        <a:srgbClr val="57BB8A"/>
       </a:folHlink>
     </a:clrScheme>
     <a:fontScheme name="Office">
@@ -11902,6 +12163,8 @@
       </a:bgFillStyleLst>
     </a:fmtScheme>
   </a:themeElements>
+  <a:objectDefaults/>
+  <a:extraClrSchemeLst/>
 </a:theme>
 </file>
 
@@ -11916,34 +12179,34 @@
         <a:sysClr val="window" lastClr="FFFFFF"/>
       </a:lt1>
       <a:dk2>
-        <a:srgbClr val="b7b7b7"/>
+        <a:srgbClr val="B7B7B7"/>
       </a:dk2>
       <a:lt2>
-        <a:srgbClr val="cca677"/>
+        <a:srgbClr val="CCA677"/>
       </a:lt2>
       <a:accent1>
-        <a:srgbClr val="5d4037"/>
+        <a:srgbClr val="5D4037"/>
       </a:accent1>
       <a:accent2>
-        <a:srgbClr val="455a64"/>
+        <a:srgbClr val="455A64"/>
       </a:accent2>
       <a:accent3>
-        <a:srgbClr val="607d8b"/>
+        <a:srgbClr val="607D8B"/>
       </a:accent3>
       <a:accent4>
-        <a:srgbClr val="78909c"/>
+        <a:srgbClr val="78909C"/>
       </a:accent4>
       <a:accent5>
-        <a:srgbClr val="57bb8a"/>
+        <a:srgbClr val="57BB8A"/>
       </a:accent5>
       <a:accent6>
-        <a:srgbClr val="dce755"/>
+        <a:srgbClr val="DCE755"/>
       </a:accent6>
       <a:hlink>
-        <a:srgbClr val="57bb8a"/>
+        <a:srgbClr val="57BB8A"/>
       </a:hlink>
       <a:folHlink>
-        <a:srgbClr val="57bb8a"/>
+        <a:srgbClr val="57BB8A"/>
       </a:folHlink>
     </a:clrScheme>
     <a:fontScheme name="Office">
@@ -12125,5 +12388,7 @@
       </a:bgFillStyleLst>
     </a:fmtScheme>
   </a:themeElements>
+  <a:objectDefaults/>
+  <a:extraClrSchemeLst/>
 </a:theme>
 </file>